--- a/documentation/Presentatie/WoodenBlockGamePPTX_MaximDerboven_AlexieChaerle_INF105A.pptx
+++ b/documentation/Presentatie/WoodenBlockGamePPTX_MaximDerboven_AlexieChaerle_INF105A.pptx
@@ -8,6 +8,13 @@
     <p:sldId id="256" r:id="rId2"/>
     <p:sldId id="257" r:id="rId3"/>
     <p:sldId id="258" r:id="rId4"/>
+    <p:sldId id="259" r:id="rId5"/>
+    <p:sldId id="261" r:id="rId6"/>
+    <p:sldId id="262" r:id="rId7"/>
+    <p:sldId id="264" r:id="rId8"/>
+    <p:sldId id="263" r:id="rId9"/>
+    <p:sldId id="265" r:id="rId10"/>
+    <p:sldId id="266" r:id="rId11"/>
   </p:sldIdLst>
   <p:sldSz cx="12192000" cy="6858000"/>
   <p:notesSz cx="6858000" cy="9144000"/>
@@ -106,7 +113,1004 @@
       </a:defRPr>
     </a:lvl9pPr>
   </p:defaultTextStyle>
+  <p:extLst>
+    <p:ext uri="{EFAFB233-063F-42B5-8137-9DF3F51BA10A}">
+      <p15:sldGuideLst xmlns:p15="http://schemas.microsoft.com/office/powerpoint/2012/main"/>
+    </p:ext>
+  </p:extLst>
 </p:presentation>
+</file>
+
+<file path=ppt/revisionInfo.xml><?xml version="1.0" encoding="utf-8"?>
+<p1510:revInfo xmlns:a="http://schemas.openxmlformats.org/drawingml/2006/main" xmlns:r="http://schemas.openxmlformats.org/officeDocument/2006/relationships" xmlns:p1510="http://schemas.microsoft.com/office/powerpoint/2015/10/main">
+  <p1510:revLst>
+    <p1510:client id="{25E25230-2F6D-4A59-8137-9DCD17CC95D8}" v="211" dt="2021-03-23T23:59:13.022"/>
+  </p1510:revLst>
+</p1510:revInfo>
+</file>
+
+<file path=ppt/changesInfos/changesInfo1.xml><?xml version="1.0" encoding="utf-8"?>
+<pc:chgInfo xmlns:a="http://schemas.openxmlformats.org/drawingml/2006/main" xmlns:r="http://schemas.openxmlformats.org/officeDocument/2006/relationships" xmlns:ac="http://schemas.microsoft.com/office/drawing/2013/main/command" xmlns:pc="http://schemas.microsoft.com/office/powerpoint/2013/main/command">
+  <pc:docChgLst>
+    <pc:chgData name="Derboven Maxim" userId="2f439f84-d12e-41ac-a559-b3ddfea81cff" providerId="ADAL" clId="{25E25230-2F6D-4A59-8137-9DCD17CC95D8}"/>
+    <pc:docChg chg="undo redo custSel addSld delSld modSld sldOrd">
+      <pc:chgData name="Derboven Maxim" userId="2f439f84-d12e-41ac-a559-b3ddfea81cff" providerId="ADAL" clId="{25E25230-2F6D-4A59-8137-9DCD17CC95D8}" dt="2021-03-23T23:59:13.022" v="1998"/>
+      <pc:docMkLst>
+        <pc:docMk/>
+      </pc:docMkLst>
+      <pc:sldChg chg="modSp mod">
+        <pc:chgData name="Derboven Maxim" userId="2f439f84-d12e-41ac-a559-b3ddfea81cff" providerId="ADAL" clId="{25E25230-2F6D-4A59-8137-9DCD17CC95D8}" dt="2021-03-23T23:17:14.726" v="1636" actId="1076"/>
+        <pc:sldMkLst>
+          <pc:docMk/>
+          <pc:sldMk cId="434798665" sldId="257"/>
+        </pc:sldMkLst>
+        <pc:picChg chg="mod">
+          <ac:chgData name="Derboven Maxim" userId="2f439f84-d12e-41ac-a559-b3ddfea81cff" providerId="ADAL" clId="{25E25230-2F6D-4A59-8137-9DCD17CC95D8}" dt="2021-03-23T23:17:14.726" v="1636" actId="1076"/>
+          <ac:picMkLst>
+            <pc:docMk/>
+            <pc:sldMk cId="434798665" sldId="257"/>
+            <ac:picMk id="31" creationId="{CD798446-E5FE-4DBA-B1C8-AA4FDA9864F1}"/>
+          </ac:picMkLst>
+        </pc:picChg>
+      </pc:sldChg>
+      <pc:sldChg chg="addSp delSp modSp mod">
+        <pc:chgData name="Derboven Maxim" userId="2f439f84-d12e-41ac-a559-b3ddfea81cff" providerId="ADAL" clId="{25E25230-2F6D-4A59-8137-9DCD17CC95D8}" dt="2021-03-23T23:19:43.102" v="1675" actId="1076"/>
+        <pc:sldMkLst>
+          <pc:docMk/>
+          <pc:sldMk cId="748776510" sldId="258"/>
+        </pc:sldMkLst>
+        <pc:spChg chg="mod">
+          <ac:chgData name="Derboven Maxim" userId="2f439f84-d12e-41ac-a559-b3ddfea81cff" providerId="ADAL" clId="{25E25230-2F6D-4A59-8137-9DCD17CC95D8}" dt="2021-03-23T23:19:13.128" v="1660" actId="20577"/>
+          <ac:spMkLst>
+            <pc:docMk/>
+            <pc:sldMk cId="748776510" sldId="258"/>
+            <ac:spMk id="2" creationId="{93F327A7-3222-4B42-9D45-7822F76170FE}"/>
+          </ac:spMkLst>
+        </pc:spChg>
+        <pc:spChg chg="add del">
+          <ac:chgData name="Derboven Maxim" userId="2f439f84-d12e-41ac-a559-b3ddfea81cff" providerId="ADAL" clId="{25E25230-2F6D-4A59-8137-9DCD17CC95D8}" dt="2021-03-23T23:18:18.808" v="1641"/>
+          <ac:spMkLst>
+            <pc:docMk/>
+            <pc:sldMk cId="748776510" sldId="258"/>
+            <ac:spMk id="3" creationId="{4A694AC8-18F1-4777-A7D0-452C3A2E8521}"/>
+          </ac:spMkLst>
+        </pc:spChg>
+        <pc:spChg chg="add del mod">
+          <ac:chgData name="Derboven Maxim" userId="2f439f84-d12e-41ac-a559-b3ddfea81cff" providerId="ADAL" clId="{25E25230-2F6D-4A59-8137-9DCD17CC95D8}" dt="2021-03-23T23:19:08.951" v="1650" actId="478"/>
+          <ac:spMkLst>
+            <pc:docMk/>
+            <pc:sldMk cId="748776510" sldId="258"/>
+            <ac:spMk id="6" creationId="{5E8DDD2D-6D68-4262-907C-82E1C28C2F05}"/>
+          </ac:spMkLst>
+        </pc:spChg>
+        <pc:picChg chg="add mod">
+          <ac:chgData name="Derboven Maxim" userId="2f439f84-d12e-41ac-a559-b3ddfea81cff" providerId="ADAL" clId="{25E25230-2F6D-4A59-8137-9DCD17CC95D8}" dt="2021-03-23T23:19:43.102" v="1675" actId="1076"/>
+          <ac:picMkLst>
+            <pc:docMk/>
+            <pc:sldMk cId="748776510" sldId="258"/>
+            <ac:picMk id="5" creationId="{C34BE23D-1386-457D-8334-CAEEBE09CB55}"/>
+          </ac:picMkLst>
+        </pc:picChg>
+        <pc:picChg chg="add mod">
+          <ac:chgData name="Derboven Maxim" userId="2f439f84-d12e-41ac-a559-b3ddfea81cff" providerId="ADAL" clId="{25E25230-2F6D-4A59-8137-9DCD17CC95D8}" dt="2021-03-23T23:19:43.102" v="1675" actId="1076"/>
+          <ac:picMkLst>
+            <pc:docMk/>
+            <pc:sldMk cId="748776510" sldId="258"/>
+            <ac:picMk id="8" creationId="{AD30994B-4FC1-4BF1-8D2D-3D979D81FF90}"/>
+          </ac:picMkLst>
+        </pc:picChg>
+        <pc:picChg chg="add mod">
+          <ac:chgData name="Derboven Maxim" userId="2f439f84-d12e-41ac-a559-b3ddfea81cff" providerId="ADAL" clId="{25E25230-2F6D-4A59-8137-9DCD17CC95D8}" dt="2021-03-23T23:19:43.102" v="1675" actId="1076"/>
+          <ac:picMkLst>
+            <pc:docMk/>
+            <pc:sldMk cId="748776510" sldId="258"/>
+            <ac:picMk id="10" creationId="{59297269-A538-467C-A994-26A7CF29B181}"/>
+          </ac:picMkLst>
+        </pc:picChg>
+        <pc:picChg chg="add del mod">
+          <ac:chgData name="Derboven Maxim" userId="2f439f84-d12e-41ac-a559-b3ddfea81cff" providerId="ADAL" clId="{25E25230-2F6D-4A59-8137-9DCD17CC95D8}" dt="2021-03-23T23:18:14.189" v="1640"/>
+          <ac:picMkLst>
+            <pc:docMk/>
+            <pc:sldMk cId="748776510" sldId="258"/>
+            <ac:picMk id="2050" creationId="{DF5A34A3-EFD5-4812-9329-C69178E4861E}"/>
+          </ac:picMkLst>
+        </pc:picChg>
+        <pc:picChg chg="add del mod">
+          <ac:chgData name="Derboven Maxim" userId="2f439f84-d12e-41ac-a559-b3ddfea81cff" providerId="ADAL" clId="{25E25230-2F6D-4A59-8137-9DCD17CC95D8}" dt="2021-03-23T23:19:06.671" v="1649" actId="478"/>
+          <ac:picMkLst>
+            <pc:docMk/>
+            <pc:sldMk cId="748776510" sldId="258"/>
+            <ac:picMk id="2052" creationId="{71F93D73-6696-4E53-B6CA-FA2F83773DFA}"/>
+          </ac:picMkLst>
+        </pc:picChg>
+      </pc:sldChg>
+      <pc:sldChg chg="addSp delSp modSp new mod modAnim">
+        <pc:chgData name="Derboven Maxim" userId="2f439f84-d12e-41ac-a559-b3ddfea81cff" providerId="ADAL" clId="{25E25230-2F6D-4A59-8137-9DCD17CC95D8}" dt="2021-03-23T23:36:52.713" v="1814"/>
+        <pc:sldMkLst>
+          <pc:docMk/>
+          <pc:sldMk cId="2651218248" sldId="259"/>
+        </pc:sldMkLst>
+        <pc:spChg chg="mod">
+          <ac:chgData name="Derboven Maxim" userId="2f439f84-d12e-41ac-a559-b3ddfea81cff" providerId="ADAL" clId="{25E25230-2F6D-4A59-8137-9DCD17CC95D8}" dt="2021-03-23T22:51:10.406" v="458" actId="20577"/>
+          <ac:spMkLst>
+            <pc:docMk/>
+            <pc:sldMk cId="2651218248" sldId="259"/>
+            <ac:spMk id="2" creationId="{572D1FDC-4E4A-4A96-B8A0-0281F1352DEF}"/>
+          </ac:spMkLst>
+        </pc:spChg>
+        <pc:spChg chg="del">
+          <ac:chgData name="Derboven Maxim" userId="2f439f84-d12e-41ac-a559-b3ddfea81cff" providerId="ADAL" clId="{25E25230-2F6D-4A59-8137-9DCD17CC95D8}" dt="2021-03-23T22:43:45.786" v="47"/>
+          <ac:spMkLst>
+            <pc:docMk/>
+            <pc:sldMk cId="2651218248" sldId="259"/>
+            <ac:spMk id="3" creationId="{D5A723A2-851D-4E20-A829-46A5CDAD0548}"/>
+          </ac:spMkLst>
+        </pc:spChg>
+        <pc:spChg chg="mod">
+          <ac:chgData name="Derboven Maxim" userId="2f439f84-d12e-41ac-a559-b3ddfea81cff" providerId="ADAL" clId="{25E25230-2F6D-4A59-8137-9DCD17CC95D8}" dt="2021-03-23T22:50:36.859" v="433" actId="207"/>
+          <ac:spMkLst>
+            <pc:docMk/>
+            <pc:sldMk cId="2651218248" sldId="259"/>
+            <ac:spMk id="4" creationId="{09C3E5BA-B0AE-47C0-BCD0-D9E92552EB03}"/>
+          </ac:spMkLst>
+        </pc:spChg>
+        <pc:picChg chg="add mod">
+          <ac:chgData name="Derboven Maxim" userId="2f439f84-d12e-41ac-a559-b3ddfea81cff" providerId="ADAL" clId="{25E25230-2F6D-4A59-8137-9DCD17CC95D8}" dt="2021-03-23T22:43:48.945" v="49" actId="14100"/>
+          <ac:picMkLst>
+            <pc:docMk/>
+            <pc:sldMk cId="2651218248" sldId="259"/>
+            <ac:picMk id="5" creationId="{4CA0131F-5DBB-42AE-AE78-FE5B998E14BF}"/>
+          </ac:picMkLst>
+        </pc:picChg>
+      </pc:sldChg>
+      <pc:sldChg chg="addSp delSp modSp new del mod setBg">
+        <pc:chgData name="Derboven Maxim" userId="2f439f84-d12e-41ac-a559-b3ddfea81cff" providerId="ADAL" clId="{25E25230-2F6D-4A59-8137-9DCD17CC95D8}" dt="2021-03-23T22:43:39.208" v="45" actId="2696"/>
+        <pc:sldMkLst>
+          <pc:docMk/>
+          <pc:sldMk cId="3373232342" sldId="259"/>
+        </pc:sldMkLst>
+        <pc:spChg chg="mod">
+          <ac:chgData name="Derboven Maxim" userId="2f439f84-d12e-41ac-a559-b3ddfea81cff" providerId="ADAL" clId="{25E25230-2F6D-4A59-8137-9DCD17CC95D8}" dt="2021-03-23T22:43:13.076" v="31" actId="26606"/>
+          <ac:spMkLst>
+            <pc:docMk/>
+            <pc:sldMk cId="3373232342" sldId="259"/>
+            <ac:spMk id="2" creationId="{C171DA90-5B0B-4AE7-9F4B-F9055DB57C85}"/>
+          </ac:spMkLst>
+        </pc:spChg>
+        <pc:spChg chg="del">
+          <ac:chgData name="Derboven Maxim" userId="2f439f84-d12e-41ac-a559-b3ddfea81cff" providerId="ADAL" clId="{25E25230-2F6D-4A59-8137-9DCD17CC95D8}" dt="2021-03-23T22:42:50.259" v="23" actId="22"/>
+          <ac:spMkLst>
+            <pc:docMk/>
+            <pc:sldMk cId="3373232342" sldId="259"/>
+            <ac:spMk id="3" creationId="{C44C66A2-6CB2-40E3-8106-FB565346C4B2}"/>
+          </ac:spMkLst>
+        </pc:spChg>
+        <pc:spChg chg="add mod">
+          <ac:chgData name="Derboven Maxim" userId="2f439f84-d12e-41ac-a559-b3ddfea81cff" providerId="ADAL" clId="{25E25230-2F6D-4A59-8137-9DCD17CC95D8}" dt="2021-03-23T22:43:16.768" v="34" actId="21"/>
+          <ac:spMkLst>
+            <pc:docMk/>
+            <pc:sldMk cId="3373232342" sldId="259"/>
+            <ac:spMk id="7" creationId="{44CC8E9F-1CB2-4022-A913-4F56C2506059}"/>
+          </ac:spMkLst>
+        </pc:spChg>
+        <pc:spChg chg="add del">
+          <ac:chgData name="Derboven Maxim" userId="2f439f84-d12e-41ac-a559-b3ddfea81cff" providerId="ADAL" clId="{25E25230-2F6D-4A59-8137-9DCD17CC95D8}" dt="2021-03-23T22:43:13.076" v="31" actId="26606"/>
+          <ac:spMkLst>
+            <pc:docMk/>
+            <pc:sldMk cId="3373232342" sldId="259"/>
+            <ac:spMk id="9" creationId="{943F0F7B-3CC2-4C33-9451-BE7CF96C84A6}"/>
+          </ac:spMkLst>
+        </pc:spChg>
+        <pc:grpChg chg="add del">
+          <ac:chgData name="Derboven Maxim" userId="2f439f84-d12e-41ac-a559-b3ddfea81cff" providerId="ADAL" clId="{25E25230-2F6D-4A59-8137-9DCD17CC95D8}" dt="2021-03-23T22:43:13.076" v="31" actId="26606"/>
+          <ac:grpSpMkLst>
+            <pc:docMk/>
+            <pc:sldMk cId="3373232342" sldId="259"/>
+            <ac:grpSpMk id="12" creationId="{1BEA2E2A-5839-4945-B7B0-368FFFACA5B9}"/>
+          </ac:grpSpMkLst>
+        </pc:grpChg>
+        <pc:picChg chg="add del mod ord">
+          <ac:chgData name="Derboven Maxim" userId="2f439f84-d12e-41ac-a559-b3ddfea81cff" providerId="ADAL" clId="{25E25230-2F6D-4A59-8137-9DCD17CC95D8}" dt="2021-03-23T22:43:16.768" v="34" actId="21"/>
+          <ac:picMkLst>
+            <pc:docMk/>
+            <pc:sldMk cId="3373232342" sldId="259"/>
+            <ac:picMk id="5" creationId="{D182EF4A-0E97-4628-9D2C-C164B777D13A}"/>
+          </ac:picMkLst>
+        </pc:picChg>
+      </pc:sldChg>
+      <pc:sldChg chg="new add del">
+        <pc:chgData name="Derboven Maxim" userId="2f439f84-d12e-41ac-a559-b3ddfea81cff" providerId="ADAL" clId="{25E25230-2F6D-4A59-8137-9DCD17CC95D8}" dt="2021-03-23T22:43:37.651" v="44" actId="2696"/>
+        <pc:sldMkLst>
+          <pc:docMk/>
+          <pc:sldMk cId="3281126535" sldId="260"/>
+        </pc:sldMkLst>
+      </pc:sldChg>
+      <pc:sldChg chg="modSp add del mod ord">
+        <pc:chgData name="Derboven Maxim" userId="2f439f84-d12e-41ac-a559-b3ddfea81cff" providerId="ADAL" clId="{25E25230-2F6D-4A59-8137-9DCD17CC95D8}" dt="2021-03-23T23:22:57.264" v="1676" actId="2696"/>
+        <pc:sldMkLst>
+          <pc:docMk/>
+          <pc:sldMk cId="3954925755" sldId="260"/>
+        </pc:sldMkLst>
+        <pc:spChg chg="mod">
+          <ac:chgData name="Derboven Maxim" userId="2f439f84-d12e-41ac-a559-b3ddfea81cff" providerId="ADAL" clId="{25E25230-2F6D-4A59-8137-9DCD17CC95D8}" dt="2021-03-23T22:50:44.963" v="439" actId="20577"/>
+          <ac:spMkLst>
+            <pc:docMk/>
+            <pc:sldMk cId="3954925755" sldId="260"/>
+            <ac:spMk id="2" creationId="{93F327A7-3222-4B42-9D45-7822F76170FE}"/>
+          </ac:spMkLst>
+        </pc:spChg>
+      </pc:sldChg>
+      <pc:sldChg chg="addSp delSp modSp new del mod">
+        <pc:chgData name="Derboven Maxim" userId="2f439f84-d12e-41ac-a559-b3ddfea81cff" providerId="ADAL" clId="{25E25230-2F6D-4A59-8137-9DCD17CC95D8}" dt="2021-03-23T22:43:34.443" v="42" actId="680"/>
+        <pc:sldMkLst>
+          <pc:docMk/>
+          <pc:sldMk cId="4079957906" sldId="260"/>
+        </pc:sldMkLst>
+        <pc:spChg chg="add del">
+          <ac:chgData name="Derboven Maxim" userId="2f439f84-d12e-41ac-a559-b3ddfea81cff" providerId="ADAL" clId="{25E25230-2F6D-4A59-8137-9DCD17CC95D8}" dt="2021-03-23T22:43:33.983" v="41"/>
+          <ac:spMkLst>
+            <pc:docMk/>
+            <pc:sldMk cId="4079957906" sldId="260"/>
+            <ac:spMk id="3" creationId="{5B2BC98E-05C2-4773-955B-8955627492BD}"/>
+          </ac:spMkLst>
+        </pc:spChg>
+        <pc:picChg chg="add del mod">
+          <ac:chgData name="Derboven Maxim" userId="2f439f84-d12e-41ac-a559-b3ddfea81cff" providerId="ADAL" clId="{25E25230-2F6D-4A59-8137-9DCD17CC95D8}" dt="2021-03-23T22:43:33.983" v="41"/>
+          <ac:picMkLst>
+            <pc:docMk/>
+            <pc:sldMk cId="4079957906" sldId="260"/>
+            <ac:picMk id="5" creationId="{5DB45389-E554-4DBC-AF15-4A14A3691B19}"/>
+          </ac:picMkLst>
+        </pc:picChg>
+      </pc:sldChg>
+      <pc:sldChg chg="addSp delSp modSp new mod">
+        <pc:chgData name="Derboven Maxim" userId="2f439f84-d12e-41ac-a559-b3ddfea81cff" providerId="ADAL" clId="{25E25230-2F6D-4A59-8137-9DCD17CC95D8}" dt="2021-03-23T23:16:20.188" v="1635" actId="1076"/>
+        <pc:sldMkLst>
+          <pc:docMk/>
+          <pc:sldMk cId="909537566" sldId="261"/>
+        </pc:sldMkLst>
+        <pc:spChg chg="mod">
+          <ac:chgData name="Derboven Maxim" userId="2f439f84-d12e-41ac-a559-b3ddfea81cff" providerId="ADAL" clId="{25E25230-2F6D-4A59-8137-9DCD17CC95D8}" dt="2021-03-23T22:56:27.681" v="786" actId="1076"/>
+          <ac:spMkLst>
+            <pc:docMk/>
+            <pc:sldMk cId="909537566" sldId="261"/>
+            <ac:spMk id="2" creationId="{1DADF963-9A97-49CA-9F75-CDA97B058F49}"/>
+          </ac:spMkLst>
+        </pc:spChg>
+        <pc:spChg chg="del">
+          <ac:chgData name="Derboven Maxim" userId="2f439f84-d12e-41ac-a559-b3ddfea81cff" providerId="ADAL" clId="{25E25230-2F6D-4A59-8137-9DCD17CC95D8}" dt="2021-03-23T22:56:08.709" v="776"/>
+          <ac:spMkLst>
+            <pc:docMk/>
+            <pc:sldMk cId="909537566" sldId="261"/>
+            <ac:spMk id="3" creationId="{963283B3-2C86-4539-9B98-1FE7573957C8}"/>
+          </ac:spMkLst>
+        </pc:spChg>
+        <pc:picChg chg="add mod modCrop">
+          <ac:chgData name="Derboven Maxim" userId="2f439f84-d12e-41ac-a559-b3ddfea81cff" providerId="ADAL" clId="{25E25230-2F6D-4A59-8137-9DCD17CC95D8}" dt="2021-03-23T23:16:20.188" v="1635" actId="1076"/>
+          <ac:picMkLst>
+            <pc:docMk/>
+            <pc:sldMk cId="909537566" sldId="261"/>
+            <ac:picMk id="5" creationId="{AA199CD2-FC90-4CB6-BD0B-D0069938EB6B}"/>
+          </ac:picMkLst>
+        </pc:picChg>
+        <pc:picChg chg="add mod modCrop">
+          <ac:chgData name="Derboven Maxim" userId="2f439f84-d12e-41ac-a559-b3ddfea81cff" providerId="ADAL" clId="{25E25230-2F6D-4A59-8137-9DCD17CC95D8}" dt="2021-03-23T23:16:18.374" v="1634" actId="1076"/>
+          <ac:picMkLst>
+            <pc:docMk/>
+            <pc:sldMk cId="909537566" sldId="261"/>
+            <ac:picMk id="7" creationId="{5111ECF0-FBEB-4715-B4F8-D571973C8AA0}"/>
+          </ac:picMkLst>
+        </pc:picChg>
+        <pc:picChg chg="add mod">
+          <ac:chgData name="Derboven Maxim" userId="2f439f84-d12e-41ac-a559-b3ddfea81cff" providerId="ADAL" clId="{25E25230-2F6D-4A59-8137-9DCD17CC95D8}" dt="2021-03-23T22:56:22.069" v="784" actId="1076"/>
+          <ac:picMkLst>
+            <pc:docMk/>
+            <pc:sldMk cId="909537566" sldId="261"/>
+            <ac:picMk id="1026" creationId="{46B1A30B-2323-47B7-B011-1CB71045AD54}"/>
+          </ac:picMkLst>
+        </pc:picChg>
+      </pc:sldChg>
+      <pc:sldChg chg="addSp delSp modSp new mod modAnim">
+        <pc:chgData name="Derboven Maxim" userId="2f439f84-d12e-41ac-a559-b3ddfea81cff" providerId="ADAL" clId="{25E25230-2F6D-4A59-8137-9DCD17CC95D8}" dt="2021-03-23T23:37:36.780" v="1825"/>
+        <pc:sldMkLst>
+          <pc:docMk/>
+          <pc:sldMk cId="4264384319" sldId="262"/>
+        </pc:sldMkLst>
+        <pc:spChg chg="mod">
+          <ac:chgData name="Derboven Maxim" userId="2f439f84-d12e-41ac-a559-b3ddfea81cff" providerId="ADAL" clId="{25E25230-2F6D-4A59-8137-9DCD17CC95D8}" dt="2021-03-23T22:51:44.420" v="528" actId="20577"/>
+          <ac:spMkLst>
+            <pc:docMk/>
+            <pc:sldMk cId="4264384319" sldId="262"/>
+            <ac:spMk id="2" creationId="{486FF07D-304B-46FF-8371-14A83F2A7241}"/>
+          </ac:spMkLst>
+        </pc:spChg>
+        <pc:spChg chg="del mod">
+          <ac:chgData name="Derboven Maxim" userId="2f439f84-d12e-41ac-a559-b3ddfea81cff" providerId="ADAL" clId="{25E25230-2F6D-4A59-8137-9DCD17CC95D8}" dt="2021-03-23T22:54:52.507" v="702" actId="478"/>
+          <ac:spMkLst>
+            <pc:docMk/>
+            <pc:sldMk cId="4264384319" sldId="262"/>
+            <ac:spMk id="3" creationId="{B4BD74BA-5C8A-41C7-8B4F-B3C2B0D9769D}"/>
+          </ac:spMkLst>
+        </pc:spChg>
+        <pc:spChg chg="add mod">
+          <ac:chgData name="Derboven Maxim" userId="2f439f84-d12e-41ac-a559-b3ddfea81cff" providerId="ADAL" clId="{25E25230-2F6D-4A59-8137-9DCD17CC95D8}" dt="2021-03-23T23:08:30.744" v="1200" actId="20577"/>
+          <ac:spMkLst>
+            <pc:docMk/>
+            <pc:sldMk cId="4264384319" sldId="262"/>
+            <ac:spMk id="4" creationId="{F3189EBF-BE36-4B4D-9F72-BD460666370B}"/>
+          </ac:spMkLst>
+        </pc:spChg>
+        <pc:spChg chg="add del mod">
+          <ac:chgData name="Derboven Maxim" userId="2f439f84-d12e-41ac-a559-b3ddfea81cff" providerId="ADAL" clId="{25E25230-2F6D-4A59-8137-9DCD17CC95D8}" dt="2021-03-23T22:52:43.462" v="562" actId="478"/>
+          <ac:spMkLst>
+            <pc:docMk/>
+            <pc:sldMk cId="4264384319" sldId="262"/>
+            <ac:spMk id="5" creationId="{EBB22437-70CC-4352-A519-2428D77D2155}"/>
+          </ac:spMkLst>
+        </pc:spChg>
+        <pc:spChg chg="add del mod">
+          <ac:chgData name="Derboven Maxim" userId="2f439f84-d12e-41ac-a559-b3ddfea81cff" providerId="ADAL" clId="{25E25230-2F6D-4A59-8137-9DCD17CC95D8}" dt="2021-03-23T22:54:53.871" v="703" actId="478"/>
+          <ac:spMkLst>
+            <pc:docMk/>
+            <pc:sldMk cId="4264384319" sldId="262"/>
+            <ac:spMk id="7" creationId="{79F50E5F-7D19-471D-B038-1E0136DC74E1}"/>
+          </ac:spMkLst>
+        </pc:spChg>
+        <pc:spChg chg="add mod">
+          <ac:chgData name="Derboven Maxim" userId="2f439f84-d12e-41ac-a559-b3ddfea81cff" providerId="ADAL" clId="{25E25230-2F6D-4A59-8137-9DCD17CC95D8}" dt="2021-03-23T23:08:35.374" v="1202" actId="1076"/>
+          <ac:spMkLst>
+            <pc:docMk/>
+            <pc:sldMk cId="4264384319" sldId="262"/>
+            <ac:spMk id="10" creationId="{DA191E4A-5C74-4ADE-BAC2-DEFF113ADD95}"/>
+          </ac:spMkLst>
+        </pc:spChg>
+        <pc:spChg chg="add mod">
+          <ac:chgData name="Derboven Maxim" userId="2f439f84-d12e-41ac-a559-b3ddfea81cff" providerId="ADAL" clId="{25E25230-2F6D-4A59-8137-9DCD17CC95D8}" dt="2021-03-23T23:01:24.442" v="849" actId="164"/>
+          <ac:spMkLst>
+            <pc:docMk/>
+            <pc:sldMk cId="4264384319" sldId="262"/>
+            <ac:spMk id="13" creationId="{54AF20FB-3AE0-4448-B034-887B7D4BF187}"/>
+          </ac:spMkLst>
+        </pc:spChg>
+        <pc:spChg chg="add mod">
+          <ac:chgData name="Derboven Maxim" userId="2f439f84-d12e-41ac-a559-b3ddfea81cff" providerId="ADAL" clId="{25E25230-2F6D-4A59-8137-9DCD17CC95D8}" dt="2021-03-23T23:01:24.442" v="849" actId="164"/>
+          <ac:spMkLst>
+            <pc:docMk/>
+            <pc:sldMk cId="4264384319" sldId="262"/>
+            <ac:spMk id="14" creationId="{E842BD35-E505-446E-8FB8-C10DB529795B}"/>
+          </ac:spMkLst>
+        </pc:spChg>
+        <pc:spChg chg="add mod">
+          <ac:chgData name="Derboven Maxim" userId="2f439f84-d12e-41ac-a559-b3ddfea81cff" providerId="ADAL" clId="{25E25230-2F6D-4A59-8137-9DCD17CC95D8}" dt="2021-03-23T23:04:53.935" v="916" actId="164"/>
+          <ac:spMkLst>
+            <pc:docMk/>
+            <pc:sldMk cId="4264384319" sldId="262"/>
+            <ac:spMk id="16" creationId="{D9D260AE-4971-4B94-9C34-B5A0EB95135A}"/>
+          </ac:spMkLst>
+        </pc:spChg>
+        <pc:spChg chg="add mod">
+          <ac:chgData name="Derboven Maxim" userId="2f439f84-d12e-41ac-a559-b3ddfea81cff" providerId="ADAL" clId="{25E25230-2F6D-4A59-8137-9DCD17CC95D8}" dt="2021-03-23T23:04:53.935" v="916" actId="164"/>
+          <ac:spMkLst>
+            <pc:docMk/>
+            <pc:sldMk cId="4264384319" sldId="262"/>
+            <ac:spMk id="17" creationId="{70655C38-3CA3-4ACF-9582-7C00C9940713}"/>
+          </ac:spMkLst>
+        </pc:spChg>
+        <pc:grpChg chg="add mod">
+          <ac:chgData name="Derboven Maxim" userId="2f439f84-d12e-41ac-a559-b3ddfea81cff" providerId="ADAL" clId="{25E25230-2F6D-4A59-8137-9DCD17CC95D8}" dt="2021-03-23T23:04:53.935" v="916" actId="164"/>
+          <ac:grpSpMkLst>
+            <pc:docMk/>
+            <pc:sldMk cId="4264384319" sldId="262"/>
+            <ac:grpSpMk id="15" creationId="{F56E0A6B-B033-4AC5-9241-11AC9A423C3A}"/>
+          </ac:grpSpMkLst>
+        </pc:grpChg>
+        <pc:grpChg chg="add mod">
+          <ac:chgData name="Derboven Maxim" userId="2f439f84-d12e-41ac-a559-b3ddfea81cff" providerId="ADAL" clId="{25E25230-2F6D-4A59-8137-9DCD17CC95D8}" dt="2021-03-23T23:04:53.935" v="916" actId="164"/>
+          <ac:grpSpMkLst>
+            <pc:docMk/>
+            <pc:sldMk cId="4264384319" sldId="262"/>
+            <ac:grpSpMk id="18" creationId="{38CAAFB3-E146-45C2-9D3E-6D7AE142990C}"/>
+          </ac:grpSpMkLst>
+        </pc:grpChg>
+        <pc:picChg chg="add mod">
+          <ac:chgData name="Derboven Maxim" userId="2f439f84-d12e-41ac-a559-b3ddfea81cff" providerId="ADAL" clId="{25E25230-2F6D-4A59-8137-9DCD17CC95D8}" dt="2021-03-23T23:08:34.210" v="1201" actId="1076"/>
+          <ac:picMkLst>
+            <pc:docMk/>
+            <pc:sldMk cId="4264384319" sldId="262"/>
+            <ac:picMk id="9" creationId="{7C056FD8-D629-47C2-9B4A-D7BDA1B9C63D}"/>
+          </ac:picMkLst>
+        </pc:picChg>
+        <pc:picChg chg="add mod">
+          <ac:chgData name="Derboven Maxim" userId="2f439f84-d12e-41ac-a559-b3ddfea81cff" providerId="ADAL" clId="{25E25230-2F6D-4A59-8137-9DCD17CC95D8}" dt="2021-03-23T23:00:50.524" v="844" actId="14100"/>
+          <ac:picMkLst>
+            <pc:docMk/>
+            <pc:sldMk cId="4264384319" sldId="262"/>
+            <ac:picMk id="12" creationId="{12CFF9C1-90F6-4B4D-A8A5-8700EFC42EE5}"/>
+          </ac:picMkLst>
+        </pc:picChg>
+      </pc:sldChg>
+      <pc:sldChg chg="addSp delSp modSp new mod modAnim">
+        <pc:chgData name="Derboven Maxim" userId="2f439f84-d12e-41ac-a559-b3ddfea81cff" providerId="ADAL" clId="{25E25230-2F6D-4A59-8137-9DCD17CC95D8}" dt="2021-03-23T23:48:55.114" v="1989"/>
+        <pc:sldMkLst>
+          <pc:docMk/>
+          <pc:sldMk cId="2976589553" sldId="263"/>
+        </pc:sldMkLst>
+        <pc:spChg chg="mod">
+          <ac:chgData name="Derboven Maxim" userId="2f439f84-d12e-41ac-a559-b3ddfea81cff" providerId="ADAL" clId="{25E25230-2F6D-4A59-8137-9DCD17CC95D8}" dt="2021-03-23T22:54:36.612" v="698" actId="20577"/>
+          <ac:spMkLst>
+            <pc:docMk/>
+            <pc:sldMk cId="2976589553" sldId="263"/>
+            <ac:spMk id="2" creationId="{C1623B69-B1E5-4945-8025-17F175BF05E7}"/>
+          </ac:spMkLst>
+        </pc:spChg>
+        <pc:spChg chg="del">
+          <ac:chgData name="Derboven Maxim" userId="2f439f84-d12e-41ac-a559-b3ddfea81cff" providerId="ADAL" clId="{25E25230-2F6D-4A59-8137-9DCD17CC95D8}" dt="2021-03-23T23:02:10.845" v="867"/>
+          <ac:spMkLst>
+            <pc:docMk/>
+            <pc:sldMk cId="2976589553" sldId="263"/>
+            <ac:spMk id="3" creationId="{476F5B98-8FDC-4386-96A0-D3395B1FC1F8}"/>
+          </ac:spMkLst>
+        </pc:spChg>
+        <pc:spChg chg="add del mod">
+          <ac:chgData name="Derboven Maxim" userId="2f439f84-d12e-41ac-a559-b3ddfea81cff" providerId="ADAL" clId="{25E25230-2F6D-4A59-8137-9DCD17CC95D8}" dt="2021-03-23T23:03:02.539" v="875" actId="22"/>
+          <ac:spMkLst>
+            <pc:docMk/>
+            <pc:sldMk cId="2976589553" sldId="263"/>
+            <ac:spMk id="7" creationId="{62327D92-7F9B-43B5-9C46-62698796E745}"/>
+          </ac:spMkLst>
+        </pc:spChg>
+        <pc:spChg chg="add mod">
+          <ac:chgData name="Derboven Maxim" userId="2f439f84-d12e-41ac-a559-b3ddfea81cff" providerId="ADAL" clId="{25E25230-2F6D-4A59-8137-9DCD17CC95D8}" dt="2021-03-23T23:03:45.688" v="893" actId="1076"/>
+          <ac:spMkLst>
+            <pc:docMk/>
+            <pc:sldMk cId="2976589553" sldId="263"/>
+            <ac:spMk id="10" creationId="{94B01C7A-2763-4527-B128-0E5764B4356F}"/>
+          </ac:spMkLst>
+        </pc:spChg>
+        <pc:spChg chg="add mod">
+          <ac:chgData name="Derboven Maxim" userId="2f439f84-d12e-41ac-a559-b3ddfea81cff" providerId="ADAL" clId="{25E25230-2F6D-4A59-8137-9DCD17CC95D8}" dt="2021-03-23T23:03:58.702" v="899" actId="1076"/>
+          <ac:spMkLst>
+            <pc:docMk/>
+            <pc:sldMk cId="2976589553" sldId="263"/>
+            <ac:spMk id="11" creationId="{675FA2B5-997F-4C3B-B37A-F725688D25B2}"/>
+          </ac:spMkLst>
+        </pc:spChg>
+        <pc:spChg chg="add mod">
+          <ac:chgData name="Derboven Maxim" userId="2f439f84-d12e-41ac-a559-b3ddfea81cff" providerId="ADAL" clId="{25E25230-2F6D-4A59-8137-9DCD17CC95D8}" dt="2021-03-23T23:04:07.636" v="905" actId="1076"/>
+          <ac:spMkLst>
+            <pc:docMk/>
+            <pc:sldMk cId="2976589553" sldId="263"/>
+            <ac:spMk id="12" creationId="{48353FC1-7894-4C07-B4AF-514A6FBC8D61}"/>
+          </ac:spMkLst>
+        </pc:spChg>
+        <pc:spChg chg="add mod ord">
+          <ac:chgData name="Derboven Maxim" userId="2f439f84-d12e-41ac-a559-b3ddfea81cff" providerId="ADAL" clId="{25E25230-2F6D-4A59-8137-9DCD17CC95D8}" dt="2021-03-23T23:07:38.279" v="1175" actId="166"/>
+          <ac:spMkLst>
+            <pc:docMk/>
+            <pc:sldMk cId="2976589553" sldId="263"/>
+            <ac:spMk id="13" creationId="{2327EBBE-B42E-4B84-B704-8268286C738F}"/>
+          </ac:spMkLst>
+        </pc:spChg>
+        <pc:spChg chg="add del mod">
+          <ac:chgData name="Derboven Maxim" userId="2f439f84-d12e-41ac-a559-b3ddfea81cff" providerId="ADAL" clId="{25E25230-2F6D-4A59-8137-9DCD17CC95D8}" dt="2021-03-23T23:05:22.420" v="933" actId="478"/>
+          <ac:spMkLst>
+            <pc:docMk/>
+            <pc:sldMk cId="2976589553" sldId="263"/>
+            <ac:spMk id="14" creationId="{027BDB84-F740-4BB3-ADBE-3FC2B2D6BAA4}"/>
+          </ac:spMkLst>
+        </pc:spChg>
+        <pc:spChg chg="mod">
+          <ac:chgData name="Derboven Maxim" userId="2f439f84-d12e-41ac-a559-b3ddfea81cff" providerId="ADAL" clId="{25E25230-2F6D-4A59-8137-9DCD17CC95D8}" dt="2021-03-23T23:05:08.816" v="926" actId="404"/>
+          <ac:spMkLst>
+            <pc:docMk/>
+            <pc:sldMk cId="2976589553" sldId="263"/>
+            <ac:spMk id="17" creationId="{A5987300-F851-482E-94EE-964ACD95EB75}"/>
+          </ac:spMkLst>
+        </pc:spChg>
+        <pc:spChg chg="mod">
+          <ac:chgData name="Derboven Maxim" userId="2f439f84-d12e-41ac-a559-b3ddfea81cff" providerId="ADAL" clId="{25E25230-2F6D-4A59-8137-9DCD17CC95D8}" dt="2021-03-23T23:05:13.667" v="930" actId="404"/>
+          <ac:spMkLst>
+            <pc:docMk/>
+            <pc:sldMk cId="2976589553" sldId="263"/>
+            <ac:spMk id="18" creationId="{06C5947E-6B97-4817-B951-85240CEA3263}"/>
+          </ac:spMkLst>
+        </pc:spChg>
+        <pc:spChg chg="mod">
+          <ac:chgData name="Derboven Maxim" userId="2f439f84-d12e-41ac-a559-b3ddfea81cff" providerId="ADAL" clId="{25E25230-2F6D-4A59-8137-9DCD17CC95D8}" dt="2021-03-23T23:04:55.965" v="917"/>
+          <ac:spMkLst>
+            <pc:docMk/>
+            <pc:sldMk cId="2976589553" sldId="263"/>
+            <ac:spMk id="19" creationId="{43A072F3-0369-49B8-BABB-CEE3C83673F3}"/>
+          </ac:spMkLst>
+        </pc:spChg>
+        <pc:spChg chg="mod">
+          <ac:chgData name="Derboven Maxim" userId="2f439f84-d12e-41ac-a559-b3ddfea81cff" providerId="ADAL" clId="{25E25230-2F6D-4A59-8137-9DCD17CC95D8}" dt="2021-03-23T23:04:55.965" v="917"/>
+          <ac:spMkLst>
+            <pc:docMk/>
+            <pc:sldMk cId="2976589553" sldId="263"/>
+            <ac:spMk id="20" creationId="{1CC0D626-D200-4FD3-BD1A-75D4C8E5A273}"/>
+          </ac:spMkLst>
+        </pc:spChg>
+        <pc:spChg chg="add mod">
+          <ac:chgData name="Derboven Maxim" userId="2f439f84-d12e-41ac-a559-b3ddfea81cff" providerId="ADAL" clId="{25E25230-2F6D-4A59-8137-9DCD17CC95D8}" dt="2021-03-23T23:06:38.317" v="1133" actId="1076"/>
+          <ac:spMkLst>
+            <pc:docMk/>
+            <pc:sldMk cId="2976589553" sldId="263"/>
+            <ac:spMk id="21" creationId="{C0D29DC3-2E82-418C-9491-D657EA9C07F1}"/>
+          </ac:spMkLst>
+        </pc:spChg>
+        <pc:spChg chg="add mod">
+          <ac:chgData name="Derboven Maxim" userId="2f439f84-d12e-41ac-a559-b3ddfea81cff" providerId="ADAL" clId="{25E25230-2F6D-4A59-8137-9DCD17CC95D8}" dt="2021-03-23T23:40:36.152" v="1916" actId="21"/>
+          <ac:spMkLst>
+            <pc:docMk/>
+            <pc:sldMk cId="2976589553" sldId="263"/>
+            <ac:spMk id="22" creationId="{AD9EA4DD-C1BC-4A2B-A189-E56B46F2157F}"/>
+          </ac:spMkLst>
+        </pc:spChg>
+        <pc:spChg chg="add mod ord">
+          <ac:chgData name="Derboven Maxim" userId="2f439f84-d12e-41ac-a559-b3ddfea81cff" providerId="ADAL" clId="{25E25230-2F6D-4A59-8137-9DCD17CC95D8}" dt="2021-03-23T23:07:40.765" v="1176" actId="1076"/>
+          <ac:spMkLst>
+            <pc:docMk/>
+            <pc:sldMk cId="2976589553" sldId="263"/>
+            <ac:spMk id="23" creationId="{124407A0-1FE8-4F47-A48B-A0A2C7AC5179}"/>
+          </ac:spMkLst>
+        </pc:spChg>
+        <pc:spChg chg="add mod">
+          <ac:chgData name="Derboven Maxim" userId="2f439f84-d12e-41ac-a559-b3ddfea81cff" providerId="ADAL" clId="{25E25230-2F6D-4A59-8137-9DCD17CC95D8}" dt="2021-03-23T23:07:45.253" v="1178" actId="1076"/>
+          <ac:spMkLst>
+            <pc:docMk/>
+            <pc:sldMk cId="2976589553" sldId="263"/>
+            <ac:spMk id="24" creationId="{FD612B72-2563-44FE-B20C-5648EC97C36E}"/>
+          </ac:spMkLst>
+        </pc:spChg>
+        <pc:spChg chg="add mod">
+          <ac:chgData name="Derboven Maxim" userId="2f439f84-d12e-41ac-a559-b3ddfea81cff" providerId="ADAL" clId="{25E25230-2F6D-4A59-8137-9DCD17CC95D8}" dt="2021-03-23T23:10:50.689" v="1340" actId="1076"/>
+          <ac:spMkLst>
+            <pc:docMk/>
+            <pc:sldMk cId="2976589553" sldId="263"/>
+            <ac:spMk id="25" creationId="{9836B844-3E54-4DD0-A216-F05DC8A58E4C}"/>
+          </ac:spMkLst>
+        </pc:spChg>
+        <pc:spChg chg="add mod">
+          <ac:chgData name="Derboven Maxim" userId="2f439f84-d12e-41ac-a559-b3ddfea81cff" providerId="ADAL" clId="{25E25230-2F6D-4A59-8137-9DCD17CC95D8}" dt="2021-03-23T23:40:43.781" v="1918"/>
+          <ac:spMkLst>
+            <pc:docMk/>
+            <pc:sldMk cId="2976589553" sldId="263"/>
+            <ac:spMk id="26" creationId="{C5CA8A61-73C2-4990-A9BF-988ADD75F584}"/>
+          </ac:spMkLst>
+        </pc:spChg>
+        <pc:grpChg chg="add mod">
+          <ac:chgData name="Derboven Maxim" userId="2f439f84-d12e-41ac-a559-b3ddfea81cff" providerId="ADAL" clId="{25E25230-2F6D-4A59-8137-9DCD17CC95D8}" dt="2021-03-23T23:05:25.676" v="934" actId="1076"/>
+          <ac:grpSpMkLst>
+            <pc:docMk/>
+            <pc:sldMk cId="2976589553" sldId="263"/>
+            <ac:grpSpMk id="15" creationId="{1E8F2AD5-1835-4982-9B56-94553CE45DD7}"/>
+          </ac:grpSpMkLst>
+        </pc:grpChg>
+        <pc:grpChg chg="mod">
+          <ac:chgData name="Derboven Maxim" userId="2f439f84-d12e-41ac-a559-b3ddfea81cff" providerId="ADAL" clId="{25E25230-2F6D-4A59-8137-9DCD17CC95D8}" dt="2021-03-23T23:04:55.965" v="917"/>
+          <ac:grpSpMkLst>
+            <pc:docMk/>
+            <pc:sldMk cId="2976589553" sldId="263"/>
+            <ac:grpSpMk id="16" creationId="{1DEDD77F-596A-4BBA-AB2B-458E3BE3C77E}"/>
+          </ac:grpSpMkLst>
+        </pc:grpChg>
+        <pc:picChg chg="add del mod">
+          <ac:chgData name="Derboven Maxim" userId="2f439f84-d12e-41ac-a559-b3ddfea81cff" providerId="ADAL" clId="{25E25230-2F6D-4A59-8137-9DCD17CC95D8}" dt="2021-03-23T23:02:26.614" v="874" actId="478"/>
+          <ac:picMkLst>
+            <pc:docMk/>
+            <pc:sldMk cId="2976589553" sldId="263"/>
+            <ac:picMk id="4" creationId="{6A6D21C1-ECA0-455A-A9F5-8451C82BBB61}"/>
+          </ac:picMkLst>
+        </pc:picChg>
+        <pc:picChg chg="add del mod ord modCrop">
+          <ac:chgData name="Derboven Maxim" userId="2f439f84-d12e-41ac-a559-b3ddfea81cff" providerId="ADAL" clId="{25E25230-2F6D-4A59-8137-9DCD17CC95D8}" dt="2021-03-23T23:05:21.837" v="932" actId="478"/>
+          <ac:picMkLst>
+            <pc:docMk/>
+            <pc:sldMk cId="2976589553" sldId="263"/>
+            <ac:picMk id="5" creationId="{C6CD087C-48D7-4002-888F-272001685820}"/>
+          </ac:picMkLst>
+        </pc:picChg>
+        <pc:picChg chg="add mod ord">
+          <ac:chgData name="Derboven Maxim" userId="2f439f84-d12e-41ac-a559-b3ddfea81cff" providerId="ADAL" clId="{25E25230-2F6D-4A59-8137-9DCD17CC95D8}" dt="2021-03-23T23:03:06.058" v="878" actId="1076"/>
+          <ac:picMkLst>
+            <pc:docMk/>
+            <pc:sldMk cId="2976589553" sldId="263"/>
+            <ac:picMk id="9" creationId="{DBEAD7CB-AA03-4A4B-9490-520092C683C3}"/>
+          </ac:picMkLst>
+        </pc:picChg>
+      </pc:sldChg>
+      <pc:sldChg chg="addSp delSp modSp add mod modAnim">
+        <pc:chgData name="Derboven Maxim" userId="2f439f84-d12e-41ac-a559-b3ddfea81cff" providerId="ADAL" clId="{25E25230-2F6D-4A59-8137-9DCD17CC95D8}" dt="2021-03-23T23:39:07.641" v="1898"/>
+        <pc:sldMkLst>
+          <pc:docMk/>
+          <pc:sldMk cId="599994370" sldId="264"/>
+        </pc:sldMkLst>
+        <pc:spChg chg="mod">
+          <ac:chgData name="Derboven Maxim" userId="2f439f84-d12e-41ac-a559-b3ddfea81cff" providerId="ADAL" clId="{25E25230-2F6D-4A59-8137-9DCD17CC95D8}" dt="2021-03-23T22:55:28.626" v="771" actId="313"/>
+          <ac:spMkLst>
+            <pc:docMk/>
+            <pc:sldMk cId="599994370" sldId="264"/>
+            <ac:spMk id="3" creationId="{B4BD74BA-5C8A-41C7-8B4F-B3C2B0D9769D}"/>
+          </ac:spMkLst>
+        </pc:spChg>
+        <pc:spChg chg="del">
+          <ac:chgData name="Derboven Maxim" userId="2f439f84-d12e-41ac-a559-b3ddfea81cff" providerId="ADAL" clId="{25E25230-2F6D-4A59-8137-9DCD17CC95D8}" dt="2021-03-23T22:55:00.356" v="705" actId="478"/>
+          <ac:spMkLst>
+            <pc:docMk/>
+            <pc:sldMk cId="599994370" sldId="264"/>
+            <ac:spMk id="4" creationId="{F3189EBF-BE36-4B4D-9F72-BD460666370B}"/>
+          </ac:spMkLst>
+        </pc:spChg>
+        <pc:spChg chg="add del mod">
+          <ac:chgData name="Derboven Maxim" userId="2f439f84-d12e-41ac-a559-b3ddfea81cff" providerId="ADAL" clId="{25E25230-2F6D-4A59-8137-9DCD17CC95D8}" dt="2021-03-23T22:57:49.935" v="806" actId="478"/>
+          <ac:spMkLst>
+            <pc:docMk/>
+            <pc:sldMk cId="599994370" sldId="264"/>
+            <ac:spMk id="9" creationId="{130B0170-659B-4285-9D21-B7423C6B4DD2}"/>
+          </ac:spMkLst>
+        </pc:spChg>
+        <pc:spChg chg="add mod">
+          <ac:chgData name="Derboven Maxim" userId="2f439f84-d12e-41ac-a559-b3ddfea81cff" providerId="ADAL" clId="{25E25230-2F6D-4A59-8137-9DCD17CC95D8}" dt="2021-03-23T22:58:26.358" v="819" actId="1076"/>
+          <ac:spMkLst>
+            <pc:docMk/>
+            <pc:sldMk cId="599994370" sldId="264"/>
+            <ac:spMk id="12" creationId="{EB952409-D19C-46E8-BE46-D59A5B4E4455}"/>
+          </ac:spMkLst>
+        </pc:spChg>
+        <pc:spChg chg="add del mod">
+          <ac:chgData name="Derboven Maxim" userId="2f439f84-d12e-41ac-a559-b3ddfea81cff" providerId="ADAL" clId="{25E25230-2F6D-4A59-8137-9DCD17CC95D8}" dt="2021-03-23T22:58:45.769" v="827"/>
+          <ac:spMkLst>
+            <pc:docMk/>
+            <pc:sldMk cId="599994370" sldId="264"/>
+            <ac:spMk id="13" creationId="{E17EACBA-2A6E-48C0-A6A0-77EC33170727}"/>
+          </ac:spMkLst>
+        </pc:spChg>
+        <pc:spChg chg="add mod">
+          <ac:chgData name="Derboven Maxim" userId="2f439f84-d12e-41ac-a559-b3ddfea81cff" providerId="ADAL" clId="{25E25230-2F6D-4A59-8137-9DCD17CC95D8}" dt="2021-03-23T23:39:06.384" v="1897" actId="20577"/>
+          <ac:spMkLst>
+            <pc:docMk/>
+            <pc:sldMk cId="599994370" sldId="264"/>
+            <ac:spMk id="14" creationId="{31C29BB3-3258-4C90-8845-CB77046B9EC0}"/>
+          </ac:spMkLst>
+        </pc:spChg>
+        <pc:picChg chg="add mod">
+          <ac:chgData name="Derboven Maxim" userId="2f439f84-d12e-41ac-a559-b3ddfea81cff" providerId="ADAL" clId="{25E25230-2F6D-4A59-8137-9DCD17CC95D8}" dt="2021-03-23T22:58:18.537" v="814" actId="1076"/>
+          <ac:picMkLst>
+            <pc:docMk/>
+            <pc:sldMk cId="599994370" sldId="264"/>
+            <ac:picMk id="6" creationId="{37DC4FEE-E64B-4775-AF39-1EF5533EA2B9}"/>
+          </ac:picMkLst>
+        </pc:picChg>
+        <pc:picChg chg="add mod modCrop">
+          <ac:chgData name="Derboven Maxim" userId="2f439f84-d12e-41ac-a559-b3ddfea81cff" providerId="ADAL" clId="{25E25230-2F6D-4A59-8137-9DCD17CC95D8}" dt="2021-03-23T22:58:27.738" v="820" actId="1076"/>
+          <ac:picMkLst>
+            <pc:docMk/>
+            <pc:sldMk cId="599994370" sldId="264"/>
+            <ac:picMk id="8" creationId="{4ADFB886-D52C-4386-A4AE-99E82BE79EAF}"/>
+          </ac:picMkLst>
+        </pc:picChg>
+        <pc:cxnChg chg="add del">
+          <ac:chgData name="Derboven Maxim" userId="2f439f84-d12e-41ac-a559-b3ddfea81cff" providerId="ADAL" clId="{25E25230-2F6D-4A59-8137-9DCD17CC95D8}" dt="2021-03-23T22:57:58.280" v="808" actId="478"/>
+          <ac:cxnSpMkLst>
+            <pc:docMk/>
+            <pc:sldMk cId="599994370" sldId="264"/>
+            <ac:cxnSpMk id="11" creationId="{970761EC-0EFB-4E3A-A040-CB17C7489377}"/>
+          </ac:cxnSpMkLst>
+        </pc:cxnChg>
+      </pc:sldChg>
+      <pc:sldChg chg="addSp delSp modSp add mod modAnim">
+        <pc:chgData name="Derboven Maxim" userId="2f439f84-d12e-41ac-a559-b3ddfea81cff" providerId="ADAL" clId="{25E25230-2F6D-4A59-8137-9DCD17CC95D8}" dt="2021-03-23T23:59:13.022" v="1998"/>
+        <pc:sldMkLst>
+          <pc:docMk/>
+          <pc:sldMk cId="333679769" sldId="265"/>
+        </pc:sldMkLst>
+        <pc:spChg chg="mod">
+          <ac:chgData name="Derboven Maxim" userId="2f439f84-d12e-41ac-a559-b3ddfea81cff" providerId="ADAL" clId="{25E25230-2F6D-4A59-8137-9DCD17CC95D8}" dt="2021-03-23T23:11:06.814" v="1384" actId="20577"/>
+          <ac:spMkLst>
+            <pc:docMk/>
+            <pc:sldMk cId="333679769" sldId="265"/>
+            <ac:spMk id="2" creationId="{C1623B69-B1E5-4945-8025-17F175BF05E7}"/>
+          </ac:spMkLst>
+        </pc:spChg>
+        <pc:spChg chg="add mod">
+          <ac:chgData name="Derboven Maxim" userId="2f439f84-d12e-41ac-a559-b3ddfea81cff" providerId="ADAL" clId="{25E25230-2F6D-4A59-8137-9DCD17CC95D8}" dt="2021-03-23T23:13:12.616" v="1608" actId="20577"/>
+          <ac:spMkLst>
+            <pc:docMk/>
+            <pc:sldMk cId="333679769" sldId="265"/>
+            <ac:spMk id="3" creationId="{D3EAE5CA-E6C8-40D1-B091-B281648BAB4C}"/>
+          </ac:spMkLst>
+        </pc:spChg>
+        <pc:spChg chg="add mod">
+          <ac:chgData name="Derboven Maxim" userId="2f439f84-d12e-41ac-a559-b3ddfea81cff" providerId="ADAL" clId="{25E25230-2F6D-4A59-8137-9DCD17CC95D8}" dt="2021-03-23T23:41:50.554" v="1930" actId="208"/>
+          <ac:spMkLst>
+            <pc:docMk/>
+            <pc:sldMk cId="333679769" sldId="265"/>
+            <ac:spMk id="4" creationId="{E81AC488-25E0-4DC4-9BBF-E4E7D7DECCEE}"/>
+          </ac:spMkLst>
+        </pc:spChg>
+        <pc:spChg chg="add mod">
+          <ac:chgData name="Derboven Maxim" userId="2f439f84-d12e-41ac-a559-b3ddfea81cff" providerId="ADAL" clId="{25E25230-2F6D-4A59-8137-9DCD17CC95D8}" dt="2021-03-23T23:45:50.171" v="1972" actId="164"/>
+          <ac:spMkLst>
+            <pc:docMk/>
+            <pc:sldMk cId="333679769" sldId="265"/>
+            <ac:spMk id="5" creationId="{8457D94E-67EC-45EE-8C81-44E2EC6CEC32}"/>
+          </ac:spMkLst>
+        </pc:spChg>
+        <pc:spChg chg="del">
+          <ac:chgData name="Derboven Maxim" userId="2f439f84-d12e-41ac-a559-b3ddfea81cff" providerId="ADAL" clId="{25E25230-2F6D-4A59-8137-9DCD17CC95D8}" dt="2021-03-23T23:11:12.910" v="1385" actId="478"/>
+          <ac:spMkLst>
+            <pc:docMk/>
+            <pc:sldMk cId="333679769" sldId="265"/>
+            <ac:spMk id="10" creationId="{94B01C7A-2763-4527-B128-0E5764B4356F}"/>
+          </ac:spMkLst>
+        </pc:spChg>
+        <pc:spChg chg="del mod">
+          <ac:chgData name="Derboven Maxim" userId="2f439f84-d12e-41ac-a559-b3ddfea81cff" providerId="ADAL" clId="{25E25230-2F6D-4A59-8137-9DCD17CC95D8}" dt="2021-03-23T23:11:15.192" v="1389" actId="478"/>
+          <ac:spMkLst>
+            <pc:docMk/>
+            <pc:sldMk cId="333679769" sldId="265"/>
+            <ac:spMk id="11" creationId="{675FA2B5-997F-4C3B-B37A-F725688D25B2}"/>
+          </ac:spMkLst>
+        </pc:spChg>
+        <pc:spChg chg="del">
+          <ac:chgData name="Derboven Maxim" userId="2f439f84-d12e-41ac-a559-b3ddfea81cff" providerId="ADAL" clId="{25E25230-2F6D-4A59-8137-9DCD17CC95D8}" dt="2021-03-23T23:11:13.838" v="1387" actId="478"/>
+          <ac:spMkLst>
+            <pc:docMk/>
+            <pc:sldMk cId="333679769" sldId="265"/>
+            <ac:spMk id="12" creationId="{48353FC1-7894-4C07-B4AF-514A6FBC8D61}"/>
+          </ac:spMkLst>
+        </pc:spChg>
+        <pc:spChg chg="del">
+          <ac:chgData name="Derboven Maxim" userId="2f439f84-d12e-41ac-a559-b3ddfea81cff" providerId="ADAL" clId="{25E25230-2F6D-4A59-8137-9DCD17CC95D8}" dt="2021-03-23T23:11:16.767" v="1390" actId="478"/>
+          <ac:spMkLst>
+            <pc:docMk/>
+            <pc:sldMk cId="333679769" sldId="265"/>
+            <ac:spMk id="13" creationId="{2327EBBE-B42E-4B84-B704-8268286C738F}"/>
+          </ac:spMkLst>
+        </pc:spChg>
+        <pc:spChg chg="mod">
+          <ac:chgData name="Derboven Maxim" userId="2f439f84-d12e-41ac-a559-b3ddfea81cff" providerId="ADAL" clId="{25E25230-2F6D-4A59-8137-9DCD17CC95D8}" dt="2021-03-23T23:13:16.651" v="1609" actId="1076"/>
+          <ac:spMkLst>
+            <pc:docMk/>
+            <pc:sldMk cId="333679769" sldId="265"/>
+            <ac:spMk id="21" creationId="{C0D29DC3-2E82-418C-9491-D657EA9C07F1}"/>
+          </ac:spMkLst>
+        </pc:spChg>
+        <pc:spChg chg="del mod">
+          <ac:chgData name="Derboven Maxim" userId="2f439f84-d12e-41ac-a559-b3ddfea81cff" providerId="ADAL" clId="{25E25230-2F6D-4A59-8137-9DCD17CC95D8}" dt="2021-03-23T23:12:04.348" v="1415"/>
+          <ac:spMkLst>
+            <pc:docMk/>
+            <pc:sldMk cId="333679769" sldId="265"/>
+            <ac:spMk id="22" creationId="{AD9EA4DD-C1BC-4A2B-A189-E56B46F2157F}"/>
+          </ac:spMkLst>
+        </pc:spChg>
+        <pc:spChg chg="mod">
+          <ac:chgData name="Derboven Maxim" userId="2f439f84-d12e-41ac-a559-b3ddfea81cff" providerId="ADAL" clId="{25E25230-2F6D-4A59-8137-9DCD17CC95D8}" dt="2021-03-23T23:11:19.654" v="1391" actId="1076"/>
+          <ac:spMkLst>
+            <pc:docMk/>
+            <pc:sldMk cId="333679769" sldId="265"/>
+            <ac:spMk id="23" creationId="{124407A0-1FE8-4F47-A48B-A0A2C7AC5179}"/>
+          </ac:spMkLst>
+        </pc:spChg>
+        <pc:spChg chg="mod">
+          <ac:chgData name="Derboven Maxim" userId="2f439f84-d12e-41ac-a559-b3ddfea81cff" providerId="ADAL" clId="{25E25230-2F6D-4A59-8137-9DCD17CC95D8}" dt="2021-03-23T23:11:21.063" v="1392" actId="1076"/>
+          <ac:spMkLst>
+            <pc:docMk/>
+            <pc:sldMk cId="333679769" sldId="265"/>
+            <ac:spMk id="24" creationId="{FD612B72-2563-44FE-B20C-5648EC97C36E}"/>
+          </ac:spMkLst>
+        </pc:spChg>
+        <pc:spChg chg="del">
+          <ac:chgData name="Derboven Maxim" userId="2f439f84-d12e-41ac-a559-b3ddfea81cff" providerId="ADAL" clId="{25E25230-2F6D-4A59-8137-9DCD17CC95D8}" dt="2021-03-23T23:13:17.988" v="1610" actId="478"/>
+          <ac:spMkLst>
+            <pc:docMk/>
+            <pc:sldMk cId="333679769" sldId="265"/>
+            <ac:spMk id="25" creationId="{9836B844-3E54-4DD0-A216-F05DC8A58E4C}"/>
+          </ac:spMkLst>
+        </pc:spChg>
+        <pc:spChg chg="add mod">
+          <ac:chgData name="Derboven Maxim" userId="2f439f84-d12e-41ac-a559-b3ddfea81cff" providerId="ADAL" clId="{25E25230-2F6D-4A59-8137-9DCD17CC95D8}" dt="2021-03-23T23:11:25.204" v="1394" actId="1076"/>
+          <ac:spMkLst>
+            <pc:docMk/>
+            <pc:sldMk cId="333679769" sldId="265"/>
+            <ac:spMk id="26" creationId="{DD3896CD-AC55-4B11-A42E-73AB15C2912E}"/>
+          </ac:spMkLst>
+        </pc:spChg>
+        <pc:spChg chg="add mod">
+          <ac:chgData name="Derboven Maxim" userId="2f439f84-d12e-41ac-a559-b3ddfea81cff" providerId="ADAL" clId="{25E25230-2F6D-4A59-8137-9DCD17CC95D8}" dt="2021-03-23T23:11:25.204" v="1394" actId="1076"/>
+          <ac:spMkLst>
+            <pc:docMk/>
+            <pc:sldMk cId="333679769" sldId="265"/>
+            <ac:spMk id="27" creationId="{9DD8264A-413D-4369-AD3E-BC872EF7B127}"/>
+          </ac:spMkLst>
+        </pc:spChg>
+        <pc:spChg chg="add mod">
+          <ac:chgData name="Derboven Maxim" userId="2f439f84-d12e-41ac-a559-b3ddfea81cff" providerId="ADAL" clId="{25E25230-2F6D-4A59-8137-9DCD17CC95D8}" dt="2021-03-23T23:11:51.760" v="1409" actId="1076"/>
+          <ac:spMkLst>
+            <pc:docMk/>
+            <pc:sldMk cId="333679769" sldId="265"/>
+            <ac:spMk id="28" creationId="{54D28FA7-79BA-4C79-ACF9-A4B2BB612DDE}"/>
+          </ac:spMkLst>
+        </pc:spChg>
+        <pc:spChg chg="add mod">
+          <ac:chgData name="Derboven Maxim" userId="2f439f84-d12e-41ac-a559-b3ddfea81cff" providerId="ADAL" clId="{25E25230-2F6D-4A59-8137-9DCD17CC95D8}" dt="2021-03-23T23:11:29.341" v="1396" actId="1076"/>
+          <ac:spMkLst>
+            <pc:docMk/>
+            <pc:sldMk cId="333679769" sldId="265"/>
+            <ac:spMk id="29" creationId="{E2E7FF0A-C6D9-4FE2-9CB5-D4CF4144FA43}"/>
+          </ac:spMkLst>
+        </pc:spChg>
+        <pc:spChg chg="add mod">
+          <ac:chgData name="Derboven Maxim" userId="2f439f84-d12e-41ac-a559-b3ddfea81cff" providerId="ADAL" clId="{25E25230-2F6D-4A59-8137-9DCD17CC95D8}" dt="2021-03-23T23:11:43.443" v="1405" actId="1076"/>
+          <ac:spMkLst>
+            <pc:docMk/>
+            <pc:sldMk cId="333679769" sldId="265"/>
+            <ac:spMk id="30" creationId="{FC8C5F56-9C51-4A8F-90D6-FD3476AC3FFB}"/>
+          </ac:spMkLst>
+        </pc:spChg>
+        <pc:spChg chg="add mod">
+          <ac:chgData name="Derboven Maxim" userId="2f439f84-d12e-41ac-a559-b3ddfea81cff" providerId="ADAL" clId="{25E25230-2F6D-4A59-8137-9DCD17CC95D8}" dt="2021-03-23T23:11:41.004" v="1404" actId="1076"/>
+          <ac:spMkLst>
+            <pc:docMk/>
+            <pc:sldMk cId="333679769" sldId="265"/>
+            <ac:spMk id="31" creationId="{00D08F46-F9C4-4550-A5A8-E5C2F8CE6210}"/>
+          </ac:spMkLst>
+        </pc:spChg>
+        <pc:spChg chg="add del mod">
+          <ac:chgData name="Derboven Maxim" userId="2f439f84-d12e-41ac-a559-b3ddfea81cff" providerId="ADAL" clId="{25E25230-2F6D-4A59-8137-9DCD17CC95D8}" dt="2021-03-23T23:11:49.429" v="1408" actId="478"/>
+          <ac:spMkLst>
+            <pc:docMk/>
+            <pc:sldMk cId="333679769" sldId="265"/>
+            <ac:spMk id="32" creationId="{A32AAFA8-3D12-4994-B44B-58A268AC6EE6}"/>
+          </ac:spMkLst>
+        </pc:spChg>
+        <pc:spChg chg="add mod">
+          <ac:chgData name="Derboven Maxim" userId="2f439f84-d12e-41ac-a559-b3ddfea81cff" providerId="ADAL" clId="{25E25230-2F6D-4A59-8137-9DCD17CC95D8}" dt="2021-03-23T23:11:48.572" v="1407" actId="1076"/>
+          <ac:spMkLst>
+            <pc:docMk/>
+            <pc:sldMk cId="333679769" sldId="265"/>
+            <ac:spMk id="33" creationId="{F9D9A6C1-2F02-4714-B88E-53BE808B3A93}"/>
+          </ac:spMkLst>
+        </pc:spChg>
+        <pc:spChg chg="add mod">
+          <ac:chgData name="Derboven Maxim" userId="2f439f84-d12e-41ac-a559-b3ddfea81cff" providerId="ADAL" clId="{25E25230-2F6D-4A59-8137-9DCD17CC95D8}" dt="2021-03-23T23:45:50.171" v="1972" actId="164"/>
+          <ac:spMkLst>
+            <pc:docMk/>
+            <pc:sldMk cId="333679769" sldId="265"/>
+            <ac:spMk id="34" creationId="{46A53624-E58F-4F9A-932A-2C3B09BA7FBC}"/>
+          </ac:spMkLst>
+        </pc:spChg>
+        <pc:spChg chg="add mod">
+          <ac:chgData name="Derboven Maxim" userId="2f439f84-d12e-41ac-a559-b3ddfea81cff" providerId="ADAL" clId="{25E25230-2F6D-4A59-8137-9DCD17CC95D8}" dt="2021-03-23T23:45:50.171" v="1972" actId="164"/>
+          <ac:spMkLst>
+            <pc:docMk/>
+            <pc:sldMk cId="333679769" sldId="265"/>
+            <ac:spMk id="35" creationId="{3C095AB4-5C9C-4D3B-970B-5BD4A908231A}"/>
+          </ac:spMkLst>
+        </pc:spChg>
+        <pc:spChg chg="add mod">
+          <ac:chgData name="Derboven Maxim" userId="2f439f84-d12e-41ac-a559-b3ddfea81cff" providerId="ADAL" clId="{25E25230-2F6D-4A59-8137-9DCD17CC95D8}" dt="2021-03-23T23:45:50.171" v="1972" actId="164"/>
+          <ac:spMkLst>
+            <pc:docMk/>
+            <pc:sldMk cId="333679769" sldId="265"/>
+            <ac:spMk id="36" creationId="{C86C3311-DD5D-4902-9173-F35A399DFEED}"/>
+          </ac:spMkLst>
+        </pc:spChg>
+        <pc:spChg chg="add mod">
+          <ac:chgData name="Derboven Maxim" userId="2f439f84-d12e-41ac-a559-b3ddfea81cff" providerId="ADAL" clId="{25E25230-2F6D-4A59-8137-9DCD17CC95D8}" dt="2021-03-23T23:45:50.171" v="1972" actId="164"/>
+          <ac:spMkLst>
+            <pc:docMk/>
+            <pc:sldMk cId="333679769" sldId="265"/>
+            <ac:spMk id="37" creationId="{0C7413BD-C01D-4C7B-B978-798FC1D05503}"/>
+          </ac:spMkLst>
+        </pc:spChg>
+        <pc:spChg chg="add mod">
+          <ac:chgData name="Derboven Maxim" userId="2f439f84-d12e-41ac-a559-b3ddfea81cff" providerId="ADAL" clId="{25E25230-2F6D-4A59-8137-9DCD17CC95D8}" dt="2021-03-23T23:45:50.171" v="1972" actId="164"/>
+          <ac:spMkLst>
+            <pc:docMk/>
+            <pc:sldMk cId="333679769" sldId="265"/>
+            <ac:spMk id="38" creationId="{9AD30B6F-5315-40EB-B043-3C6B22CD4D40}"/>
+          </ac:spMkLst>
+        </pc:spChg>
+        <pc:spChg chg="add mod">
+          <ac:chgData name="Derboven Maxim" userId="2f439f84-d12e-41ac-a559-b3ddfea81cff" providerId="ADAL" clId="{25E25230-2F6D-4A59-8137-9DCD17CC95D8}" dt="2021-03-23T23:45:50.171" v="1972" actId="164"/>
+          <ac:spMkLst>
+            <pc:docMk/>
+            <pc:sldMk cId="333679769" sldId="265"/>
+            <ac:spMk id="39" creationId="{1F0548AE-B49F-4501-B01B-2F67FC923B82}"/>
+          </ac:spMkLst>
+        </pc:spChg>
+        <pc:spChg chg="add mod">
+          <ac:chgData name="Derboven Maxim" userId="2f439f84-d12e-41ac-a559-b3ddfea81cff" providerId="ADAL" clId="{25E25230-2F6D-4A59-8137-9DCD17CC95D8}" dt="2021-03-23T23:45:50.171" v="1972" actId="164"/>
+          <ac:spMkLst>
+            <pc:docMk/>
+            <pc:sldMk cId="333679769" sldId="265"/>
+            <ac:spMk id="40" creationId="{13063B3B-B9C2-4805-BBC5-B3AF05413035}"/>
+          </ac:spMkLst>
+        </pc:spChg>
+        <pc:spChg chg="add mod">
+          <ac:chgData name="Derboven Maxim" userId="2f439f84-d12e-41ac-a559-b3ddfea81cff" providerId="ADAL" clId="{25E25230-2F6D-4A59-8137-9DCD17CC95D8}" dt="2021-03-23T23:45:50.171" v="1972" actId="164"/>
+          <ac:spMkLst>
+            <pc:docMk/>
+            <pc:sldMk cId="333679769" sldId="265"/>
+            <ac:spMk id="41" creationId="{18DE1794-933F-48D7-85E0-45806DC2A647}"/>
+          </ac:spMkLst>
+        </pc:spChg>
+        <pc:spChg chg="add mod">
+          <ac:chgData name="Derboven Maxim" userId="2f439f84-d12e-41ac-a559-b3ddfea81cff" providerId="ADAL" clId="{25E25230-2F6D-4A59-8137-9DCD17CC95D8}" dt="2021-03-23T23:45:38.843" v="1971" actId="1076"/>
+          <ac:spMkLst>
+            <pc:docMk/>
+            <pc:sldMk cId="333679769" sldId="265"/>
+            <ac:spMk id="42" creationId="{B3989589-A1B1-48D4-8504-FF56E6B4AD99}"/>
+          </ac:spMkLst>
+        </pc:spChg>
+        <pc:grpChg chg="add mod">
+          <ac:chgData name="Derboven Maxim" userId="2f439f84-d12e-41ac-a559-b3ddfea81cff" providerId="ADAL" clId="{25E25230-2F6D-4A59-8137-9DCD17CC95D8}" dt="2021-03-23T23:45:50.171" v="1972" actId="164"/>
+          <ac:grpSpMkLst>
+            <pc:docMk/>
+            <pc:sldMk cId="333679769" sldId="265"/>
+            <ac:grpSpMk id="6" creationId="{98B26CC7-95F2-4F7B-85CB-BCD306E7E02B}"/>
+          </ac:grpSpMkLst>
+        </pc:grpChg>
+        <pc:grpChg chg="del">
+          <ac:chgData name="Derboven Maxim" userId="2f439f84-d12e-41ac-a559-b3ddfea81cff" providerId="ADAL" clId="{25E25230-2F6D-4A59-8137-9DCD17CC95D8}" dt="2021-03-23T23:12:04.347" v="1413" actId="478"/>
+          <ac:grpSpMkLst>
+            <pc:docMk/>
+            <pc:sldMk cId="333679769" sldId="265"/>
+            <ac:grpSpMk id="15" creationId="{1E8F2AD5-1835-4982-9B56-94553CE45DD7}"/>
+          </ac:grpSpMkLst>
+        </pc:grpChg>
+        <pc:picChg chg="mod">
+          <ac:chgData name="Derboven Maxim" userId="2f439f84-d12e-41ac-a559-b3ddfea81cff" providerId="ADAL" clId="{25E25230-2F6D-4A59-8137-9DCD17CC95D8}" dt="2021-03-23T23:11:56.331" v="1410" actId="1076"/>
+          <ac:picMkLst>
+            <pc:docMk/>
+            <pc:sldMk cId="333679769" sldId="265"/>
+            <ac:picMk id="9" creationId="{DBEAD7CB-AA03-4A4B-9490-520092C683C3}"/>
+          </ac:picMkLst>
+        </pc:picChg>
+      </pc:sldChg>
+      <pc:sldChg chg="modSp add del mod">
+        <pc:chgData name="Derboven Maxim" userId="2f439f84-d12e-41ac-a559-b3ddfea81cff" providerId="ADAL" clId="{25E25230-2F6D-4A59-8137-9DCD17CC95D8}" dt="2021-03-23T23:14:58.339" v="1626" actId="2696"/>
+        <pc:sldMkLst>
+          <pc:docMk/>
+          <pc:sldMk cId="448136981" sldId="266"/>
+        </pc:sldMkLst>
+        <pc:spChg chg="mod">
+          <ac:chgData name="Derboven Maxim" userId="2f439f84-d12e-41ac-a559-b3ddfea81cff" providerId="ADAL" clId="{25E25230-2F6D-4A59-8137-9DCD17CC95D8}" dt="2021-03-23T23:14:54.178" v="1625" actId="20577"/>
+          <ac:spMkLst>
+            <pc:docMk/>
+            <pc:sldMk cId="448136981" sldId="266"/>
+            <ac:spMk id="2" creationId="{93F327A7-3222-4B42-9D45-7822F76170FE}"/>
+          </ac:spMkLst>
+        </pc:spChg>
+      </pc:sldChg>
+      <pc:sldChg chg="modSp new mod">
+        <pc:chgData name="Derboven Maxim" userId="2f439f84-d12e-41ac-a559-b3ddfea81cff" providerId="ADAL" clId="{25E25230-2F6D-4A59-8137-9DCD17CC95D8}" dt="2021-03-23T23:34:14.076" v="1808" actId="20577"/>
+        <pc:sldMkLst>
+          <pc:docMk/>
+          <pc:sldMk cId="2132342146" sldId="266"/>
+        </pc:sldMkLst>
+        <pc:spChg chg="mod">
+          <ac:chgData name="Derboven Maxim" userId="2f439f84-d12e-41ac-a559-b3ddfea81cff" providerId="ADAL" clId="{25E25230-2F6D-4A59-8137-9DCD17CC95D8}" dt="2021-03-23T23:33:21.028" v="1687" actId="20577"/>
+          <ac:spMkLst>
+            <pc:docMk/>
+            <pc:sldMk cId="2132342146" sldId="266"/>
+            <ac:spMk id="2" creationId="{E7CD079F-BF46-444D-B4F2-60D74C9440FC}"/>
+          </ac:spMkLst>
+        </pc:spChg>
+        <pc:spChg chg="mod">
+          <ac:chgData name="Derboven Maxim" userId="2f439f84-d12e-41ac-a559-b3ddfea81cff" providerId="ADAL" clId="{25E25230-2F6D-4A59-8137-9DCD17CC95D8}" dt="2021-03-23T23:34:14.076" v="1808" actId="20577"/>
+          <ac:spMkLst>
+            <pc:docMk/>
+            <pc:sldMk cId="2132342146" sldId="266"/>
+            <ac:spMk id="3" creationId="{6DAA73F4-6ACD-4AE6-86A3-26A2E33E29E6}"/>
+          </ac:spMkLst>
+        </pc:spChg>
+      </pc:sldChg>
+    </pc:docChg>
+  </pc:docChgLst>
+</pc:chgInfo>
 </file>
 
 <file path=ppt/slideLayouts/slideLayout1.xml><?xml version="1.0" encoding="utf-8"?>
@@ -248,7 +1252,7 @@
           <a:p>
             <a:fld id="{48A87A34-81AB-432B-8DAE-1953F412C126}" type="datetimeFigureOut">
               <a:rPr lang="en-US" dirty="0"/>
-              <a:t>3/22/2021</a:t>
+              <a:t>3/24/2021</a:t>
             </a:fld>
             <a:endParaRPr lang="en-US" dirty="0"/>
           </a:p>
@@ -423,7 +1427,7 @@
           <a:p>
             <a:fld id="{48A87A34-81AB-432B-8DAE-1953F412C126}" type="datetimeFigureOut">
               <a:rPr lang="en-US" dirty="0"/>
-              <a:t>3/22/2021</a:t>
+              <a:t>3/24/2021</a:t>
             </a:fld>
             <a:endParaRPr lang="en-US" dirty="0"/>
           </a:p>
@@ -602,7 +1606,7 @@
           <a:p>
             <a:fld id="{48A87A34-81AB-432B-8DAE-1953F412C126}" type="datetimeFigureOut">
               <a:rPr lang="en-US" dirty="0"/>
-              <a:t>3/22/2021</a:t>
+              <a:t>3/24/2021</a:t>
             </a:fld>
             <a:endParaRPr lang="en-US" dirty="0"/>
           </a:p>
@@ -767,7 +1771,7 @@
           <a:p>
             <a:fld id="{48A87A34-81AB-432B-8DAE-1953F412C126}" type="datetimeFigureOut">
               <a:rPr lang="en-US" dirty="0"/>
-              <a:t>3/22/2021</a:t>
+              <a:t>3/24/2021</a:t>
             </a:fld>
             <a:endParaRPr lang="en-US" dirty="0"/>
           </a:p>
@@ -1010,7 +2014,7 @@
           <a:p>
             <a:fld id="{48A87A34-81AB-432B-8DAE-1953F412C126}" type="datetimeFigureOut">
               <a:rPr lang="en-US" dirty="0"/>
-              <a:t>3/22/2021</a:t>
+              <a:t>3/24/2021</a:t>
             </a:fld>
             <a:endParaRPr lang="en-US" dirty="0"/>
           </a:p>
@@ -1242,7 +2246,7 @@
           <a:p>
             <a:fld id="{48A87A34-81AB-432B-8DAE-1953F412C126}" type="datetimeFigureOut">
               <a:rPr lang="en-US" dirty="0"/>
-              <a:t>3/22/2021</a:t>
+              <a:t>3/24/2021</a:t>
             </a:fld>
             <a:endParaRPr lang="en-US" dirty="0"/>
           </a:p>
@@ -1622,7 +2626,7 @@
           <a:p>
             <a:fld id="{48A87A34-81AB-432B-8DAE-1953F412C126}" type="datetimeFigureOut">
               <a:rPr lang="en-US" dirty="0"/>
-              <a:t>3/22/2021</a:t>
+              <a:t>3/24/2021</a:t>
             </a:fld>
             <a:endParaRPr lang="en-US" dirty="0"/>
           </a:p>
@@ -1735,7 +2739,7 @@
           <a:p>
             <a:fld id="{48A87A34-81AB-432B-8DAE-1953F412C126}" type="datetimeFigureOut">
               <a:rPr lang="en-US" dirty="0"/>
-              <a:t>3/22/2021</a:t>
+              <a:t>3/24/2021</a:t>
             </a:fld>
             <a:endParaRPr lang="en-US" dirty="0"/>
           </a:p>
@@ -1825,7 +2829,7 @@
           <a:p>
             <a:fld id="{48A87A34-81AB-432B-8DAE-1953F412C126}" type="datetimeFigureOut">
               <a:rPr lang="en-US" dirty="0"/>
-              <a:t>3/22/2021</a:t>
+              <a:t>3/24/2021</a:t>
             </a:fld>
             <a:endParaRPr lang="en-US" dirty="0"/>
           </a:p>
@@ -2071,7 +3075,7 @@
           <a:p>
             <a:fld id="{48A87A34-81AB-432B-8DAE-1953F412C126}" type="datetimeFigureOut">
               <a:rPr lang="en-US" dirty="0"/>
-              <a:t>3/22/2021</a:t>
+              <a:t>3/24/2021</a:t>
             </a:fld>
             <a:endParaRPr lang="en-US" dirty="0"/>
           </a:p>
@@ -2458,7 +3462,7 @@
             <a:fld id="{48A87A34-81AB-432B-8DAE-1953F412C126}" type="datetimeFigureOut">
               <a:rPr lang="en-US" dirty="0"/>
               <a:pPr/>
-              <a:t>3/22/2021</a:t>
+              <a:t>3/24/2021</a:t>
             </a:fld>
             <a:endParaRPr lang="en-US" dirty="0"/>
           </a:p>
@@ -2672,7 +3676,7 @@
             <a:fld id="{48A87A34-81AB-432B-8DAE-1953F412C126}" type="datetimeFigureOut">
               <a:rPr lang="en-US" dirty="0"/>
               <a:pPr/>
-              <a:t>3/22/2021</a:t>
+              <a:t>3/24/2021</a:t>
             </a:fld>
             <a:endParaRPr lang="en-US" dirty="0"/>
           </a:p>
@@ -3327,6 +4331,137 @@
 </p:sld>
 </file>
 
+<file path=ppt/slides/slide10.xml><?xml version="1.0" encoding="utf-8"?>
+<p:sld xmlns:a="http://schemas.openxmlformats.org/drawingml/2006/main" xmlns:r="http://schemas.openxmlformats.org/officeDocument/2006/relationships" xmlns:p="http://schemas.openxmlformats.org/presentationml/2006/main">
+  <p:cSld>
+    <p:spTree>
+      <p:nvGrpSpPr>
+        <p:cNvPr id="1" name=""/>
+        <p:cNvGrpSpPr/>
+        <p:nvPr/>
+      </p:nvGrpSpPr>
+      <p:grpSpPr>
+        <a:xfrm>
+          <a:off x="0" y="0"/>
+          <a:ext cx="0" cy="0"/>
+          <a:chOff x="0" y="0"/>
+          <a:chExt cx="0" cy="0"/>
+        </a:xfrm>
+      </p:grpSpPr>
+      <p:sp>
+        <p:nvSpPr>
+          <p:cNvPr id="2" name="Titel 1">
+            <a:extLst>
+              <a:ext uri="{FF2B5EF4-FFF2-40B4-BE49-F238E27FC236}">
+                <a16:creationId xmlns:a16="http://schemas.microsoft.com/office/drawing/2014/main" id="{E7CD079F-BF46-444D-B4F2-60D74C9440FC}"/>
+              </a:ext>
+            </a:extLst>
+          </p:cNvPr>
+          <p:cNvSpPr>
+            <a:spLocks noGrp="1"/>
+          </p:cNvSpPr>
+          <p:nvPr>
+            <p:ph type="title"/>
+          </p:nvPr>
+        </p:nvSpPr>
+        <p:spPr/>
+        <p:txBody>
+          <a:bodyPr/>
+          <a:lstStyle/>
+          <a:p>
+            <a:r>
+              <a:rPr lang="nl-BE" dirty="0"/>
+              <a:t>Bedankt</a:t>
+            </a:r>
+          </a:p>
+        </p:txBody>
+      </p:sp>
+      <p:sp>
+        <p:nvSpPr>
+          <p:cNvPr id="3" name="Tijdelijke aanduiding voor inhoud 2">
+            <a:extLst>
+              <a:ext uri="{FF2B5EF4-FFF2-40B4-BE49-F238E27FC236}">
+                <a16:creationId xmlns:a16="http://schemas.microsoft.com/office/drawing/2014/main" id="{6DAA73F4-6ACD-4AE6-86A3-26A2E33E29E6}"/>
+              </a:ext>
+            </a:extLst>
+          </p:cNvPr>
+          <p:cNvSpPr>
+            <a:spLocks noGrp="1"/>
+          </p:cNvSpPr>
+          <p:nvPr>
+            <p:ph idx="1"/>
+          </p:nvPr>
+        </p:nvSpPr>
+        <p:spPr/>
+        <p:txBody>
+          <a:bodyPr/>
+          <a:lstStyle/>
+          <a:p>
+            <a:pPr marL="0" indent="0" algn="ctr">
+              <a:buNone/>
+            </a:pPr>
+            <a:r>
+              <a:rPr lang="nl-BE" dirty="0" err="1"/>
+              <a:t>Wooden</a:t>
+            </a:r>
+            <a:r>
+              <a:rPr lang="nl-BE" dirty="0"/>
+              <a:t> block game</a:t>
+            </a:r>
+          </a:p>
+          <a:p>
+            <a:pPr marL="0" indent="0" algn="ctr">
+              <a:buNone/>
+            </a:pPr>
+            <a:endParaRPr lang="nl-BE" dirty="0"/>
+          </a:p>
+          <a:p>
+            <a:pPr marL="0" indent="0" algn="ctr">
+              <a:buNone/>
+            </a:pPr>
+            <a:endParaRPr lang="nl-BE" dirty="0"/>
+          </a:p>
+          <a:p>
+            <a:pPr marL="0" indent="0" algn="ctr">
+              <a:buNone/>
+            </a:pPr>
+            <a:endParaRPr lang="nl-BE" dirty="0"/>
+          </a:p>
+          <a:p>
+            <a:pPr marL="0" indent="0" algn="ctr">
+              <a:buNone/>
+            </a:pPr>
+            <a:endParaRPr lang="nl-BE" b="1" dirty="0"/>
+          </a:p>
+          <a:p>
+            <a:pPr marL="0" indent="0" algn="ctr">
+              <a:buNone/>
+            </a:pPr>
+            <a:r>
+              <a:rPr lang="nl-BE" b="1" dirty="0"/>
+              <a:t>Maxim Derboven &amp; Alexie </a:t>
+            </a:r>
+            <a:r>
+              <a:rPr lang="nl-BE" b="1" dirty="0" err="1"/>
+              <a:t>Chaerle</a:t>
+            </a:r>
+            <a:endParaRPr lang="nl-BE" b="1" dirty="0"/>
+          </a:p>
+        </p:txBody>
+      </p:sp>
+    </p:spTree>
+    <p:extLst>
+      <p:ext uri="{BB962C8B-B14F-4D97-AF65-F5344CB8AC3E}">
+        <p14:creationId xmlns:p14="http://schemas.microsoft.com/office/powerpoint/2010/main" val="2132342146"/>
+      </p:ext>
+    </p:extLst>
+  </p:cSld>
+  <p:clrMapOvr>
+    <a:masterClrMapping/>
+  </p:clrMapOvr>
+</p:sld>
+</file>
+
 <file path=ppt/slides/slide2.xml><?xml version="1.0" encoding="utf-8"?>
 <p:sld xmlns:a="http://schemas.openxmlformats.org/drawingml/2006/main" xmlns:r="http://schemas.openxmlformats.org/officeDocument/2006/relationships" xmlns:p="http://schemas.openxmlformats.org/presentationml/2006/main">
   <p:cSld>
@@ -3435,7 +4570,7 @@
         </p:blipFill>
         <p:spPr>
           <a:xfrm>
-            <a:off x="2665078" y="1853753"/>
+            <a:off x="2516328" y="1853754"/>
             <a:ext cx="7159344" cy="3688631"/>
           </a:xfrm>
         </p:spPr>
@@ -3491,7 +4626,2495 @@
           <a:bodyPr/>
           <a:lstStyle/>
           <a:p>
-            <a:endParaRPr lang="nl-BE"/>
+            <a:r>
+              <a:rPr lang="nl-BE" dirty="0" err="1"/>
+              <a:t>WireFRAMES</a:t>
+            </a:r>
+            <a:endParaRPr lang="nl-BE" dirty="0"/>
+          </a:p>
+        </p:txBody>
+      </p:sp>
+      <p:pic>
+        <p:nvPicPr>
+          <p:cNvPr id="5" name="Afbeelding 4">
+            <a:extLst>
+              <a:ext uri="{FF2B5EF4-FFF2-40B4-BE49-F238E27FC236}">
+                <a16:creationId xmlns:a16="http://schemas.microsoft.com/office/drawing/2014/main" id="{C34BE23D-1386-457D-8334-CAEEBE09CB55}"/>
+              </a:ext>
+            </a:extLst>
+          </p:cNvPr>
+          <p:cNvPicPr>
+            <a:picLocks noChangeAspect="1"/>
+          </p:cNvPicPr>
+          <p:nvPr/>
+        </p:nvPicPr>
+        <p:blipFill>
+          <a:blip r:embed="rId2"/>
+          <a:stretch>
+            <a:fillRect/>
+          </a:stretch>
+        </p:blipFill>
+        <p:spPr>
+          <a:xfrm>
+            <a:off x="883374" y="1700253"/>
+            <a:ext cx="3325138" cy="4353228"/>
+          </a:xfrm>
+          <a:prstGeom prst="rect">
+            <a:avLst/>
+          </a:prstGeom>
+        </p:spPr>
+      </p:pic>
+      <p:pic>
+        <p:nvPicPr>
+          <p:cNvPr id="8" name="Afbeelding 7" descr="Afbeelding met tekst&#10;&#10;Automatisch gegenereerde beschrijving">
+            <a:extLst>
+              <a:ext uri="{FF2B5EF4-FFF2-40B4-BE49-F238E27FC236}">
+                <a16:creationId xmlns:a16="http://schemas.microsoft.com/office/drawing/2014/main" id="{AD30994B-4FC1-4BF1-8D2D-3D979D81FF90}"/>
+              </a:ext>
+            </a:extLst>
+          </p:cNvPr>
+          <p:cNvPicPr>
+            <a:picLocks noChangeAspect="1"/>
+          </p:cNvPicPr>
+          <p:nvPr/>
+        </p:nvPicPr>
+        <p:blipFill>
+          <a:blip r:embed="rId3"/>
+          <a:stretch>
+            <a:fillRect/>
+          </a:stretch>
+        </p:blipFill>
+        <p:spPr>
+          <a:xfrm>
+            <a:off x="4437906" y="1700252"/>
+            <a:ext cx="3316187" cy="4353229"/>
+          </a:xfrm>
+          <a:prstGeom prst="rect">
+            <a:avLst/>
+          </a:prstGeom>
+        </p:spPr>
+      </p:pic>
+      <p:pic>
+        <p:nvPicPr>
+          <p:cNvPr id="10" name="Afbeelding 9" descr="Afbeelding met tafel&#10;&#10;Automatisch gegenereerde beschrijving">
+            <a:extLst>
+              <a:ext uri="{FF2B5EF4-FFF2-40B4-BE49-F238E27FC236}">
+                <a16:creationId xmlns:a16="http://schemas.microsoft.com/office/drawing/2014/main" id="{59297269-A538-467C-A994-26A7CF29B181}"/>
+              </a:ext>
+            </a:extLst>
+          </p:cNvPr>
+          <p:cNvPicPr>
+            <a:picLocks noChangeAspect="1"/>
+          </p:cNvPicPr>
+          <p:nvPr/>
+        </p:nvPicPr>
+        <p:blipFill>
+          <a:blip r:embed="rId4"/>
+          <a:stretch>
+            <a:fillRect/>
+          </a:stretch>
+        </p:blipFill>
+        <p:spPr>
+          <a:xfrm>
+            <a:off x="7965109" y="1700251"/>
+            <a:ext cx="3401145" cy="4353227"/>
+          </a:xfrm>
+          <a:prstGeom prst="rect">
+            <a:avLst/>
+          </a:prstGeom>
+        </p:spPr>
+      </p:pic>
+    </p:spTree>
+    <p:extLst>
+      <p:ext uri="{BB962C8B-B14F-4D97-AF65-F5344CB8AC3E}">
+        <p14:creationId xmlns:p14="http://schemas.microsoft.com/office/powerpoint/2010/main" val="748776510"/>
+      </p:ext>
+    </p:extLst>
+  </p:cSld>
+  <p:clrMapOvr>
+    <a:masterClrMapping/>
+  </p:clrMapOvr>
+  <p:timing>
+    <p:tnLst>
+      <p:par>
+        <p:cTn id="1" dur="indefinite" restart="never" nodeType="tmRoot">
+          <p:childTnLst>
+            <p:seq concurrent="1" nextAc="seek">
+              <p:cTn id="2" dur="indefinite" nodeType="mainSeq">
+                <p:childTnLst>
+                  <p:par>
+                    <p:cTn id="3" fill="hold">
+                      <p:stCondLst>
+                        <p:cond delay="indefinite"/>
+                      </p:stCondLst>
+                      <p:childTnLst>
+                        <p:par>
+                          <p:cTn id="4" fill="hold">
+                            <p:stCondLst>
+                              <p:cond delay="0"/>
+                            </p:stCondLst>
+                            <p:childTnLst>
+                              <p:par>
+                                <p:cTn id="5" presetID="2" presetClass="entr" presetSubtype="4" fill="hold" nodeType="clickEffect">
+                                  <p:stCondLst>
+                                    <p:cond delay="0"/>
+                                  </p:stCondLst>
+                                  <p:childTnLst>
+                                    <p:set>
+                                      <p:cBhvr>
+                                        <p:cTn id="6" dur="1" fill="hold">
+                                          <p:stCondLst>
+                                            <p:cond delay="0"/>
+                                          </p:stCondLst>
+                                        </p:cTn>
+                                        <p:tgtEl>
+                                          <p:spTgt spid="5"/>
+                                        </p:tgtEl>
+                                        <p:attrNameLst>
+                                          <p:attrName>style.visibility</p:attrName>
+                                        </p:attrNameLst>
+                                      </p:cBhvr>
+                                      <p:to>
+                                        <p:strVal val="visible"/>
+                                      </p:to>
+                                    </p:set>
+                                    <p:anim calcmode="lin" valueType="num">
+                                      <p:cBhvr additive="base">
+                                        <p:cTn id="7" dur="500" fill="hold"/>
+                                        <p:tgtEl>
+                                          <p:spTgt spid="5"/>
+                                        </p:tgtEl>
+                                        <p:attrNameLst>
+                                          <p:attrName>ppt_x</p:attrName>
+                                        </p:attrNameLst>
+                                      </p:cBhvr>
+                                      <p:tavLst>
+                                        <p:tav tm="0">
+                                          <p:val>
+                                            <p:strVal val="#ppt_x"/>
+                                          </p:val>
+                                        </p:tav>
+                                        <p:tav tm="100000">
+                                          <p:val>
+                                            <p:strVal val="#ppt_x"/>
+                                          </p:val>
+                                        </p:tav>
+                                      </p:tavLst>
+                                    </p:anim>
+                                    <p:anim calcmode="lin" valueType="num">
+                                      <p:cBhvr additive="base">
+                                        <p:cTn id="8" dur="500" fill="hold"/>
+                                        <p:tgtEl>
+                                          <p:spTgt spid="5"/>
+                                        </p:tgtEl>
+                                        <p:attrNameLst>
+                                          <p:attrName>ppt_y</p:attrName>
+                                        </p:attrNameLst>
+                                      </p:cBhvr>
+                                      <p:tavLst>
+                                        <p:tav tm="0">
+                                          <p:val>
+                                            <p:strVal val="1+#ppt_h/2"/>
+                                          </p:val>
+                                        </p:tav>
+                                        <p:tav tm="100000">
+                                          <p:val>
+                                            <p:strVal val="#ppt_y"/>
+                                          </p:val>
+                                        </p:tav>
+                                      </p:tavLst>
+                                    </p:anim>
+                                  </p:childTnLst>
+                                </p:cTn>
+                              </p:par>
+                            </p:childTnLst>
+                          </p:cTn>
+                        </p:par>
+                        <p:par>
+                          <p:cTn id="9" fill="hold">
+                            <p:stCondLst>
+                              <p:cond delay="500"/>
+                            </p:stCondLst>
+                            <p:childTnLst>
+                              <p:par>
+                                <p:cTn id="10" presetID="2" presetClass="entr" presetSubtype="4" fill="hold" nodeType="afterEffect">
+                                  <p:stCondLst>
+                                    <p:cond delay="0"/>
+                                  </p:stCondLst>
+                                  <p:childTnLst>
+                                    <p:set>
+                                      <p:cBhvr>
+                                        <p:cTn id="11" dur="1" fill="hold">
+                                          <p:stCondLst>
+                                            <p:cond delay="0"/>
+                                          </p:stCondLst>
+                                        </p:cTn>
+                                        <p:tgtEl>
+                                          <p:spTgt spid="8"/>
+                                        </p:tgtEl>
+                                        <p:attrNameLst>
+                                          <p:attrName>style.visibility</p:attrName>
+                                        </p:attrNameLst>
+                                      </p:cBhvr>
+                                      <p:to>
+                                        <p:strVal val="visible"/>
+                                      </p:to>
+                                    </p:set>
+                                    <p:anim calcmode="lin" valueType="num">
+                                      <p:cBhvr additive="base">
+                                        <p:cTn id="12" dur="500" fill="hold"/>
+                                        <p:tgtEl>
+                                          <p:spTgt spid="8"/>
+                                        </p:tgtEl>
+                                        <p:attrNameLst>
+                                          <p:attrName>ppt_x</p:attrName>
+                                        </p:attrNameLst>
+                                      </p:cBhvr>
+                                      <p:tavLst>
+                                        <p:tav tm="0">
+                                          <p:val>
+                                            <p:strVal val="#ppt_x"/>
+                                          </p:val>
+                                        </p:tav>
+                                        <p:tav tm="100000">
+                                          <p:val>
+                                            <p:strVal val="#ppt_x"/>
+                                          </p:val>
+                                        </p:tav>
+                                      </p:tavLst>
+                                    </p:anim>
+                                    <p:anim calcmode="lin" valueType="num">
+                                      <p:cBhvr additive="base">
+                                        <p:cTn id="13" dur="500" fill="hold"/>
+                                        <p:tgtEl>
+                                          <p:spTgt spid="8"/>
+                                        </p:tgtEl>
+                                        <p:attrNameLst>
+                                          <p:attrName>ppt_y</p:attrName>
+                                        </p:attrNameLst>
+                                      </p:cBhvr>
+                                      <p:tavLst>
+                                        <p:tav tm="0">
+                                          <p:val>
+                                            <p:strVal val="1+#ppt_h/2"/>
+                                          </p:val>
+                                        </p:tav>
+                                        <p:tav tm="100000">
+                                          <p:val>
+                                            <p:strVal val="#ppt_y"/>
+                                          </p:val>
+                                        </p:tav>
+                                      </p:tavLst>
+                                    </p:anim>
+                                  </p:childTnLst>
+                                </p:cTn>
+                              </p:par>
+                            </p:childTnLst>
+                          </p:cTn>
+                        </p:par>
+                        <p:par>
+                          <p:cTn id="14" fill="hold">
+                            <p:stCondLst>
+                              <p:cond delay="1000"/>
+                            </p:stCondLst>
+                            <p:childTnLst>
+                              <p:par>
+                                <p:cTn id="15" presetID="2" presetClass="entr" presetSubtype="4" fill="hold" nodeType="afterEffect">
+                                  <p:stCondLst>
+                                    <p:cond delay="0"/>
+                                  </p:stCondLst>
+                                  <p:childTnLst>
+                                    <p:set>
+                                      <p:cBhvr>
+                                        <p:cTn id="16" dur="1" fill="hold">
+                                          <p:stCondLst>
+                                            <p:cond delay="0"/>
+                                          </p:stCondLst>
+                                        </p:cTn>
+                                        <p:tgtEl>
+                                          <p:spTgt spid="10"/>
+                                        </p:tgtEl>
+                                        <p:attrNameLst>
+                                          <p:attrName>style.visibility</p:attrName>
+                                        </p:attrNameLst>
+                                      </p:cBhvr>
+                                      <p:to>
+                                        <p:strVal val="visible"/>
+                                      </p:to>
+                                    </p:set>
+                                    <p:anim calcmode="lin" valueType="num">
+                                      <p:cBhvr additive="base">
+                                        <p:cTn id="17" dur="500" fill="hold"/>
+                                        <p:tgtEl>
+                                          <p:spTgt spid="10"/>
+                                        </p:tgtEl>
+                                        <p:attrNameLst>
+                                          <p:attrName>ppt_x</p:attrName>
+                                        </p:attrNameLst>
+                                      </p:cBhvr>
+                                      <p:tavLst>
+                                        <p:tav tm="0">
+                                          <p:val>
+                                            <p:strVal val="#ppt_x"/>
+                                          </p:val>
+                                        </p:tav>
+                                        <p:tav tm="100000">
+                                          <p:val>
+                                            <p:strVal val="#ppt_x"/>
+                                          </p:val>
+                                        </p:tav>
+                                      </p:tavLst>
+                                    </p:anim>
+                                    <p:anim calcmode="lin" valueType="num">
+                                      <p:cBhvr additive="base">
+                                        <p:cTn id="18" dur="500" fill="hold"/>
+                                        <p:tgtEl>
+                                          <p:spTgt spid="10"/>
+                                        </p:tgtEl>
+                                        <p:attrNameLst>
+                                          <p:attrName>ppt_y</p:attrName>
+                                        </p:attrNameLst>
+                                      </p:cBhvr>
+                                      <p:tavLst>
+                                        <p:tav tm="0">
+                                          <p:val>
+                                            <p:strVal val="1+#ppt_h/2"/>
+                                          </p:val>
+                                        </p:tav>
+                                        <p:tav tm="100000">
+                                          <p:val>
+                                            <p:strVal val="#ppt_y"/>
+                                          </p:val>
+                                        </p:tav>
+                                      </p:tavLst>
+                                    </p:anim>
+                                  </p:childTnLst>
+                                </p:cTn>
+                              </p:par>
+                            </p:childTnLst>
+                          </p:cTn>
+                        </p:par>
+                      </p:childTnLst>
+                    </p:cTn>
+                  </p:par>
+                </p:childTnLst>
+              </p:cTn>
+              <p:prevCondLst>
+                <p:cond evt="onPrev" delay="0">
+                  <p:tgtEl>
+                    <p:sldTgt/>
+                  </p:tgtEl>
+                </p:cond>
+              </p:prevCondLst>
+              <p:nextCondLst>
+                <p:cond evt="onNext" delay="0">
+                  <p:tgtEl>
+                    <p:sldTgt/>
+                  </p:tgtEl>
+                </p:cond>
+              </p:nextCondLst>
+            </p:seq>
+          </p:childTnLst>
+        </p:cTn>
+      </p:par>
+    </p:tnLst>
+  </p:timing>
+</p:sld>
+</file>
+
+<file path=ppt/slides/slide4.xml><?xml version="1.0" encoding="utf-8"?>
+<p:sld xmlns:a="http://schemas.openxmlformats.org/drawingml/2006/main" xmlns:r="http://schemas.openxmlformats.org/officeDocument/2006/relationships" xmlns:p="http://schemas.openxmlformats.org/presentationml/2006/main">
+  <p:cSld>
+    <p:spTree>
+      <p:nvGrpSpPr>
+        <p:cNvPr id="1" name=""/>
+        <p:cNvGrpSpPr/>
+        <p:nvPr/>
+      </p:nvGrpSpPr>
+      <p:grpSpPr>
+        <a:xfrm>
+          <a:off x="0" y="0"/>
+          <a:ext cx="0" cy="0"/>
+          <a:chOff x="0" y="0"/>
+          <a:chExt cx="0" cy="0"/>
+        </a:xfrm>
+      </p:grpSpPr>
+      <p:sp>
+        <p:nvSpPr>
+          <p:cNvPr id="2" name="Titel 1">
+            <a:extLst>
+              <a:ext uri="{FF2B5EF4-FFF2-40B4-BE49-F238E27FC236}">
+                <a16:creationId xmlns:a16="http://schemas.microsoft.com/office/drawing/2014/main" id="{572D1FDC-4E4A-4A96-B8A0-0281F1352DEF}"/>
+              </a:ext>
+            </a:extLst>
+          </p:cNvPr>
+          <p:cNvSpPr>
+            <a:spLocks noGrp="1"/>
+          </p:cNvSpPr>
+          <p:nvPr>
+            <p:ph type="title"/>
+          </p:nvPr>
+        </p:nvSpPr>
+        <p:spPr/>
+        <p:txBody>
+          <a:bodyPr/>
+          <a:lstStyle/>
+          <a:p>
+            <a:r>
+              <a:rPr lang="nl-BE" dirty="0" err="1"/>
+              <a:t>Settings</a:t>
+            </a:r>
+            <a:r>
+              <a:rPr lang="nl-BE" dirty="0"/>
+              <a:t> </a:t>
+            </a:r>
+            <a:r>
+              <a:rPr lang="nl-BE" dirty="0" err="1"/>
+              <a:t>explained</a:t>
+            </a:r>
+            <a:endParaRPr lang="nl-BE" dirty="0"/>
+          </a:p>
+        </p:txBody>
+      </p:sp>
+      <p:sp>
+        <p:nvSpPr>
+          <p:cNvPr id="4" name="Tijdelijke aanduiding voor inhoud 3">
+            <a:extLst>
+              <a:ext uri="{FF2B5EF4-FFF2-40B4-BE49-F238E27FC236}">
+                <a16:creationId xmlns:a16="http://schemas.microsoft.com/office/drawing/2014/main" id="{09C3E5BA-B0AE-47C0-BCD0-D9E92552EB03}"/>
+              </a:ext>
+            </a:extLst>
+          </p:cNvPr>
+          <p:cNvSpPr>
+            <a:spLocks noGrp="1"/>
+          </p:cNvSpPr>
+          <p:nvPr>
+            <p:ph sz="half" idx="2"/>
+          </p:nvPr>
+        </p:nvSpPr>
+        <p:spPr/>
+        <p:txBody>
+          <a:bodyPr>
+            <a:normAutofit fontScale="62500" lnSpcReduction="20000"/>
+          </a:bodyPr>
+          <a:lstStyle/>
+          <a:p>
+            <a:r>
+              <a:rPr lang="nl-BE" dirty="0" err="1">
+                <a:solidFill>
+                  <a:srgbClr val="FB8C29"/>
+                </a:solidFill>
+              </a:rPr>
+              <a:t>Boardsize</a:t>
+            </a:r>
+            <a:endParaRPr lang="nl-BE" dirty="0">
+              <a:solidFill>
+                <a:srgbClr val="FB8C29"/>
+              </a:solidFill>
+            </a:endParaRPr>
+          </a:p>
+          <a:p>
+            <a:pPr lvl="1"/>
+            <a:r>
+              <a:rPr lang="nl-BE" dirty="0"/>
+              <a:t>Grootte van het bord</a:t>
+            </a:r>
+          </a:p>
+          <a:p>
+            <a:r>
+              <a:rPr lang="nl-BE" dirty="0" err="1">
+                <a:solidFill>
+                  <a:srgbClr val="FB8C29"/>
+                </a:solidFill>
+              </a:rPr>
+              <a:t>Difficulty</a:t>
+            </a:r>
+            <a:endParaRPr lang="nl-BE" dirty="0">
+              <a:solidFill>
+                <a:srgbClr val="FB8C29"/>
+              </a:solidFill>
+            </a:endParaRPr>
+          </a:p>
+          <a:p>
+            <a:pPr lvl="1"/>
+            <a:r>
+              <a:rPr lang="nl-BE" dirty="0"/>
+              <a:t>Wordt het moeilijker of niet</a:t>
+            </a:r>
+          </a:p>
+          <a:p>
+            <a:r>
+              <a:rPr lang="nl-BE" dirty="0">
+                <a:solidFill>
+                  <a:srgbClr val="FB8C29"/>
+                </a:solidFill>
+              </a:rPr>
+              <a:t>Mode</a:t>
+            </a:r>
+          </a:p>
+          <a:p>
+            <a:pPr lvl="1"/>
+            <a:r>
+              <a:rPr lang="nl-BE" dirty="0"/>
+              <a:t>Blokjes klikken of slepen</a:t>
+            </a:r>
+          </a:p>
+          <a:p>
+            <a:r>
+              <a:rPr lang="nl-BE" dirty="0" err="1">
+                <a:solidFill>
+                  <a:srgbClr val="FB8C29"/>
+                </a:solidFill>
+              </a:rPr>
+              <a:t>Playable</a:t>
+            </a:r>
+            <a:r>
+              <a:rPr lang="nl-BE" dirty="0">
+                <a:solidFill>
+                  <a:srgbClr val="FB8C29"/>
+                </a:solidFill>
+              </a:rPr>
+              <a:t> pieces</a:t>
+            </a:r>
+          </a:p>
+          <a:p>
+            <a:pPr lvl="1"/>
+            <a:r>
+              <a:rPr lang="nl-BE" dirty="0"/>
+              <a:t>Met hoeveel blokken er gespeeld wordt</a:t>
+            </a:r>
+          </a:p>
+          <a:p>
+            <a:r>
+              <a:rPr lang="nl-BE" dirty="0">
+                <a:solidFill>
+                  <a:srgbClr val="FB8C29"/>
+                </a:solidFill>
+              </a:rPr>
+              <a:t>File </a:t>
+            </a:r>
+            <a:r>
+              <a:rPr lang="nl-BE" dirty="0" err="1">
+                <a:solidFill>
+                  <a:srgbClr val="FB8C29"/>
+                </a:solidFill>
+              </a:rPr>
+              <a:t>location</a:t>
+            </a:r>
+            <a:endParaRPr lang="nl-BE" dirty="0">
+              <a:solidFill>
+                <a:srgbClr val="FB8C29"/>
+              </a:solidFill>
+            </a:endParaRPr>
+          </a:p>
+          <a:p>
+            <a:pPr lvl="1"/>
+            <a:r>
+              <a:rPr lang="nl-BE" dirty="0"/>
+              <a:t>Waar wordt de score opgeslagen</a:t>
+            </a:r>
+          </a:p>
+          <a:p>
+            <a:r>
+              <a:rPr lang="nl-BE" dirty="0">
+                <a:solidFill>
+                  <a:srgbClr val="FB8C29"/>
+                </a:solidFill>
+              </a:rPr>
+              <a:t>Sound </a:t>
+            </a:r>
+            <a:r>
+              <a:rPr lang="nl-BE" dirty="0" err="1">
+                <a:solidFill>
+                  <a:srgbClr val="FB8C29"/>
+                </a:solidFill>
+              </a:rPr>
+              <a:t>effects</a:t>
+            </a:r>
+            <a:endParaRPr lang="nl-BE" dirty="0">
+              <a:solidFill>
+                <a:srgbClr val="FB8C29"/>
+              </a:solidFill>
+            </a:endParaRPr>
+          </a:p>
+          <a:p>
+            <a:pPr lvl="1"/>
+            <a:r>
+              <a:rPr lang="nl-BE" dirty="0"/>
+              <a:t>Geluiden aan of af</a:t>
+            </a:r>
+          </a:p>
+        </p:txBody>
+      </p:sp>
+      <p:pic>
+        <p:nvPicPr>
+          <p:cNvPr id="5" name="Tijdelijke aanduiding voor inhoud 4">
+            <a:extLst>
+              <a:ext uri="{FF2B5EF4-FFF2-40B4-BE49-F238E27FC236}">
+                <a16:creationId xmlns:a16="http://schemas.microsoft.com/office/drawing/2014/main" id="{4CA0131F-5DBB-42AE-AE78-FE5B998E14BF}"/>
+              </a:ext>
+            </a:extLst>
+          </p:cNvPr>
+          <p:cNvPicPr>
+            <a:picLocks noGrp="1" noChangeAspect="1"/>
+          </p:cNvPicPr>
+          <p:nvPr>
+            <p:ph sz="half" idx="1"/>
+          </p:nvPr>
+        </p:nvPicPr>
+        <p:blipFill>
+          <a:blip r:embed="rId2"/>
+          <a:stretch>
+            <a:fillRect/>
+          </a:stretch>
+        </p:blipFill>
+        <p:spPr>
+          <a:xfrm>
+            <a:off x="1449205" y="2028825"/>
+            <a:ext cx="4659257" cy="2964982"/>
+          </a:xfrm>
+        </p:spPr>
+      </p:pic>
+    </p:spTree>
+    <p:extLst>
+      <p:ext uri="{BB962C8B-B14F-4D97-AF65-F5344CB8AC3E}">
+        <p14:creationId xmlns:p14="http://schemas.microsoft.com/office/powerpoint/2010/main" val="2651218248"/>
+      </p:ext>
+    </p:extLst>
+  </p:cSld>
+  <p:clrMapOvr>
+    <a:masterClrMapping/>
+  </p:clrMapOvr>
+  <p:timing>
+    <p:tnLst>
+      <p:par>
+        <p:cTn id="1" dur="indefinite" restart="never" nodeType="tmRoot">
+          <p:childTnLst>
+            <p:seq concurrent="1" nextAc="seek">
+              <p:cTn id="2" dur="indefinite" nodeType="mainSeq">
+                <p:childTnLst>
+                  <p:par>
+                    <p:cTn id="3" fill="hold">
+                      <p:stCondLst>
+                        <p:cond delay="indefinite"/>
+                      </p:stCondLst>
+                      <p:childTnLst>
+                        <p:par>
+                          <p:cTn id="4" fill="hold">
+                            <p:stCondLst>
+                              <p:cond delay="0"/>
+                            </p:stCondLst>
+                            <p:childTnLst>
+                              <p:par>
+                                <p:cTn id="5" presetID="1" presetClass="entr" presetSubtype="0" fill="hold" nodeType="clickEffect">
+                                  <p:stCondLst>
+                                    <p:cond delay="0"/>
+                                  </p:stCondLst>
+                                  <p:childTnLst>
+                                    <p:set>
+                                      <p:cBhvr>
+                                        <p:cTn id="6" dur="1" fill="hold">
+                                          <p:stCondLst>
+                                            <p:cond delay="0"/>
+                                          </p:stCondLst>
+                                        </p:cTn>
+                                        <p:tgtEl>
+                                          <p:spTgt spid="4">
+                                            <p:txEl>
+                                              <p:pRg st="0" end="0"/>
+                                            </p:txEl>
+                                          </p:spTgt>
+                                        </p:tgtEl>
+                                        <p:attrNameLst>
+                                          <p:attrName>style.visibility</p:attrName>
+                                        </p:attrNameLst>
+                                      </p:cBhvr>
+                                      <p:to>
+                                        <p:strVal val="visible"/>
+                                      </p:to>
+                                    </p:set>
+                                  </p:childTnLst>
+                                </p:cTn>
+                              </p:par>
+                              <p:par>
+                                <p:cTn id="7" presetID="1" presetClass="entr" presetSubtype="0" fill="hold" nodeType="withEffect">
+                                  <p:stCondLst>
+                                    <p:cond delay="0"/>
+                                  </p:stCondLst>
+                                  <p:childTnLst>
+                                    <p:set>
+                                      <p:cBhvr>
+                                        <p:cTn id="8" dur="1" fill="hold">
+                                          <p:stCondLst>
+                                            <p:cond delay="0"/>
+                                          </p:stCondLst>
+                                        </p:cTn>
+                                        <p:tgtEl>
+                                          <p:spTgt spid="4">
+                                            <p:txEl>
+                                              <p:pRg st="1" end="1"/>
+                                            </p:txEl>
+                                          </p:spTgt>
+                                        </p:tgtEl>
+                                        <p:attrNameLst>
+                                          <p:attrName>style.visibility</p:attrName>
+                                        </p:attrNameLst>
+                                      </p:cBhvr>
+                                      <p:to>
+                                        <p:strVal val="visible"/>
+                                      </p:to>
+                                    </p:set>
+                                  </p:childTnLst>
+                                </p:cTn>
+                              </p:par>
+                            </p:childTnLst>
+                          </p:cTn>
+                        </p:par>
+                      </p:childTnLst>
+                    </p:cTn>
+                  </p:par>
+                  <p:par>
+                    <p:cTn id="9" fill="hold">
+                      <p:stCondLst>
+                        <p:cond delay="indefinite"/>
+                      </p:stCondLst>
+                      <p:childTnLst>
+                        <p:par>
+                          <p:cTn id="10" fill="hold">
+                            <p:stCondLst>
+                              <p:cond delay="0"/>
+                            </p:stCondLst>
+                            <p:childTnLst>
+                              <p:par>
+                                <p:cTn id="11" presetID="1" presetClass="entr" presetSubtype="0" fill="hold" nodeType="clickEffect">
+                                  <p:stCondLst>
+                                    <p:cond delay="0"/>
+                                  </p:stCondLst>
+                                  <p:childTnLst>
+                                    <p:set>
+                                      <p:cBhvr>
+                                        <p:cTn id="12" dur="1" fill="hold">
+                                          <p:stCondLst>
+                                            <p:cond delay="0"/>
+                                          </p:stCondLst>
+                                        </p:cTn>
+                                        <p:tgtEl>
+                                          <p:spTgt spid="4">
+                                            <p:txEl>
+                                              <p:pRg st="2" end="2"/>
+                                            </p:txEl>
+                                          </p:spTgt>
+                                        </p:tgtEl>
+                                        <p:attrNameLst>
+                                          <p:attrName>style.visibility</p:attrName>
+                                        </p:attrNameLst>
+                                      </p:cBhvr>
+                                      <p:to>
+                                        <p:strVal val="visible"/>
+                                      </p:to>
+                                    </p:set>
+                                  </p:childTnLst>
+                                </p:cTn>
+                              </p:par>
+                              <p:par>
+                                <p:cTn id="13" presetID="1" presetClass="entr" presetSubtype="0" fill="hold" nodeType="withEffect">
+                                  <p:stCondLst>
+                                    <p:cond delay="0"/>
+                                  </p:stCondLst>
+                                  <p:childTnLst>
+                                    <p:set>
+                                      <p:cBhvr>
+                                        <p:cTn id="14" dur="1" fill="hold">
+                                          <p:stCondLst>
+                                            <p:cond delay="0"/>
+                                          </p:stCondLst>
+                                        </p:cTn>
+                                        <p:tgtEl>
+                                          <p:spTgt spid="4">
+                                            <p:txEl>
+                                              <p:pRg st="3" end="3"/>
+                                            </p:txEl>
+                                          </p:spTgt>
+                                        </p:tgtEl>
+                                        <p:attrNameLst>
+                                          <p:attrName>style.visibility</p:attrName>
+                                        </p:attrNameLst>
+                                      </p:cBhvr>
+                                      <p:to>
+                                        <p:strVal val="visible"/>
+                                      </p:to>
+                                    </p:set>
+                                  </p:childTnLst>
+                                </p:cTn>
+                              </p:par>
+                            </p:childTnLst>
+                          </p:cTn>
+                        </p:par>
+                      </p:childTnLst>
+                    </p:cTn>
+                  </p:par>
+                  <p:par>
+                    <p:cTn id="15" fill="hold">
+                      <p:stCondLst>
+                        <p:cond delay="indefinite"/>
+                      </p:stCondLst>
+                      <p:childTnLst>
+                        <p:par>
+                          <p:cTn id="16" fill="hold">
+                            <p:stCondLst>
+                              <p:cond delay="0"/>
+                            </p:stCondLst>
+                            <p:childTnLst>
+                              <p:par>
+                                <p:cTn id="17" presetID="1" presetClass="entr" presetSubtype="0" fill="hold" nodeType="clickEffect">
+                                  <p:stCondLst>
+                                    <p:cond delay="0"/>
+                                  </p:stCondLst>
+                                  <p:childTnLst>
+                                    <p:set>
+                                      <p:cBhvr>
+                                        <p:cTn id="18" dur="1" fill="hold">
+                                          <p:stCondLst>
+                                            <p:cond delay="0"/>
+                                          </p:stCondLst>
+                                        </p:cTn>
+                                        <p:tgtEl>
+                                          <p:spTgt spid="4">
+                                            <p:txEl>
+                                              <p:pRg st="4" end="4"/>
+                                            </p:txEl>
+                                          </p:spTgt>
+                                        </p:tgtEl>
+                                        <p:attrNameLst>
+                                          <p:attrName>style.visibility</p:attrName>
+                                        </p:attrNameLst>
+                                      </p:cBhvr>
+                                      <p:to>
+                                        <p:strVal val="visible"/>
+                                      </p:to>
+                                    </p:set>
+                                  </p:childTnLst>
+                                </p:cTn>
+                              </p:par>
+                              <p:par>
+                                <p:cTn id="19" presetID="1" presetClass="entr" presetSubtype="0" fill="hold" nodeType="withEffect">
+                                  <p:stCondLst>
+                                    <p:cond delay="0"/>
+                                  </p:stCondLst>
+                                  <p:childTnLst>
+                                    <p:set>
+                                      <p:cBhvr>
+                                        <p:cTn id="20" dur="1" fill="hold">
+                                          <p:stCondLst>
+                                            <p:cond delay="0"/>
+                                          </p:stCondLst>
+                                        </p:cTn>
+                                        <p:tgtEl>
+                                          <p:spTgt spid="4">
+                                            <p:txEl>
+                                              <p:pRg st="5" end="5"/>
+                                            </p:txEl>
+                                          </p:spTgt>
+                                        </p:tgtEl>
+                                        <p:attrNameLst>
+                                          <p:attrName>style.visibility</p:attrName>
+                                        </p:attrNameLst>
+                                      </p:cBhvr>
+                                      <p:to>
+                                        <p:strVal val="visible"/>
+                                      </p:to>
+                                    </p:set>
+                                  </p:childTnLst>
+                                </p:cTn>
+                              </p:par>
+                            </p:childTnLst>
+                          </p:cTn>
+                        </p:par>
+                      </p:childTnLst>
+                    </p:cTn>
+                  </p:par>
+                  <p:par>
+                    <p:cTn id="21" fill="hold">
+                      <p:stCondLst>
+                        <p:cond delay="indefinite"/>
+                      </p:stCondLst>
+                      <p:childTnLst>
+                        <p:par>
+                          <p:cTn id="22" fill="hold">
+                            <p:stCondLst>
+                              <p:cond delay="0"/>
+                            </p:stCondLst>
+                            <p:childTnLst>
+                              <p:par>
+                                <p:cTn id="23" presetID="1" presetClass="entr" presetSubtype="0" fill="hold" nodeType="clickEffect">
+                                  <p:stCondLst>
+                                    <p:cond delay="0"/>
+                                  </p:stCondLst>
+                                  <p:childTnLst>
+                                    <p:set>
+                                      <p:cBhvr>
+                                        <p:cTn id="24" dur="1" fill="hold">
+                                          <p:stCondLst>
+                                            <p:cond delay="0"/>
+                                          </p:stCondLst>
+                                        </p:cTn>
+                                        <p:tgtEl>
+                                          <p:spTgt spid="4">
+                                            <p:txEl>
+                                              <p:pRg st="6" end="6"/>
+                                            </p:txEl>
+                                          </p:spTgt>
+                                        </p:tgtEl>
+                                        <p:attrNameLst>
+                                          <p:attrName>style.visibility</p:attrName>
+                                        </p:attrNameLst>
+                                      </p:cBhvr>
+                                      <p:to>
+                                        <p:strVal val="visible"/>
+                                      </p:to>
+                                    </p:set>
+                                  </p:childTnLst>
+                                </p:cTn>
+                              </p:par>
+                              <p:par>
+                                <p:cTn id="25" presetID="1" presetClass="entr" presetSubtype="0" fill="hold" nodeType="withEffect">
+                                  <p:stCondLst>
+                                    <p:cond delay="0"/>
+                                  </p:stCondLst>
+                                  <p:childTnLst>
+                                    <p:set>
+                                      <p:cBhvr>
+                                        <p:cTn id="26" dur="1" fill="hold">
+                                          <p:stCondLst>
+                                            <p:cond delay="0"/>
+                                          </p:stCondLst>
+                                        </p:cTn>
+                                        <p:tgtEl>
+                                          <p:spTgt spid="4">
+                                            <p:txEl>
+                                              <p:pRg st="7" end="7"/>
+                                            </p:txEl>
+                                          </p:spTgt>
+                                        </p:tgtEl>
+                                        <p:attrNameLst>
+                                          <p:attrName>style.visibility</p:attrName>
+                                        </p:attrNameLst>
+                                      </p:cBhvr>
+                                      <p:to>
+                                        <p:strVal val="visible"/>
+                                      </p:to>
+                                    </p:set>
+                                  </p:childTnLst>
+                                </p:cTn>
+                              </p:par>
+                            </p:childTnLst>
+                          </p:cTn>
+                        </p:par>
+                      </p:childTnLst>
+                    </p:cTn>
+                  </p:par>
+                  <p:par>
+                    <p:cTn id="27" fill="hold">
+                      <p:stCondLst>
+                        <p:cond delay="indefinite"/>
+                      </p:stCondLst>
+                      <p:childTnLst>
+                        <p:par>
+                          <p:cTn id="28" fill="hold">
+                            <p:stCondLst>
+                              <p:cond delay="0"/>
+                            </p:stCondLst>
+                            <p:childTnLst>
+                              <p:par>
+                                <p:cTn id="29" presetID="1" presetClass="entr" presetSubtype="0" fill="hold" nodeType="clickEffect">
+                                  <p:stCondLst>
+                                    <p:cond delay="0"/>
+                                  </p:stCondLst>
+                                  <p:childTnLst>
+                                    <p:set>
+                                      <p:cBhvr>
+                                        <p:cTn id="30" dur="1" fill="hold">
+                                          <p:stCondLst>
+                                            <p:cond delay="0"/>
+                                          </p:stCondLst>
+                                        </p:cTn>
+                                        <p:tgtEl>
+                                          <p:spTgt spid="4">
+                                            <p:txEl>
+                                              <p:pRg st="8" end="8"/>
+                                            </p:txEl>
+                                          </p:spTgt>
+                                        </p:tgtEl>
+                                        <p:attrNameLst>
+                                          <p:attrName>style.visibility</p:attrName>
+                                        </p:attrNameLst>
+                                      </p:cBhvr>
+                                      <p:to>
+                                        <p:strVal val="visible"/>
+                                      </p:to>
+                                    </p:set>
+                                  </p:childTnLst>
+                                </p:cTn>
+                              </p:par>
+                              <p:par>
+                                <p:cTn id="31" presetID="1" presetClass="entr" presetSubtype="0" fill="hold" nodeType="withEffect">
+                                  <p:stCondLst>
+                                    <p:cond delay="0"/>
+                                  </p:stCondLst>
+                                  <p:childTnLst>
+                                    <p:set>
+                                      <p:cBhvr>
+                                        <p:cTn id="32" dur="1" fill="hold">
+                                          <p:stCondLst>
+                                            <p:cond delay="0"/>
+                                          </p:stCondLst>
+                                        </p:cTn>
+                                        <p:tgtEl>
+                                          <p:spTgt spid="4">
+                                            <p:txEl>
+                                              <p:pRg st="9" end="9"/>
+                                            </p:txEl>
+                                          </p:spTgt>
+                                        </p:tgtEl>
+                                        <p:attrNameLst>
+                                          <p:attrName>style.visibility</p:attrName>
+                                        </p:attrNameLst>
+                                      </p:cBhvr>
+                                      <p:to>
+                                        <p:strVal val="visible"/>
+                                      </p:to>
+                                    </p:set>
+                                  </p:childTnLst>
+                                </p:cTn>
+                              </p:par>
+                            </p:childTnLst>
+                          </p:cTn>
+                        </p:par>
+                      </p:childTnLst>
+                    </p:cTn>
+                  </p:par>
+                  <p:par>
+                    <p:cTn id="33" fill="hold">
+                      <p:stCondLst>
+                        <p:cond delay="indefinite"/>
+                      </p:stCondLst>
+                      <p:childTnLst>
+                        <p:par>
+                          <p:cTn id="34" fill="hold">
+                            <p:stCondLst>
+                              <p:cond delay="0"/>
+                            </p:stCondLst>
+                            <p:childTnLst>
+                              <p:par>
+                                <p:cTn id="35" presetID="1" presetClass="entr" presetSubtype="0" fill="hold" nodeType="clickEffect">
+                                  <p:stCondLst>
+                                    <p:cond delay="0"/>
+                                  </p:stCondLst>
+                                  <p:childTnLst>
+                                    <p:set>
+                                      <p:cBhvr>
+                                        <p:cTn id="36" dur="1" fill="hold">
+                                          <p:stCondLst>
+                                            <p:cond delay="0"/>
+                                          </p:stCondLst>
+                                        </p:cTn>
+                                        <p:tgtEl>
+                                          <p:spTgt spid="4">
+                                            <p:txEl>
+                                              <p:pRg st="10" end="10"/>
+                                            </p:txEl>
+                                          </p:spTgt>
+                                        </p:tgtEl>
+                                        <p:attrNameLst>
+                                          <p:attrName>style.visibility</p:attrName>
+                                        </p:attrNameLst>
+                                      </p:cBhvr>
+                                      <p:to>
+                                        <p:strVal val="visible"/>
+                                      </p:to>
+                                    </p:set>
+                                  </p:childTnLst>
+                                </p:cTn>
+                              </p:par>
+                              <p:par>
+                                <p:cTn id="37" presetID="1" presetClass="entr" presetSubtype="0" fill="hold" nodeType="withEffect">
+                                  <p:stCondLst>
+                                    <p:cond delay="0"/>
+                                  </p:stCondLst>
+                                  <p:childTnLst>
+                                    <p:set>
+                                      <p:cBhvr>
+                                        <p:cTn id="38" dur="1" fill="hold">
+                                          <p:stCondLst>
+                                            <p:cond delay="0"/>
+                                          </p:stCondLst>
+                                        </p:cTn>
+                                        <p:tgtEl>
+                                          <p:spTgt spid="4">
+                                            <p:txEl>
+                                              <p:pRg st="11" end="11"/>
+                                            </p:txEl>
+                                          </p:spTgt>
+                                        </p:tgtEl>
+                                        <p:attrNameLst>
+                                          <p:attrName>style.visibility</p:attrName>
+                                        </p:attrNameLst>
+                                      </p:cBhvr>
+                                      <p:to>
+                                        <p:strVal val="visible"/>
+                                      </p:to>
+                                    </p:set>
+                                  </p:childTnLst>
+                                </p:cTn>
+                              </p:par>
+                            </p:childTnLst>
+                          </p:cTn>
+                        </p:par>
+                      </p:childTnLst>
+                    </p:cTn>
+                  </p:par>
+                </p:childTnLst>
+              </p:cTn>
+              <p:prevCondLst>
+                <p:cond evt="onPrev" delay="0">
+                  <p:tgtEl>
+                    <p:sldTgt/>
+                  </p:tgtEl>
+                </p:cond>
+              </p:prevCondLst>
+              <p:nextCondLst>
+                <p:cond evt="onNext" delay="0">
+                  <p:tgtEl>
+                    <p:sldTgt/>
+                  </p:tgtEl>
+                </p:cond>
+              </p:nextCondLst>
+            </p:seq>
+          </p:childTnLst>
+        </p:cTn>
+      </p:par>
+    </p:tnLst>
+  </p:timing>
+</p:sld>
+</file>
+
+<file path=ppt/slides/slide5.xml><?xml version="1.0" encoding="utf-8"?>
+<p:sld xmlns:a="http://schemas.openxmlformats.org/drawingml/2006/main" xmlns:r="http://schemas.openxmlformats.org/officeDocument/2006/relationships" xmlns:p="http://schemas.openxmlformats.org/presentationml/2006/main">
+  <p:cSld>
+    <p:spTree>
+      <p:nvGrpSpPr>
+        <p:cNvPr id="1" name=""/>
+        <p:cNvGrpSpPr/>
+        <p:nvPr/>
+      </p:nvGrpSpPr>
+      <p:grpSpPr>
+        <a:xfrm>
+          <a:off x="0" y="0"/>
+          <a:ext cx="0" cy="0"/>
+          <a:chOff x="0" y="0"/>
+          <a:chExt cx="0" cy="0"/>
+        </a:xfrm>
+      </p:grpSpPr>
+      <p:sp>
+        <p:nvSpPr>
+          <p:cNvPr id="2" name="Titel 1">
+            <a:extLst>
+              <a:ext uri="{FF2B5EF4-FFF2-40B4-BE49-F238E27FC236}">
+                <a16:creationId xmlns:a16="http://schemas.microsoft.com/office/drawing/2014/main" id="{1DADF963-9A97-49CA-9F75-CDA97B058F49}"/>
+              </a:ext>
+            </a:extLst>
+          </p:cNvPr>
+          <p:cNvSpPr>
+            <a:spLocks noGrp="1"/>
+          </p:cNvSpPr>
+          <p:nvPr>
+            <p:ph type="title"/>
+          </p:nvPr>
+        </p:nvSpPr>
+        <p:spPr>
+          <a:xfrm>
+            <a:off x="773554" y="421965"/>
+            <a:ext cx="5322446" cy="949636"/>
+          </a:xfrm>
+        </p:spPr>
+        <p:txBody>
+          <a:bodyPr/>
+          <a:lstStyle/>
+          <a:p>
+            <a:r>
+              <a:rPr lang="nl-BE" dirty="0"/>
+              <a:t>KLASSENDIAGRAM</a:t>
+            </a:r>
+          </a:p>
+        </p:txBody>
+      </p:sp>
+      <p:pic>
+        <p:nvPicPr>
+          <p:cNvPr id="1026" name="Picture 2">
+            <a:extLst>
+              <a:ext uri="{FF2B5EF4-FFF2-40B4-BE49-F238E27FC236}">
+                <a16:creationId xmlns:a16="http://schemas.microsoft.com/office/drawing/2014/main" id="{46B1A30B-2323-47B7-B011-1CB71045AD54}"/>
+              </a:ext>
+            </a:extLst>
+          </p:cNvPr>
+          <p:cNvPicPr>
+            <a:picLocks noGrp="1" noChangeAspect="1" noChangeArrowheads="1"/>
+          </p:cNvPicPr>
+          <p:nvPr>
+            <p:ph idx="1"/>
+          </p:nvPr>
+        </p:nvPicPr>
+        <p:blipFill>
+          <a:blip r:embed="rId2">
+            <a:extLst>
+              <a:ext uri="{28A0092B-C50C-407E-A947-70E740481C1C}">
+                <a14:useLocalDpi xmlns:a14="http://schemas.microsoft.com/office/drawing/2010/main" val="0"/>
+              </a:ext>
+            </a:extLst>
+          </a:blip>
+          <a:srcRect/>
+          <a:stretch>
+            <a:fillRect/>
+          </a:stretch>
+        </p:blipFill>
+        <p:spPr bwMode="auto">
+          <a:xfrm>
+            <a:off x="5951712" y="167951"/>
+            <a:ext cx="5179709" cy="5943600"/>
+          </a:xfrm>
+          <a:prstGeom prst="rect">
+            <a:avLst/>
+          </a:prstGeom>
+          <a:noFill/>
+          <a:extLst>
+            <a:ext uri="{909E8E84-426E-40DD-AFC4-6F175D3DCCD1}">
+              <a14:hiddenFill xmlns:a14="http://schemas.microsoft.com/office/drawing/2010/main">
+                <a:solidFill>
+                  <a:srgbClr val="FFFFFF"/>
+                </a:solidFill>
+              </a14:hiddenFill>
+            </a:ext>
+          </a:extLst>
+        </p:spPr>
+      </p:pic>
+      <p:pic>
+        <p:nvPicPr>
+          <p:cNvPr id="5" name="Afbeelding 4">
+            <a:extLst>
+              <a:ext uri="{FF2B5EF4-FFF2-40B4-BE49-F238E27FC236}">
+                <a16:creationId xmlns:a16="http://schemas.microsoft.com/office/drawing/2014/main" id="{AA199CD2-FC90-4CB6-BD0B-D0069938EB6B}"/>
+              </a:ext>
+            </a:extLst>
+          </p:cNvPr>
+          <p:cNvPicPr>
+            <a:picLocks noChangeAspect="1"/>
+          </p:cNvPicPr>
+          <p:nvPr/>
+        </p:nvPicPr>
+        <p:blipFill rotWithShape="1">
+          <a:blip r:embed="rId3"/>
+          <a:srcRect t="27500"/>
+          <a:stretch/>
+        </p:blipFill>
+        <p:spPr>
+          <a:xfrm>
+            <a:off x="647031" y="1371601"/>
+            <a:ext cx="2370981" cy="4972050"/>
+          </a:xfrm>
+          <a:prstGeom prst="rect">
+            <a:avLst/>
+          </a:prstGeom>
+        </p:spPr>
+      </p:pic>
+      <p:pic>
+        <p:nvPicPr>
+          <p:cNvPr id="7" name="Afbeelding 6">
+            <a:extLst>
+              <a:ext uri="{FF2B5EF4-FFF2-40B4-BE49-F238E27FC236}">
+                <a16:creationId xmlns:a16="http://schemas.microsoft.com/office/drawing/2014/main" id="{5111ECF0-FBEB-4715-B4F8-D571973C8AA0}"/>
+              </a:ext>
+            </a:extLst>
+          </p:cNvPr>
+          <p:cNvPicPr>
+            <a:picLocks noChangeAspect="1"/>
+          </p:cNvPicPr>
+          <p:nvPr/>
+        </p:nvPicPr>
+        <p:blipFill rotWithShape="1">
+          <a:blip r:embed="rId3"/>
+          <a:srcRect b="71944"/>
+          <a:stretch/>
+        </p:blipFill>
+        <p:spPr>
+          <a:xfrm>
+            <a:off x="3110284" y="1383991"/>
+            <a:ext cx="2370981" cy="1924050"/>
+          </a:xfrm>
+          <a:prstGeom prst="rect">
+            <a:avLst/>
+          </a:prstGeom>
+        </p:spPr>
+      </p:pic>
+    </p:spTree>
+    <p:extLst>
+      <p:ext uri="{BB962C8B-B14F-4D97-AF65-F5344CB8AC3E}">
+        <p14:creationId xmlns:p14="http://schemas.microsoft.com/office/powerpoint/2010/main" val="909537566"/>
+      </p:ext>
+    </p:extLst>
+  </p:cSld>
+  <p:clrMapOvr>
+    <a:masterClrMapping/>
+  </p:clrMapOvr>
+</p:sld>
+</file>
+
+<file path=ppt/slides/slide6.xml><?xml version="1.0" encoding="utf-8"?>
+<p:sld xmlns:a="http://schemas.openxmlformats.org/drawingml/2006/main" xmlns:r="http://schemas.openxmlformats.org/officeDocument/2006/relationships" xmlns:p="http://schemas.openxmlformats.org/presentationml/2006/main">
+  <p:cSld>
+    <p:spTree>
+      <p:nvGrpSpPr>
+        <p:cNvPr id="1" name=""/>
+        <p:cNvGrpSpPr/>
+        <p:nvPr/>
+      </p:nvGrpSpPr>
+      <p:grpSpPr>
+        <a:xfrm>
+          <a:off x="0" y="0"/>
+          <a:ext cx="0" cy="0"/>
+          <a:chOff x="0" y="0"/>
+          <a:chExt cx="0" cy="0"/>
+        </a:xfrm>
+      </p:grpSpPr>
+      <p:sp>
+        <p:nvSpPr>
+          <p:cNvPr id="2" name="Titel 1">
+            <a:extLst>
+              <a:ext uri="{FF2B5EF4-FFF2-40B4-BE49-F238E27FC236}">
+                <a16:creationId xmlns:a16="http://schemas.microsoft.com/office/drawing/2014/main" id="{486FF07D-304B-46FF-8371-14A83F2A7241}"/>
+              </a:ext>
+            </a:extLst>
+          </p:cNvPr>
+          <p:cNvSpPr>
+            <a:spLocks noGrp="1"/>
+          </p:cNvSpPr>
+          <p:nvPr>
+            <p:ph type="title"/>
+          </p:nvPr>
+        </p:nvSpPr>
+        <p:spPr/>
+        <p:txBody>
+          <a:bodyPr/>
+          <a:lstStyle/>
+          <a:p>
+            <a:r>
+              <a:rPr lang="nl-BE" dirty="0"/>
+              <a:t>Hoe werkt het spel ?</a:t>
+            </a:r>
+          </a:p>
+        </p:txBody>
+      </p:sp>
+      <p:sp>
+        <p:nvSpPr>
+          <p:cNvPr id="4" name="Tijdelijke aanduiding voor inhoud 2">
+            <a:extLst>
+              <a:ext uri="{FF2B5EF4-FFF2-40B4-BE49-F238E27FC236}">
+                <a16:creationId xmlns:a16="http://schemas.microsoft.com/office/drawing/2014/main" id="{F3189EBF-BE36-4B4D-9F72-BD460666370B}"/>
+              </a:ext>
+            </a:extLst>
+          </p:cNvPr>
+          <p:cNvSpPr txBox="1">
+            <a:spLocks/>
+          </p:cNvSpPr>
+          <p:nvPr/>
+        </p:nvSpPr>
+        <p:spPr>
+          <a:xfrm>
+            <a:off x="2095160" y="1853754"/>
+            <a:ext cx="3254644" cy="3450613"/>
+          </a:xfrm>
+          <a:prstGeom prst="rect">
+            <a:avLst/>
+          </a:prstGeom>
+        </p:spPr>
+        <p:txBody>
+          <a:bodyPr vert="horz" lIns="91440" tIns="45720" rIns="91440" bIns="45720" rtlCol="0" anchor="t">
+            <a:normAutofit/>
+          </a:bodyPr>
+          <a:lstStyle>
+            <a:lvl1pPr marL="228600" indent="-228600" algn="l" defTabSz="914400" rtl="0" eaLnBrk="1" latinLnBrk="0" hangingPunct="1">
+              <a:lnSpc>
+                <a:spcPct val="120000"/>
+              </a:lnSpc>
+              <a:spcBef>
+                <a:spcPts val="1000"/>
+              </a:spcBef>
+              <a:buClr>
+                <a:schemeClr val="accent1"/>
+              </a:buClr>
+              <a:buSzPct val="100000"/>
+              <a:buFont typeface="Arial" panose="020B0604020202020204" pitchFamily="34" charset="0"/>
+              <a:buChar char="•"/>
+              <a:defRPr sz="2000" kern="1200">
+                <a:solidFill>
+                  <a:schemeClr val="tx1"/>
+                </a:solidFill>
+                <a:effectLst/>
+                <a:latin typeface="+mn-lt"/>
+                <a:ea typeface="+mn-ea"/>
+                <a:cs typeface="+mn-cs"/>
+              </a:defRPr>
+            </a:lvl1pPr>
+            <a:lvl2pPr marL="685800" indent="-228600" algn="l" defTabSz="914400" rtl="0" eaLnBrk="1" latinLnBrk="0" hangingPunct="1">
+              <a:lnSpc>
+                <a:spcPct val="120000"/>
+              </a:lnSpc>
+              <a:spcBef>
+                <a:spcPts val="500"/>
+              </a:spcBef>
+              <a:buClr>
+                <a:schemeClr val="accent1"/>
+              </a:buClr>
+              <a:buSzPct val="100000"/>
+              <a:buFont typeface="Arial" panose="020B0604020202020204" pitchFamily="34" charset="0"/>
+              <a:buChar char="•"/>
+              <a:defRPr sz="1800" kern="1200" cap="none" baseline="0">
+                <a:solidFill>
+                  <a:schemeClr val="tx1"/>
+                </a:solidFill>
+                <a:effectLst/>
+                <a:latin typeface="+mn-lt"/>
+                <a:ea typeface="+mn-ea"/>
+                <a:cs typeface="+mn-cs"/>
+              </a:defRPr>
+            </a:lvl2pPr>
+            <a:lvl3pPr marL="1143000" indent="-228600" algn="l" defTabSz="914400" rtl="0" eaLnBrk="1" latinLnBrk="0" hangingPunct="1">
+              <a:lnSpc>
+                <a:spcPct val="120000"/>
+              </a:lnSpc>
+              <a:spcBef>
+                <a:spcPts val="500"/>
+              </a:spcBef>
+              <a:buClr>
+                <a:schemeClr val="accent1"/>
+              </a:buClr>
+              <a:buSzPct val="100000"/>
+              <a:buFont typeface="Arial" panose="020B0604020202020204" pitchFamily="34" charset="0"/>
+              <a:buChar char="•"/>
+              <a:defRPr sz="1600" kern="1200">
+                <a:solidFill>
+                  <a:schemeClr val="tx1"/>
+                </a:solidFill>
+                <a:effectLst/>
+                <a:latin typeface="+mn-lt"/>
+                <a:ea typeface="+mn-ea"/>
+                <a:cs typeface="+mn-cs"/>
+              </a:defRPr>
+            </a:lvl3pPr>
+            <a:lvl4pPr marL="1600200" indent="-228600" algn="l" defTabSz="914400" rtl="0" eaLnBrk="1" latinLnBrk="0" hangingPunct="1">
+              <a:lnSpc>
+                <a:spcPct val="120000"/>
+              </a:lnSpc>
+              <a:spcBef>
+                <a:spcPts val="500"/>
+              </a:spcBef>
+              <a:buClr>
+                <a:schemeClr val="accent1"/>
+              </a:buClr>
+              <a:buSzPct val="100000"/>
+              <a:buFont typeface="Arial" panose="020B0604020202020204" pitchFamily="34" charset="0"/>
+              <a:buChar char="•"/>
+              <a:defRPr sz="1400" kern="1200" cap="none" baseline="0">
+                <a:solidFill>
+                  <a:schemeClr val="tx1"/>
+                </a:solidFill>
+                <a:effectLst/>
+                <a:latin typeface="+mn-lt"/>
+                <a:ea typeface="+mn-ea"/>
+                <a:cs typeface="+mn-cs"/>
+              </a:defRPr>
+            </a:lvl4pPr>
+            <a:lvl5pPr marL="2057400" indent="-228600" algn="l" defTabSz="914400" rtl="0" eaLnBrk="1" latinLnBrk="0" hangingPunct="1">
+              <a:lnSpc>
+                <a:spcPct val="120000"/>
+              </a:lnSpc>
+              <a:spcBef>
+                <a:spcPts val="500"/>
+              </a:spcBef>
+              <a:buClr>
+                <a:schemeClr val="accent1"/>
+              </a:buClr>
+              <a:buSzPct val="100000"/>
+              <a:buFont typeface="Arial" panose="020B0604020202020204" pitchFamily="34" charset="0"/>
+              <a:buChar char="•"/>
+              <a:defRPr sz="1200" kern="1200">
+                <a:solidFill>
+                  <a:schemeClr val="tx1"/>
+                </a:solidFill>
+                <a:effectLst/>
+                <a:latin typeface="+mn-lt"/>
+                <a:ea typeface="+mn-ea"/>
+                <a:cs typeface="+mn-cs"/>
+              </a:defRPr>
+            </a:lvl5pPr>
+            <a:lvl6pPr marL="2514600" indent="-228600" algn="l" defTabSz="914400" rtl="0" eaLnBrk="1" latinLnBrk="0" hangingPunct="1">
+              <a:lnSpc>
+                <a:spcPct val="120000"/>
+              </a:lnSpc>
+              <a:spcBef>
+                <a:spcPts val="500"/>
+              </a:spcBef>
+              <a:buClr>
+                <a:schemeClr val="accent1"/>
+              </a:buClr>
+              <a:buSzPct val="100000"/>
+              <a:buFont typeface="Arial" panose="020B0604020202020204" pitchFamily="34" charset="0"/>
+              <a:buChar char="•"/>
+              <a:defRPr sz="1200" kern="1200">
+                <a:solidFill>
+                  <a:schemeClr val="tx1"/>
+                </a:solidFill>
+                <a:effectLst/>
+                <a:latin typeface="+mn-lt"/>
+                <a:ea typeface="+mn-ea"/>
+                <a:cs typeface="+mn-cs"/>
+              </a:defRPr>
+            </a:lvl6pPr>
+            <a:lvl7pPr marL="2971800" indent="-228600" algn="l" defTabSz="914400" rtl="0" eaLnBrk="1" latinLnBrk="0" hangingPunct="1">
+              <a:lnSpc>
+                <a:spcPct val="120000"/>
+              </a:lnSpc>
+              <a:spcBef>
+                <a:spcPts val="500"/>
+              </a:spcBef>
+              <a:buClr>
+                <a:schemeClr val="accent1"/>
+              </a:buClr>
+              <a:buSzPct val="100000"/>
+              <a:buFont typeface="Arial" panose="020B0604020202020204" pitchFamily="34" charset="0"/>
+              <a:buChar char="•"/>
+              <a:defRPr sz="1200" kern="1200">
+                <a:solidFill>
+                  <a:schemeClr val="tx1"/>
+                </a:solidFill>
+                <a:effectLst/>
+                <a:latin typeface="+mn-lt"/>
+                <a:ea typeface="+mn-ea"/>
+                <a:cs typeface="+mn-cs"/>
+              </a:defRPr>
+            </a:lvl7pPr>
+            <a:lvl8pPr marL="3429000" indent="-228600" algn="l" defTabSz="914400" rtl="0" eaLnBrk="1" latinLnBrk="0" hangingPunct="1">
+              <a:lnSpc>
+                <a:spcPct val="120000"/>
+              </a:lnSpc>
+              <a:spcBef>
+                <a:spcPts val="500"/>
+              </a:spcBef>
+              <a:buClr>
+                <a:schemeClr val="accent1"/>
+              </a:buClr>
+              <a:buSzPct val="100000"/>
+              <a:buFont typeface="Arial" panose="020B0604020202020204" pitchFamily="34" charset="0"/>
+              <a:buChar char="•"/>
+              <a:defRPr sz="1200" kern="1200" baseline="0">
+                <a:solidFill>
+                  <a:schemeClr val="tx1"/>
+                </a:solidFill>
+                <a:effectLst/>
+                <a:latin typeface="+mn-lt"/>
+                <a:ea typeface="+mn-ea"/>
+                <a:cs typeface="+mn-cs"/>
+              </a:defRPr>
+            </a:lvl8pPr>
+            <a:lvl9pPr marL="3886200" indent="-228600" algn="l" defTabSz="914400" rtl="0" eaLnBrk="1" latinLnBrk="0" hangingPunct="1">
+              <a:lnSpc>
+                <a:spcPct val="120000"/>
+              </a:lnSpc>
+              <a:spcBef>
+                <a:spcPts val="500"/>
+              </a:spcBef>
+              <a:buClr>
+                <a:schemeClr val="accent1"/>
+              </a:buClr>
+              <a:buSzPct val="100000"/>
+              <a:buFont typeface="Arial" panose="020B0604020202020204" pitchFamily="34" charset="0"/>
+              <a:buChar char="•"/>
+              <a:defRPr sz="1200" kern="1200" baseline="0">
+                <a:solidFill>
+                  <a:schemeClr val="tx1"/>
+                </a:solidFill>
+                <a:effectLst/>
+                <a:latin typeface="+mn-lt"/>
+                <a:ea typeface="+mn-ea"/>
+                <a:cs typeface="+mn-cs"/>
+              </a:defRPr>
+            </a:lvl9pPr>
+          </a:lstStyle>
+          <a:p>
+            <a:r>
+              <a:rPr lang="nl-BE" dirty="0"/>
+              <a:t>DE BLOKKEN</a:t>
+            </a:r>
+          </a:p>
+          <a:p>
+            <a:pPr lvl="1"/>
+            <a:r>
+              <a:rPr lang="nl-BE" dirty="0"/>
+              <a:t>Waarde</a:t>
+            </a:r>
+          </a:p>
+          <a:p>
+            <a:pPr lvl="1"/>
+            <a:r>
+              <a:rPr lang="nl-BE" dirty="0"/>
+              <a:t>Naam</a:t>
+            </a:r>
+          </a:p>
+          <a:p>
+            <a:pPr lvl="1"/>
+            <a:r>
+              <a:rPr lang="nl-BE" dirty="0"/>
+              <a:t>Vorm : Points (</a:t>
+            </a:r>
+            <a:r>
+              <a:rPr lang="nl-BE" dirty="0" err="1"/>
+              <a:t>coords</a:t>
+            </a:r>
+            <a:r>
+              <a:rPr lang="nl-BE" dirty="0"/>
+              <a:t>)</a:t>
+            </a:r>
+          </a:p>
+        </p:txBody>
+      </p:sp>
+      <p:pic>
+        <p:nvPicPr>
+          <p:cNvPr id="9" name="Afbeelding 8">
+            <a:extLst>
+              <a:ext uri="{FF2B5EF4-FFF2-40B4-BE49-F238E27FC236}">
+                <a16:creationId xmlns:a16="http://schemas.microsoft.com/office/drawing/2014/main" id="{7C056FD8-D629-47C2-9B4A-D7BDA1B9C63D}"/>
+              </a:ext>
+            </a:extLst>
+          </p:cNvPr>
+          <p:cNvPicPr>
+            <a:picLocks noChangeAspect="1"/>
+          </p:cNvPicPr>
+          <p:nvPr/>
+        </p:nvPicPr>
+        <p:blipFill>
+          <a:blip r:embed="rId2"/>
+          <a:stretch>
+            <a:fillRect/>
+          </a:stretch>
+        </p:blipFill>
+        <p:spPr>
+          <a:xfrm flipH="1">
+            <a:off x="5441806" y="1990469"/>
+            <a:ext cx="907758" cy="1815513"/>
+          </a:xfrm>
+          <a:prstGeom prst="rect">
+            <a:avLst/>
+          </a:prstGeom>
+        </p:spPr>
+      </p:pic>
+      <p:sp>
+        <p:nvSpPr>
+          <p:cNvPr id="10" name="Plusteken 9">
+            <a:extLst>
+              <a:ext uri="{FF2B5EF4-FFF2-40B4-BE49-F238E27FC236}">
+                <a16:creationId xmlns:a16="http://schemas.microsoft.com/office/drawing/2014/main" id="{DA191E4A-5C74-4ADE-BAC2-DEFF113ADD95}"/>
+              </a:ext>
+            </a:extLst>
+          </p:cNvPr>
+          <p:cNvSpPr/>
+          <p:nvPr/>
+        </p:nvSpPr>
+        <p:spPr>
+          <a:xfrm rot="3508330">
+            <a:off x="5696376" y="2216503"/>
+            <a:ext cx="398616" cy="405072"/>
+          </a:xfrm>
+          <a:prstGeom prst="mathPlus">
+            <a:avLst/>
+          </a:prstGeom>
+          <a:solidFill>
+            <a:schemeClr val="tx1"/>
+          </a:solidFill>
+          <a:ln>
+            <a:solidFill>
+              <a:schemeClr val="tx1"/>
+            </a:solidFill>
+          </a:ln>
+        </p:spPr>
+        <p:style>
+          <a:lnRef idx="2">
+            <a:schemeClr val="accent1">
+              <a:shade val="50000"/>
+            </a:schemeClr>
+          </a:lnRef>
+          <a:fillRef idx="1">
+            <a:schemeClr val="accent1"/>
+          </a:fillRef>
+          <a:effectRef idx="0">
+            <a:schemeClr val="accent1"/>
+          </a:effectRef>
+          <a:fontRef idx="minor">
+            <a:schemeClr val="lt1"/>
+          </a:fontRef>
+        </p:style>
+        <p:txBody>
+          <a:bodyPr rtlCol="0" anchor="ctr"/>
+          <a:lstStyle/>
+          <a:p>
+            <a:pPr algn="ctr"/>
+            <a:endParaRPr lang="nl-BE">
+              <a:solidFill>
+                <a:schemeClr val="tx1"/>
+              </a:solidFill>
+            </a:endParaRPr>
+          </a:p>
+        </p:txBody>
+      </p:sp>
+      <p:pic>
+        <p:nvPicPr>
+          <p:cNvPr id="12" name="Afbeelding 11">
+            <a:extLst>
+              <a:ext uri="{FF2B5EF4-FFF2-40B4-BE49-F238E27FC236}">
+                <a16:creationId xmlns:a16="http://schemas.microsoft.com/office/drawing/2014/main" id="{12CFF9C1-90F6-4B4D-A8A5-8700EFC42EE5}"/>
+              </a:ext>
+            </a:extLst>
+          </p:cNvPr>
+          <p:cNvPicPr>
+            <a:picLocks noChangeAspect="1"/>
+          </p:cNvPicPr>
+          <p:nvPr/>
+        </p:nvPicPr>
+        <p:blipFill>
+          <a:blip r:embed="rId3"/>
+          <a:stretch>
+            <a:fillRect/>
+          </a:stretch>
+        </p:blipFill>
+        <p:spPr>
+          <a:xfrm>
+            <a:off x="1641157" y="4221480"/>
+            <a:ext cx="6271270" cy="1439992"/>
+          </a:xfrm>
+          <a:prstGeom prst="rect">
+            <a:avLst/>
+          </a:prstGeom>
+        </p:spPr>
+      </p:pic>
+      <p:grpSp>
+        <p:nvGrpSpPr>
+          <p:cNvPr id="18" name="Groep 17">
+            <a:extLst>
+              <a:ext uri="{FF2B5EF4-FFF2-40B4-BE49-F238E27FC236}">
+                <a16:creationId xmlns:a16="http://schemas.microsoft.com/office/drawing/2014/main" id="{38CAAFB3-E146-45C2-9D3E-6D7AE142990C}"/>
+              </a:ext>
+            </a:extLst>
+          </p:cNvPr>
+          <p:cNvGrpSpPr/>
+          <p:nvPr/>
+        </p:nvGrpSpPr>
+        <p:grpSpPr>
+          <a:xfrm>
+            <a:off x="6842198" y="1995232"/>
+            <a:ext cx="907757" cy="1815514"/>
+            <a:chOff x="6842198" y="1995232"/>
+            <a:chExt cx="907757" cy="1815514"/>
+          </a:xfrm>
+        </p:grpSpPr>
+        <p:grpSp>
+          <p:nvGrpSpPr>
+            <p:cNvPr id="15" name="Groep 14">
+              <a:extLst>
+                <a:ext uri="{FF2B5EF4-FFF2-40B4-BE49-F238E27FC236}">
+                  <a16:creationId xmlns:a16="http://schemas.microsoft.com/office/drawing/2014/main" id="{F56E0A6B-B033-4AC5-9241-11AC9A423C3A}"/>
+                </a:ext>
+              </a:extLst>
+            </p:cNvPr>
+            <p:cNvGrpSpPr/>
+            <p:nvPr/>
+          </p:nvGrpSpPr>
+          <p:grpSpPr>
+            <a:xfrm>
+              <a:off x="6842198" y="1995232"/>
+              <a:ext cx="907757" cy="1815514"/>
+              <a:chOff x="5349803" y="1995231"/>
+              <a:chExt cx="907757" cy="1815514"/>
+            </a:xfrm>
+          </p:grpSpPr>
+          <p:sp>
+            <p:nvSpPr>
+              <p:cNvPr id="13" name="Rechthoek 12">
+                <a:extLst>
+                  <a:ext uri="{FF2B5EF4-FFF2-40B4-BE49-F238E27FC236}">
+                    <a16:creationId xmlns:a16="http://schemas.microsoft.com/office/drawing/2014/main" id="{54AF20FB-3AE0-4448-B034-887B7D4BF187}"/>
+                  </a:ext>
+                </a:extLst>
+              </p:cNvPr>
+              <p:cNvSpPr/>
+              <p:nvPr/>
+            </p:nvSpPr>
+            <p:spPr>
+              <a:xfrm>
+                <a:off x="5349803" y="1995231"/>
+                <a:ext cx="907757" cy="907757"/>
+              </a:xfrm>
+              <a:prstGeom prst="rect">
+                <a:avLst/>
+              </a:prstGeom>
+            </p:spPr>
+            <p:style>
+              <a:lnRef idx="2">
+                <a:schemeClr val="accent1">
+                  <a:shade val="50000"/>
+                </a:schemeClr>
+              </a:lnRef>
+              <a:fillRef idx="1">
+                <a:schemeClr val="accent1"/>
+              </a:fillRef>
+              <a:effectRef idx="0">
+                <a:schemeClr val="accent1"/>
+              </a:effectRef>
+              <a:fontRef idx="minor">
+                <a:schemeClr val="lt1"/>
+              </a:fontRef>
+            </p:style>
+            <p:txBody>
+              <a:bodyPr rtlCol="0" anchor="ctr"/>
+              <a:lstStyle/>
+              <a:p>
+                <a:pPr algn="ctr"/>
+                <a:endParaRPr lang="nl-BE"/>
+              </a:p>
+            </p:txBody>
+          </p:sp>
+          <p:sp>
+            <p:nvSpPr>
+              <p:cNvPr id="14" name="Rechthoek 13">
+                <a:extLst>
+                  <a:ext uri="{FF2B5EF4-FFF2-40B4-BE49-F238E27FC236}">
+                    <a16:creationId xmlns:a16="http://schemas.microsoft.com/office/drawing/2014/main" id="{E842BD35-E505-446E-8FB8-C10DB529795B}"/>
+                  </a:ext>
+                </a:extLst>
+              </p:cNvPr>
+              <p:cNvSpPr/>
+              <p:nvPr/>
+            </p:nvSpPr>
+            <p:spPr>
+              <a:xfrm>
+                <a:off x="5349803" y="2902988"/>
+                <a:ext cx="907757" cy="907757"/>
+              </a:xfrm>
+              <a:prstGeom prst="rect">
+                <a:avLst/>
+              </a:prstGeom>
+            </p:spPr>
+            <p:style>
+              <a:lnRef idx="2">
+                <a:schemeClr val="accent1">
+                  <a:shade val="50000"/>
+                </a:schemeClr>
+              </a:lnRef>
+              <a:fillRef idx="1">
+                <a:schemeClr val="accent1"/>
+              </a:fillRef>
+              <a:effectRef idx="0">
+                <a:schemeClr val="accent1"/>
+              </a:effectRef>
+              <a:fontRef idx="minor">
+                <a:schemeClr val="lt1"/>
+              </a:fontRef>
+            </p:style>
+            <p:txBody>
+              <a:bodyPr rtlCol="0" anchor="ctr"/>
+              <a:lstStyle/>
+              <a:p>
+                <a:pPr algn="ctr"/>
+                <a:endParaRPr lang="nl-BE"/>
+              </a:p>
+            </p:txBody>
+          </p:sp>
+        </p:grpSp>
+        <p:sp>
+          <p:nvSpPr>
+            <p:cNvPr id="16" name="Tekstvak 15">
+              <a:extLst>
+                <a:ext uri="{FF2B5EF4-FFF2-40B4-BE49-F238E27FC236}">
+                  <a16:creationId xmlns:a16="http://schemas.microsoft.com/office/drawing/2014/main" id="{D9D260AE-4971-4B94-9C34-B5A0EB95135A}"/>
+                </a:ext>
+              </a:extLst>
+            </p:cNvPr>
+            <p:cNvSpPr txBox="1"/>
+            <p:nvPr/>
+          </p:nvSpPr>
+          <p:spPr>
+            <a:xfrm>
+              <a:off x="6934200" y="2171615"/>
+              <a:ext cx="695325" cy="523220"/>
+            </a:xfrm>
+            <a:prstGeom prst="rect">
+              <a:avLst/>
+            </a:prstGeom>
+            <a:noFill/>
+          </p:spPr>
+          <p:txBody>
+            <a:bodyPr wrap="square" rtlCol="0">
+              <a:spAutoFit/>
+            </a:bodyPr>
+            <a:lstStyle/>
+            <a:p>
+              <a:r>
+                <a:rPr lang="nl-BE" sz="2800" dirty="0"/>
+                <a:t>0,0</a:t>
+              </a:r>
+            </a:p>
+          </p:txBody>
+        </p:sp>
+        <p:sp>
+          <p:nvSpPr>
+            <p:cNvPr id="17" name="Tekstvak 16">
+              <a:extLst>
+                <a:ext uri="{FF2B5EF4-FFF2-40B4-BE49-F238E27FC236}">
+                  <a16:creationId xmlns:a16="http://schemas.microsoft.com/office/drawing/2014/main" id="{70655C38-3CA3-4ACF-9582-7C00C9940713}"/>
+                </a:ext>
+              </a:extLst>
+            </p:cNvPr>
+            <p:cNvSpPr txBox="1"/>
+            <p:nvPr/>
+          </p:nvSpPr>
+          <p:spPr>
+            <a:xfrm>
+              <a:off x="6934200" y="2986087"/>
+              <a:ext cx="733425" cy="523220"/>
+            </a:xfrm>
+            <a:prstGeom prst="rect">
+              <a:avLst/>
+            </a:prstGeom>
+            <a:noFill/>
+          </p:spPr>
+          <p:txBody>
+            <a:bodyPr wrap="square" rtlCol="0">
+              <a:spAutoFit/>
+            </a:bodyPr>
+            <a:lstStyle/>
+            <a:p>
+              <a:r>
+                <a:rPr lang="nl-BE" sz="2800" dirty="0"/>
+                <a:t>1,0</a:t>
+              </a:r>
+            </a:p>
+          </p:txBody>
+        </p:sp>
+      </p:grpSp>
+    </p:spTree>
+    <p:extLst>
+      <p:ext uri="{BB962C8B-B14F-4D97-AF65-F5344CB8AC3E}">
+        <p14:creationId xmlns:p14="http://schemas.microsoft.com/office/powerpoint/2010/main" val="4264384319"/>
+      </p:ext>
+    </p:extLst>
+  </p:cSld>
+  <p:clrMapOvr>
+    <a:masterClrMapping/>
+  </p:clrMapOvr>
+  <p:timing>
+    <p:tnLst>
+      <p:par>
+        <p:cTn id="1" dur="indefinite" restart="never" nodeType="tmRoot">
+          <p:childTnLst>
+            <p:seq concurrent="1" nextAc="seek">
+              <p:cTn id="2" dur="indefinite" nodeType="mainSeq">
+                <p:childTnLst>
+                  <p:par>
+                    <p:cTn id="3" fill="hold">
+                      <p:stCondLst>
+                        <p:cond delay="indefinite"/>
+                      </p:stCondLst>
+                      <p:childTnLst>
+                        <p:par>
+                          <p:cTn id="4" fill="hold">
+                            <p:stCondLst>
+                              <p:cond delay="0"/>
+                            </p:stCondLst>
+                            <p:childTnLst>
+                              <p:par>
+                                <p:cTn id="5" presetID="1" presetClass="entr" presetSubtype="0" fill="hold" nodeType="clickEffect">
+                                  <p:stCondLst>
+                                    <p:cond delay="0"/>
+                                  </p:stCondLst>
+                                  <p:childTnLst>
+                                    <p:set>
+                                      <p:cBhvr>
+                                        <p:cTn id="6" dur="1" fill="hold">
+                                          <p:stCondLst>
+                                            <p:cond delay="0"/>
+                                          </p:stCondLst>
+                                        </p:cTn>
+                                        <p:tgtEl>
+                                          <p:spTgt spid="4">
+                                            <p:txEl>
+                                              <p:pRg st="1" end="1"/>
+                                            </p:txEl>
+                                          </p:spTgt>
+                                        </p:tgtEl>
+                                        <p:attrNameLst>
+                                          <p:attrName>style.visibility</p:attrName>
+                                        </p:attrNameLst>
+                                      </p:cBhvr>
+                                      <p:to>
+                                        <p:strVal val="visible"/>
+                                      </p:to>
+                                    </p:set>
+                                  </p:childTnLst>
+                                </p:cTn>
+                              </p:par>
+                            </p:childTnLst>
+                          </p:cTn>
+                        </p:par>
+                      </p:childTnLst>
+                    </p:cTn>
+                  </p:par>
+                  <p:par>
+                    <p:cTn id="7" fill="hold">
+                      <p:stCondLst>
+                        <p:cond delay="indefinite"/>
+                      </p:stCondLst>
+                      <p:childTnLst>
+                        <p:par>
+                          <p:cTn id="8" fill="hold">
+                            <p:stCondLst>
+                              <p:cond delay="0"/>
+                            </p:stCondLst>
+                            <p:childTnLst>
+                              <p:par>
+                                <p:cTn id="9" presetID="1" presetClass="entr" presetSubtype="0" fill="hold" nodeType="clickEffect">
+                                  <p:stCondLst>
+                                    <p:cond delay="0"/>
+                                  </p:stCondLst>
+                                  <p:childTnLst>
+                                    <p:set>
+                                      <p:cBhvr>
+                                        <p:cTn id="10" dur="1" fill="hold">
+                                          <p:stCondLst>
+                                            <p:cond delay="0"/>
+                                          </p:stCondLst>
+                                        </p:cTn>
+                                        <p:tgtEl>
+                                          <p:spTgt spid="4">
+                                            <p:txEl>
+                                              <p:pRg st="2" end="2"/>
+                                            </p:txEl>
+                                          </p:spTgt>
+                                        </p:tgtEl>
+                                        <p:attrNameLst>
+                                          <p:attrName>style.visibility</p:attrName>
+                                        </p:attrNameLst>
+                                      </p:cBhvr>
+                                      <p:to>
+                                        <p:strVal val="visible"/>
+                                      </p:to>
+                                    </p:set>
+                                  </p:childTnLst>
+                                </p:cTn>
+                              </p:par>
+                            </p:childTnLst>
+                          </p:cTn>
+                        </p:par>
+                      </p:childTnLst>
+                    </p:cTn>
+                  </p:par>
+                  <p:par>
+                    <p:cTn id="11" fill="hold">
+                      <p:stCondLst>
+                        <p:cond delay="indefinite"/>
+                      </p:stCondLst>
+                      <p:childTnLst>
+                        <p:par>
+                          <p:cTn id="12" fill="hold">
+                            <p:stCondLst>
+                              <p:cond delay="0"/>
+                            </p:stCondLst>
+                            <p:childTnLst>
+                              <p:par>
+                                <p:cTn id="13" presetID="1" presetClass="entr" presetSubtype="0" fill="hold" nodeType="clickEffect">
+                                  <p:stCondLst>
+                                    <p:cond delay="0"/>
+                                  </p:stCondLst>
+                                  <p:childTnLst>
+                                    <p:set>
+                                      <p:cBhvr>
+                                        <p:cTn id="14" dur="1" fill="hold">
+                                          <p:stCondLst>
+                                            <p:cond delay="0"/>
+                                          </p:stCondLst>
+                                        </p:cTn>
+                                        <p:tgtEl>
+                                          <p:spTgt spid="4">
+                                            <p:txEl>
+                                              <p:pRg st="3" end="3"/>
+                                            </p:txEl>
+                                          </p:spTgt>
+                                        </p:tgtEl>
+                                        <p:attrNameLst>
+                                          <p:attrName>style.visibility</p:attrName>
+                                        </p:attrNameLst>
+                                      </p:cBhvr>
+                                      <p:to>
+                                        <p:strVal val="visible"/>
+                                      </p:to>
+                                    </p:set>
+                                  </p:childTnLst>
+                                </p:cTn>
+                              </p:par>
+                            </p:childTnLst>
+                          </p:cTn>
+                        </p:par>
+                      </p:childTnLst>
+                    </p:cTn>
+                  </p:par>
+                  <p:par>
+                    <p:cTn id="15" fill="hold">
+                      <p:stCondLst>
+                        <p:cond delay="indefinite"/>
+                      </p:stCondLst>
+                      <p:childTnLst>
+                        <p:par>
+                          <p:cTn id="16" fill="hold">
+                            <p:stCondLst>
+                              <p:cond delay="0"/>
+                            </p:stCondLst>
+                            <p:childTnLst>
+                              <p:par>
+                                <p:cTn id="17" presetID="1" presetClass="entr" presetSubtype="0" fill="hold" nodeType="clickEffect">
+                                  <p:stCondLst>
+                                    <p:cond delay="0"/>
+                                  </p:stCondLst>
+                                  <p:childTnLst>
+                                    <p:set>
+                                      <p:cBhvr>
+                                        <p:cTn id="18" dur="1" fill="hold">
+                                          <p:stCondLst>
+                                            <p:cond delay="0"/>
+                                          </p:stCondLst>
+                                        </p:cTn>
+                                        <p:tgtEl>
+                                          <p:spTgt spid="12"/>
+                                        </p:tgtEl>
+                                        <p:attrNameLst>
+                                          <p:attrName>style.visibility</p:attrName>
+                                        </p:attrNameLst>
+                                      </p:cBhvr>
+                                      <p:to>
+                                        <p:strVal val="visible"/>
+                                      </p:to>
+                                    </p:set>
+                                  </p:childTnLst>
+                                </p:cTn>
+                              </p:par>
+                            </p:childTnLst>
+                          </p:cTn>
+                        </p:par>
+                      </p:childTnLst>
+                    </p:cTn>
+                  </p:par>
+                  <p:par>
+                    <p:cTn id="19" fill="hold">
+                      <p:stCondLst>
+                        <p:cond delay="indefinite"/>
+                      </p:stCondLst>
+                      <p:childTnLst>
+                        <p:par>
+                          <p:cTn id="20" fill="hold">
+                            <p:stCondLst>
+                              <p:cond delay="0"/>
+                            </p:stCondLst>
+                            <p:childTnLst>
+                              <p:par>
+                                <p:cTn id="21" presetID="2" presetClass="entr" presetSubtype="4" fill="hold" nodeType="clickEffect">
+                                  <p:stCondLst>
+                                    <p:cond delay="0"/>
+                                  </p:stCondLst>
+                                  <p:childTnLst>
+                                    <p:set>
+                                      <p:cBhvr>
+                                        <p:cTn id="22" dur="1" fill="hold">
+                                          <p:stCondLst>
+                                            <p:cond delay="0"/>
+                                          </p:stCondLst>
+                                        </p:cTn>
+                                        <p:tgtEl>
+                                          <p:spTgt spid="9"/>
+                                        </p:tgtEl>
+                                        <p:attrNameLst>
+                                          <p:attrName>style.visibility</p:attrName>
+                                        </p:attrNameLst>
+                                      </p:cBhvr>
+                                      <p:to>
+                                        <p:strVal val="visible"/>
+                                      </p:to>
+                                    </p:set>
+                                    <p:anim calcmode="lin" valueType="num">
+                                      <p:cBhvr additive="base">
+                                        <p:cTn id="23" dur="500" fill="hold"/>
+                                        <p:tgtEl>
+                                          <p:spTgt spid="9"/>
+                                        </p:tgtEl>
+                                        <p:attrNameLst>
+                                          <p:attrName>ppt_x</p:attrName>
+                                        </p:attrNameLst>
+                                      </p:cBhvr>
+                                      <p:tavLst>
+                                        <p:tav tm="0">
+                                          <p:val>
+                                            <p:strVal val="#ppt_x"/>
+                                          </p:val>
+                                        </p:tav>
+                                        <p:tav tm="100000">
+                                          <p:val>
+                                            <p:strVal val="#ppt_x"/>
+                                          </p:val>
+                                        </p:tav>
+                                      </p:tavLst>
+                                    </p:anim>
+                                    <p:anim calcmode="lin" valueType="num">
+                                      <p:cBhvr additive="base">
+                                        <p:cTn id="24" dur="500" fill="hold"/>
+                                        <p:tgtEl>
+                                          <p:spTgt spid="9"/>
+                                        </p:tgtEl>
+                                        <p:attrNameLst>
+                                          <p:attrName>ppt_y</p:attrName>
+                                        </p:attrNameLst>
+                                      </p:cBhvr>
+                                      <p:tavLst>
+                                        <p:tav tm="0">
+                                          <p:val>
+                                            <p:strVal val="1+#ppt_h/2"/>
+                                          </p:val>
+                                        </p:tav>
+                                        <p:tav tm="100000">
+                                          <p:val>
+                                            <p:strVal val="#ppt_y"/>
+                                          </p:val>
+                                        </p:tav>
+                                      </p:tavLst>
+                                    </p:anim>
+                                  </p:childTnLst>
+                                </p:cTn>
+                              </p:par>
+                            </p:childTnLst>
+                          </p:cTn>
+                        </p:par>
+                      </p:childTnLst>
+                    </p:cTn>
+                  </p:par>
+                  <p:par>
+                    <p:cTn id="25" fill="hold">
+                      <p:stCondLst>
+                        <p:cond delay="indefinite"/>
+                      </p:stCondLst>
+                      <p:childTnLst>
+                        <p:par>
+                          <p:cTn id="26" fill="hold">
+                            <p:stCondLst>
+                              <p:cond delay="0"/>
+                            </p:stCondLst>
+                            <p:childTnLst>
+                              <p:par>
+                                <p:cTn id="27" presetID="1" presetClass="entr" presetSubtype="0" fill="hold" grpId="0" nodeType="clickEffect">
+                                  <p:stCondLst>
+                                    <p:cond delay="0"/>
+                                  </p:stCondLst>
+                                  <p:childTnLst>
+                                    <p:set>
+                                      <p:cBhvr>
+                                        <p:cTn id="28" dur="1" fill="hold">
+                                          <p:stCondLst>
+                                            <p:cond delay="0"/>
+                                          </p:stCondLst>
+                                        </p:cTn>
+                                        <p:tgtEl>
+                                          <p:spTgt spid="10"/>
+                                        </p:tgtEl>
+                                        <p:attrNameLst>
+                                          <p:attrName>style.visibility</p:attrName>
+                                        </p:attrNameLst>
+                                      </p:cBhvr>
+                                      <p:to>
+                                        <p:strVal val="visible"/>
+                                      </p:to>
+                                    </p:set>
+                                  </p:childTnLst>
+                                </p:cTn>
+                              </p:par>
+                            </p:childTnLst>
+                          </p:cTn>
+                        </p:par>
+                      </p:childTnLst>
+                    </p:cTn>
+                  </p:par>
+                  <p:par>
+                    <p:cTn id="29" fill="hold">
+                      <p:stCondLst>
+                        <p:cond delay="indefinite"/>
+                      </p:stCondLst>
+                      <p:childTnLst>
+                        <p:par>
+                          <p:cTn id="30" fill="hold">
+                            <p:stCondLst>
+                              <p:cond delay="0"/>
+                            </p:stCondLst>
+                            <p:childTnLst>
+                              <p:par>
+                                <p:cTn id="31" presetID="2" presetClass="entr" presetSubtype="4" fill="hold" nodeType="clickEffect">
+                                  <p:stCondLst>
+                                    <p:cond delay="0"/>
+                                  </p:stCondLst>
+                                  <p:childTnLst>
+                                    <p:set>
+                                      <p:cBhvr>
+                                        <p:cTn id="32" dur="1" fill="hold">
+                                          <p:stCondLst>
+                                            <p:cond delay="0"/>
+                                          </p:stCondLst>
+                                        </p:cTn>
+                                        <p:tgtEl>
+                                          <p:spTgt spid="18"/>
+                                        </p:tgtEl>
+                                        <p:attrNameLst>
+                                          <p:attrName>style.visibility</p:attrName>
+                                        </p:attrNameLst>
+                                      </p:cBhvr>
+                                      <p:to>
+                                        <p:strVal val="visible"/>
+                                      </p:to>
+                                    </p:set>
+                                    <p:anim calcmode="lin" valueType="num">
+                                      <p:cBhvr additive="base">
+                                        <p:cTn id="33" dur="500" fill="hold"/>
+                                        <p:tgtEl>
+                                          <p:spTgt spid="18"/>
+                                        </p:tgtEl>
+                                        <p:attrNameLst>
+                                          <p:attrName>ppt_x</p:attrName>
+                                        </p:attrNameLst>
+                                      </p:cBhvr>
+                                      <p:tavLst>
+                                        <p:tav tm="0">
+                                          <p:val>
+                                            <p:strVal val="#ppt_x"/>
+                                          </p:val>
+                                        </p:tav>
+                                        <p:tav tm="100000">
+                                          <p:val>
+                                            <p:strVal val="#ppt_x"/>
+                                          </p:val>
+                                        </p:tav>
+                                      </p:tavLst>
+                                    </p:anim>
+                                    <p:anim calcmode="lin" valueType="num">
+                                      <p:cBhvr additive="base">
+                                        <p:cTn id="34" dur="500" fill="hold"/>
+                                        <p:tgtEl>
+                                          <p:spTgt spid="18"/>
+                                        </p:tgtEl>
+                                        <p:attrNameLst>
+                                          <p:attrName>ppt_y</p:attrName>
+                                        </p:attrNameLst>
+                                      </p:cBhvr>
+                                      <p:tavLst>
+                                        <p:tav tm="0">
+                                          <p:val>
+                                            <p:strVal val="1+#ppt_h/2"/>
+                                          </p:val>
+                                        </p:tav>
+                                        <p:tav tm="100000">
+                                          <p:val>
+                                            <p:strVal val="#ppt_y"/>
+                                          </p:val>
+                                        </p:tav>
+                                      </p:tavLst>
+                                    </p:anim>
+                                  </p:childTnLst>
+                                </p:cTn>
+                              </p:par>
+                            </p:childTnLst>
+                          </p:cTn>
+                        </p:par>
+                      </p:childTnLst>
+                    </p:cTn>
+                  </p:par>
+                </p:childTnLst>
+              </p:cTn>
+              <p:prevCondLst>
+                <p:cond evt="onPrev" delay="0">
+                  <p:tgtEl>
+                    <p:sldTgt/>
+                  </p:tgtEl>
+                </p:cond>
+              </p:prevCondLst>
+              <p:nextCondLst>
+                <p:cond evt="onNext" delay="0">
+                  <p:tgtEl>
+                    <p:sldTgt/>
+                  </p:tgtEl>
+                </p:cond>
+              </p:nextCondLst>
+            </p:seq>
+          </p:childTnLst>
+        </p:cTn>
+      </p:par>
+    </p:tnLst>
+    <p:bldLst>
+      <p:bldP spid="10" grpId="0" animBg="1"/>
+    </p:bldLst>
+  </p:timing>
+</p:sld>
+</file>
+
+<file path=ppt/slides/slide7.xml><?xml version="1.0" encoding="utf-8"?>
+<p:sld xmlns:a="http://schemas.openxmlformats.org/drawingml/2006/main" xmlns:r="http://schemas.openxmlformats.org/officeDocument/2006/relationships" xmlns:p="http://schemas.openxmlformats.org/presentationml/2006/main">
+  <p:cSld>
+    <p:spTree>
+      <p:nvGrpSpPr>
+        <p:cNvPr id="1" name=""/>
+        <p:cNvGrpSpPr/>
+        <p:nvPr/>
+      </p:nvGrpSpPr>
+      <p:grpSpPr>
+        <a:xfrm>
+          <a:off x="0" y="0"/>
+          <a:ext cx="0" cy="0"/>
+          <a:chOff x="0" y="0"/>
+          <a:chExt cx="0" cy="0"/>
+        </a:xfrm>
+      </p:grpSpPr>
+      <p:sp>
+        <p:nvSpPr>
+          <p:cNvPr id="2" name="Titel 1">
+            <a:extLst>
+              <a:ext uri="{FF2B5EF4-FFF2-40B4-BE49-F238E27FC236}">
+                <a16:creationId xmlns:a16="http://schemas.microsoft.com/office/drawing/2014/main" id="{486FF07D-304B-46FF-8371-14A83F2A7241}"/>
+              </a:ext>
+            </a:extLst>
+          </p:cNvPr>
+          <p:cNvSpPr>
+            <a:spLocks noGrp="1"/>
+          </p:cNvSpPr>
+          <p:nvPr>
+            <p:ph type="title"/>
+          </p:nvPr>
+        </p:nvSpPr>
+        <p:spPr/>
+        <p:txBody>
+          <a:bodyPr/>
+          <a:lstStyle/>
+          <a:p>
+            <a:r>
+              <a:rPr lang="nl-BE" dirty="0"/>
+              <a:t>Hoe werkt het spel ?</a:t>
+            </a:r>
           </a:p>
         </p:txBody>
       </p:sp>
@@ -3500,7 +7123,7 @@
           <p:cNvPr id="3" name="Tijdelijke aanduiding voor inhoud 2">
             <a:extLst>
               <a:ext uri="{FF2B5EF4-FFF2-40B4-BE49-F238E27FC236}">
-                <a16:creationId xmlns:a16="http://schemas.microsoft.com/office/drawing/2014/main" id="{4A694AC8-18F1-4777-A7D0-452C3A2E8521}"/>
+                <a16:creationId xmlns:a16="http://schemas.microsoft.com/office/drawing/2014/main" id="{B4BD74BA-5C8A-41C7-8B4F-B3C2B0D9769D}"/>
               </a:ext>
             </a:extLst>
           </p:cNvPr>
@@ -3511,25 +7134,4342 @@
             <p:ph idx="1"/>
           </p:nvPr>
         </p:nvSpPr>
-        <p:spPr/>
+        <p:spPr>
+          <a:xfrm>
+            <a:off x="1449207" y="1853754"/>
+            <a:ext cx="3005348" cy="3450613"/>
+          </a:xfrm>
+        </p:spPr>
         <p:txBody>
           <a:bodyPr/>
           <a:lstStyle/>
           <a:p>
+            <a:r>
+              <a:rPr lang="nl-BE" dirty="0"/>
+              <a:t>HET BORD</a:t>
+            </a:r>
+          </a:p>
+          <a:p>
+            <a:pPr lvl="1"/>
+            <a:r>
+              <a:rPr lang="nl-BE" dirty="0"/>
+              <a:t>2d Array met een vaste </a:t>
+            </a:r>
+            <a:r>
+              <a:rPr lang="nl-BE" dirty="0" err="1"/>
+              <a:t>groote</a:t>
+            </a:r>
+            <a:endParaRPr lang="nl-BE" dirty="0"/>
+          </a:p>
+          <a:p>
+            <a:pPr lvl="1"/>
+            <a:r>
+              <a:rPr lang="nl-BE" dirty="0"/>
+              <a:t>In elk vakje zit een ‘</a:t>
+            </a:r>
+            <a:r>
+              <a:rPr lang="nl-BE" dirty="0" err="1"/>
+              <a:t>Tile</a:t>
+            </a:r>
+            <a:r>
+              <a:rPr lang="nl-BE" dirty="0"/>
+              <a:t>’</a:t>
+            </a:r>
+          </a:p>
+          <a:p>
+            <a:endParaRPr lang="nl-BE" dirty="0"/>
+          </a:p>
+        </p:txBody>
+      </p:sp>
+      <p:pic>
+        <p:nvPicPr>
+          <p:cNvPr id="6" name="Afbeelding 5">
+            <a:extLst>
+              <a:ext uri="{FF2B5EF4-FFF2-40B4-BE49-F238E27FC236}">
+                <a16:creationId xmlns:a16="http://schemas.microsoft.com/office/drawing/2014/main" id="{37DC4FEE-E64B-4775-AF39-1EF5533EA2B9}"/>
+              </a:ext>
+            </a:extLst>
+          </p:cNvPr>
+          <p:cNvPicPr>
+            <a:picLocks noChangeAspect="1"/>
+          </p:cNvPicPr>
+          <p:nvPr/>
+        </p:nvPicPr>
+        <p:blipFill>
+          <a:blip r:embed="rId2"/>
+          <a:stretch>
+            <a:fillRect/>
+          </a:stretch>
+        </p:blipFill>
+        <p:spPr>
+          <a:xfrm>
+            <a:off x="4454555" y="1782714"/>
+            <a:ext cx="3534561" cy="3526003"/>
+          </a:xfrm>
+          <a:prstGeom prst="rect">
+            <a:avLst/>
+          </a:prstGeom>
+        </p:spPr>
+      </p:pic>
+      <p:pic>
+        <p:nvPicPr>
+          <p:cNvPr id="8" name="Afbeelding 7">
+            <a:extLst>
+              <a:ext uri="{FF2B5EF4-FFF2-40B4-BE49-F238E27FC236}">
+                <a16:creationId xmlns:a16="http://schemas.microsoft.com/office/drawing/2014/main" id="{4ADFB886-D52C-4386-A4AE-99E82BE79EAF}"/>
+              </a:ext>
+            </a:extLst>
+          </p:cNvPr>
+          <p:cNvPicPr>
+            <a:picLocks noChangeAspect="1"/>
+          </p:cNvPicPr>
+          <p:nvPr/>
+        </p:nvPicPr>
+        <p:blipFill>
+          <a:blip r:embed="rId3"/>
+          <a:stretch>
+            <a:fillRect/>
+          </a:stretch>
+        </p:blipFill>
+        <p:spPr>
+          <a:xfrm>
+            <a:off x="9471168" y="2459865"/>
+            <a:ext cx="1104900" cy="1085850"/>
+          </a:xfrm>
+          <a:prstGeom prst="rect">
+            <a:avLst/>
+          </a:prstGeom>
+        </p:spPr>
+      </p:pic>
+      <p:sp>
+        <p:nvSpPr>
+          <p:cNvPr id="12" name="Pijl: links 11">
+            <a:extLst>
+              <a:ext uri="{FF2B5EF4-FFF2-40B4-BE49-F238E27FC236}">
+                <a16:creationId xmlns:a16="http://schemas.microsoft.com/office/drawing/2014/main" id="{EB952409-D19C-46E8-BE46-D59A5B4E4455}"/>
+              </a:ext>
+            </a:extLst>
+          </p:cNvPr>
+          <p:cNvSpPr/>
+          <p:nvPr/>
+        </p:nvSpPr>
+        <p:spPr>
+          <a:xfrm rot="12199443">
+            <a:off x="8088384" y="2098248"/>
+            <a:ext cx="1283516" cy="234892"/>
+          </a:xfrm>
+          <a:prstGeom prst="leftArrow">
+            <a:avLst/>
+          </a:prstGeom>
+        </p:spPr>
+        <p:style>
+          <a:lnRef idx="2">
+            <a:schemeClr val="accent1">
+              <a:shade val="50000"/>
+            </a:schemeClr>
+          </a:lnRef>
+          <a:fillRef idx="1">
+            <a:schemeClr val="accent1"/>
+          </a:fillRef>
+          <a:effectRef idx="0">
+            <a:schemeClr val="accent1"/>
+          </a:effectRef>
+          <a:fontRef idx="minor">
+            <a:schemeClr val="lt1"/>
+          </a:fontRef>
+        </p:style>
+        <p:txBody>
+          <a:bodyPr rtlCol="0" anchor="ctr"/>
+          <a:lstStyle/>
+          <a:p>
+            <a:pPr algn="ctr"/>
             <a:endParaRPr lang="nl-BE"/>
+          </a:p>
+        </p:txBody>
+      </p:sp>
+      <p:sp>
+        <p:nvSpPr>
+          <p:cNvPr id="14" name="Tekstvak 13">
+            <a:extLst>
+              <a:ext uri="{FF2B5EF4-FFF2-40B4-BE49-F238E27FC236}">
+                <a16:creationId xmlns:a16="http://schemas.microsoft.com/office/drawing/2014/main" id="{31C29BB3-3258-4C90-8845-CB77046B9EC0}"/>
+              </a:ext>
+            </a:extLst>
+          </p:cNvPr>
+          <p:cNvSpPr txBox="1"/>
+          <p:nvPr/>
+        </p:nvSpPr>
+        <p:spPr>
+          <a:xfrm>
+            <a:off x="9365957" y="3952875"/>
+            <a:ext cx="2454568" cy="646331"/>
+          </a:xfrm>
+          <a:prstGeom prst="rect">
+            <a:avLst/>
+          </a:prstGeom>
+          <a:noFill/>
+        </p:spPr>
+        <p:txBody>
+          <a:bodyPr wrap="square" rtlCol="0">
+            <a:spAutoFit/>
+          </a:bodyPr>
+          <a:lstStyle/>
+          <a:p>
+            <a:pPr marL="285750" indent="-285750">
+              <a:buFontTx/>
+              <a:buChar char="-"/>
+            </a:pPr>
+            <a:r>
+              <a:rPr lang="nl-BE" dirty="0" err="1"/>
+              <a:t>Markdelete</a:t>
+            </a:r>
+            <a:r>
+              <a:rPr lang="nl-BE" dirty="0"/>
+              <a:t> (</a:t>
+            </a:r>
+            <a:r>
+              <a:rPr lang="nl-BE" dirty="0" err="1"/>
+              <a:t>bool</a:t>
+            </a:r>
+            <a:r>
+              <a:rPr lang="nl-BE" dirty="0"/>
+              <a:t>)</a:t>
+            </a:r>
+          </a:p>
+          <a:p>
+            <a:pPr marL="285750" indent="-285750">
+              <a:buFontTx/>
+              <a:buChar char="-"/>
+            </a:pPr>
+            <a:r>
+              <a:rPr lang="nl-BE" dirty="0" err="1"/>
+              <a:t>Used</a:t>
+            </a:r>
+            <a:r>
+              <a:rPr lang="nl-BE" dirty="0"/>
+              <a:t> (</a:t>
+            </a:r>
+            <a:r>
+              <a:rPr lang="nl-BE" dirty="0" err="1"/>
+              <a:t>bool</a:t>
+            </a:r>
+            <a:r>
+              <a:rPr lang="nl-BE" dirty="0"/>
+              <a:t>)</a:t>
+            </a:r>
           </a:p>
         </p:txBody>
       </p:sp>
     </p:spTree>
     <p:extLst>
       <p:ext uri="{BB962C8B-B14F-4D97-AF65-F5344CB8AC3E}">
-        <p14:creationId xmlns:p14="http://schemas.microsoft.com/office/powerpoint/2010/main" val="748776510"/>
+        <p14:creationId xmlns:p14="http://schemas.microsoft.com/office/powerpoint/2010/main" val="599994370"/>
       </p:ext>
     </p:extLst>
   </p:cSld>
   <p:clrMapOvr>
     <a:masterClrMapping/>
   </p:clrMapOvr>
+  <p:timing>
+    <p:tnLst>
+      <p:par>
+        <p:cTn id="1" dur="indefinite" restart="never" nodeType="tmRoot">
+          <p:childTnLst>
+            <p:seq concurrent="1" nextAc="seek">
+              <p:cTn id="2" dur="indefinite" nodeType="mainSeq">
+                <p:childTnLst>
+                  <p:par>
+                    <p:cTn id="3" fill="hold">
+                      <p:stCondLst>
+                        <p:cond delay="indefinite"/>
+                      </p:stCondLst>
+                      <p:childTnLst>
+                        <p:par>
+                          <p:cTn id="4" fill="hold">
+                            <p:stCondLst>
+                              <p:cond delay="0"/>
+                            </p:stCondLst>
+                            <p:childTnLst>
+                              <p:par>
+                                <p:cTn id="5" presetID="1" presetClass="entr" presetSubtype="0" fill="hold" nodeType="clickEffect">
+                                  <p:stCondLst>
+                                    <p:cond delay="0"/>
+                                  </p:stCondLst>
+                                  <p:childTnLst>
+                                    <p:set>
+                                      <p:cBhvr>
+                                        <p:cTn id="6" dur="1" fill="hold">
+                                          <p:stCondLst>
+                                            <p:cond delay="0"/>
+                                          </p:stCondLst>
+                                        </p:cTn>
+                                        <p:tgtEl>
+                                          <p:spTgt spid="3">
+                                            <p:txEl>
+                                              <p:pRg st="1" end="1"/>
+                                            </p:txEl>
+                                          </p:spTgt>
+                                        </p:tgtEl>
+                                        <p:attrNameLst>
+                                          <p:attrName>style.visibility</p:attrName>
+                                        </p:attrNameLst>
+                                      </p:cBhvr>
+                                      <p:to>
+                                        <p:strVal val="visible"/>
+                                      </p:to>
+                                    </p:set>
+                                  </p:childTnLst>
+                                </p:cTn>
+                              </p:par>
+                            </p:childTnLst>
+                          </p:cTn>
+                        </p:par>
+                      </p:childTnLst>
+                    </p:cTn>
+                  </p:par>
+                  <p:par>
+                    <p:cTn id="7" fill="hold">
+                      <p:stCondLst>
+                        <p:cond delay="indefinite"/>
+                      </p:stCondLst>
+                      <p:childTnLst>
+                        <p:par>
+                          <p:cTn id="8" fill="hold">
+                            <p:stCondLst>
+                              <p:cond delay="0"/>
+                            </p:stCondLst>
+                            <p:childTnLst>
+                              <p:par>
+                                <p:cTn id="9" presetID="1" presetClass="entr" presetSubtype="0" fill="hold" nodeType="clickEffect">
+                                  <p:stCondLst>
+                                    <p:cond delay="0"/>
+                                  </p:stCondLst>
+                                  <p:childTnLst>
+                                    <p:set>
+                                      <p:cBhvr>
+                                        <p:cTn id="10" dur="1" fill="hold">
+                                          <p:stCondLst>
+                                            <p:cond delay="0"/>
+                                          </p:stCondLst>
+                                        </p:cTn>
+                                        <p:tgtEl>
+                                          <p:spTgt spid="3">
+                                            <p:txEl>
+                                              <p:pRg st="2" end="2"/>
+                                            </p:txEl>
+                                          </p:spTgt>
+                                        </p:tgtEl>
+                                        <p:attrNameLst>
+                                          <p:attrName>style.visibility</p:attrName>
+                                        </p:attrNameLst>
+                                      </p:cBhvr>
+                                      <p:to>
+                                        <p:strVal val="visible"/>
+                                      </p:to>
+                                    </p:set>
+                                  </p:childTnLst>
+                                </p:cTn>
+                              </p:par>
+                            </p:childTnLst>
+                          </p:cTn>
+                        </p:par>
+                      </p:childTnLst>
+                    </p:cTn>
+                  </p:par>
+                  <p:par>
+                    <p:cTn id="11" fill="hold">
+                      <p:stCondLst>
+                        <p:cond delay="indefinite"/>
+                      </p:stCondLst>
+                      <p:childTnLst>
+                        <p:par>
+                          <p:cTn id="12" fill="hold">
+                            <p:stCondLst>
+                              <p:cond delay="0"/>
+                            </p:stCondLst>
+                            <p:childTnLst>
+                              <p:par>
+                                <p:cTn id="13" presetID="1" presetClass="entr" presetSubtype="0" fill="hold" nodeType="clickEffect">
+                                  <p:stCondLst>
+                                    <p:cond delay="0"/>
+                                  </p:stCondLst>
+                                  <p:childTnLst>
+                                    <p:set>
+                                      <p:cBhvr>
+                                        <p:cTn id="14" dur="1" fill="hold">
+                                          <p:stCondLst>
+                                            <p:cond delay="0"/>
+                                          </p:stCondLst>
+                                        </p:cTn>
+                                        <p:tgtEl>
+                                          <p:spTgt spid="6"/>
+                                        </p:tgtEl>
+                                        <p:attrNameLst>
+                                          <p:attrName>style.visibility</p:attrName>
+                                        </p:attrNameLst>
+                                      </p:cBhvr>
+                                      <p:to>
+                                        <p:strVal val="visible"/>
+                                      </p:to>
+                                    </p:set>
+                                  </p:childTnLst>
+                                </p:cTn>
+                              </p:par>
+                            </p:childTnLst>
+                          </p:cTn>
+                        </p:par>
+                      </p:childTnLst>
+                    </p:cTn>
+                  </p:par>
+                  <p:par>
+                    <p:cTn id="15" fill="hold">
+                      <p:stCondLst>
+                        <p:cond delay="indefinite"/>
+                      </p:stCondLst>
+                      <p:childTnLst>
+                        <p:par>
+                          <p:cTn id="16" fill="hold">
+                            <p:stCondLst>
+                              <p:cond delay="0"/>
+                            </p:stCondLst>
+                            <p:childTnLst>
+                              <p:par>
+                                <p:cTn id="17" presetID="2" presetClass="entr" presetSubtype="4" fill="hold" grpId="0" nodeType="clickEffect">
+                                  <p:stCondLst>
+                                    <p:cond delay="0"/>
+                                  </p:stCondLst>
+                                  <p:childTnLst>
+                                    <p:set>
+                                      <p:cBhvr>
+                                        <p:cTn id="18" dur="1" fill="hold">
+                                          <p:stCondLst>
+                                            <p:cond delay="0"/>
+                                          </p:stCondLst>
+                                        </p:cTn>
+                                        <p:tgtEl>
+                                          <p:spTgt spid="12"/>
+                                        </p:tgtEl>
+                                        <p:attrNameLst>
+                                          <p:attrName>style.visibility</p:attrName>
+                                        </p:attrNameLst>
+                                      </p:cBhvr>
+                                      <p:to>
+                                        <p:strVal val="visible"/>
+                                      </p:to>
+                                    </p:set>
+                                    <p:anim calcmode="lin" valueType="num">
+                                      <p:cBhvr additive="base">
+                                        <p:cTn id="19" dur="500" fill="hold"/>
+                                        <p:tgtEl>
+                                          <p:spTgt spid="12"/>
+                                        </p:tgtEl>
+                                        <p:attrNameLst>
+                                          <p:attrName>ppt_x</p:attrName>
+                                        </p:attrNameLst>
+                                      </p:cBhvr>
+                                      <p:tavLst>
+                                        <p:tav tm="0">
+                                          <p:val>
+                                            <p:strVal val="#ppt_x"/>
+                                          </p:val>
+                                        </p:tav>
+                                        <p:tav tm="100000">
+                                          <p:val>
+                                            <p:strVal val="#ppt_x"/>
+                                          </p:val>
+                                        </p:tav>
+                                      </p:tavLst>
+                                    </p:anim>
+                                    <p:anim calcmode="lin" valueType="num">
+                                      <p:cBhvr additive="base">
+                                        <p:cTn id="20" dur="500" fill="hold"/>
+                                        <p:tgtEl>
+                                          <p:spTgt spid="12"/>
+                                        </p:tgtEl>
+                                        <p:attrNameLst>
+                                          <p:attrName>ppt_y</p:attrName>
+                                        </p:attrNameLst>
+                                      </p:cBhvr>
+                                      <p:tavLst>
+                                        <p:tav tm="0">
+                                          <p:val>
+                                            <p:strVal val="1+#ppt_h/2"/>
+                                          </p:val>
+                                        </p:tav>
+                                        <p:tav tm="100000">
+                                          <p:val>
+                                            <p:strVal val="#ppt_y"/>
+                                          </p:val>
+                                        </p:tav>
+                                      </p:tavLst>
+                                    </p:anim>
+                                  </p:childTnLst>
+                                </p:cTn>
+                              </p:par>
+                              <p:par>
+                                <p:cTn id="21" presetID="2" presetClass="entr" presetSubtype="4" fill="hold" nodeType="withEffect">
+                                  <p:stCondLst>
+                                    <p:cond delay="0"/>
+                                  </p:stCondLst>
+                                  <p:childTnLst>
+                                    <p:set>
+                                      <p:cBhvr>
+                                        <p:cTn id="22" dur="1" fill="hold">
+                                          <p:stCondLst>
+                                            <p:cond delay="0"/>
+                                          </p:stCondLst>
+                                        </p:cTn>
+                                        <p:tgtEl>
+                                          <p:spTgt spid="8"/>
+                                        </p:tgtEl>
+                                        <p:attrNameLst>
+                                          <p:attrName>style.visibility</p:attrName>
+                                        </p:attrNameLst>
+                                      </p:cBhvr>
+                                      <p:to>
+                                        <p:strVal val="visible"/>
+                                      </p:to>
+                                    </p:set>
+                                    <p:anim calcmode="lin" valueType="num">
+                                      <p:cBhvr additive="base">
+                                        <p:cTn id="23" dur="500" fill="hold"/>
+                                        <p:tgtEl>
+                                          <p:spTgt spid="8"/>
+                                        </p:tgtEl>
+                                        <p:attrNameLst>
+                                          <p:attrName>ppt_x</p:attrName>
+                                        </p:attrNameLst>
+                                      </p:cBhvr>
+                                      <p:tavLst>
+                                        <p:tav tm="0">
+                                          <p:val>
+                                            <p:strVal val="#ppt_x"/>
+                                          </p:val>
+                                        </p:tav>
+                                        <p:tav tm="100000">
+                                          <p:val>
+                                            <p:strVal val="#ppt_x"/>
+                                          </p:val>
+                                        </p:tav>
+                                      </p:tavLst>
+                                    </p:anim>
+                                    <p:anim calcmode="lin" valueType="num">
+                                      <p:cBhvr additive="base">
+                                        <p:cTn id="24" dur="500" fill="hold"/>
+                                        <p:tgtEl>
+                                          <p:spTgt spid="8"/>
+                                        </p:tgtEl>
+                                        <p:attrNameLst>
+                                          <p:attrName>ppt_y</p:attrName>
+                                        </p:attrNameLst>
+                                      </p:cBhvr>
+                                      <p:tavLst>
+                                        <p:tav tm="0">
+                                          <p:val>
+                                            <p:strVal val="1+#ppt_h/2"/>
+                                          </p:val>
+                                        </p:tav>
+                                        <p:tav tm="100000">
+                                          <p:val>
+                                            <p:strVal val="#ppt_y"/>
+                                          </p:val>
+                                        </p:tav>
+                                      </p:tavLst>
+                                    </p:anim>
+                                  </p:childTnLst>
+                                </p:cTn>
+                              </p:par>
+                            </p:childTnLst>
+                          </p:cTn>
+                        </p:par>
+                      </p:childTnLst>
+                    </p:cTn>
+                  </p:par>
+                  <p:par>
+                    <p:cTn id="25" fill="hold">
+                      <p:stCondLst>
+                        <p:cond delay="indefinite"/>
+                      </p:stCondLst>
+                      <p:childTnLst>
+                        <p:par>
+                          <p:cTn id="26" fill="hold">
+                            <p:stCondLst>
+                              <p:cond delay="0"/>
+                            </p:stCondLst>
+                            <p:childTnLst>
+                              <p:par>
+                                <p:cTn id="27" presetID="1" presetClass="entr" presetSubtype="0" fill="hold" nodeType="clickEffect">
+                                  <p:stCondLst>
+                                    <p:cond delay="0"/>
+                                  </p:stCondLst>
+                                  <p:childTnLst>
+                                    <p:set>
+                                      <p:cBhvr>
+                                        <p:cTn id="28" dur="1" fill="hold">
+                                          <p:stCondLst>
+                                            <p:cond delay="0"/>
+                                          </p:stCondLst>
+                                        </p:cTn>
+                                        <p:tgtEl>
+                                          <p:spTgt spid="14">
+                                            <p:txEl>
+                                              <p:pRg st="0" end="0"/>
+                                            </p:txEl>
+                                          </p:spTgt>
+                                        </p:tgtEl>
+                                        <p:attrNameLst>
+                                          <p:attrName>style.visibility</p:attrName>
+                                        </p:attrNameLst>
+                                      </p:cBhvr>
+                                      <p:to>
+                                        <p:strVal val="visible"/>
+                                      </p:to>
+                                    </p:set>
+                                  </p:childTnLst>
+                                </p:cTn>
+                              </p:par>
+                              <p:par>
+                                <p:cTn id="29" presetID="1" presetClass="entr" presetSubtype="0" fill="hold" nodeType="withEffect">
+                                  <p:stCondLst>
+                                    <p:cond delay="0"/>
+                                  </p:stCondLst>
+                                  <p:childTnLst>
+                                    <p:set>
+                                      <p:cBhvr>
+                                        <p:cTn id="30" dur="1" fill="hold">
+                                          <p:stCondLst>
+                                            <p:cond delay="0"/>
+                                          </p:stCondLst>
+                                        </p:cTn>
+                                        <p:tgtEl>
+                                          <p:spTgt spid="14">
+                                            <p:txEl>
+                                              <p:pRg st="1" end="1"/>
+                                            </p:txEl>
+                                          </p:spTgt>
+                                        </p:tgtEl>
+                                        <p:attrNameLst>
+                                          <p:attrName>style.visibility</p:attrName>
+                                        </p:attrNameLst>
+                                      </p:cBhvr>
+                                      <p:to>
+                                        <p:strVal val="visible"/>
+                                      </p:to>
+                                    </p:set>
+                                  </p:childTnLst>
+                                </p:cTn>
+                              </p:par>
+                            </p:childTnLst>
+                          </p:cTn>
+                        </p:par>
+                      </p:childTnLst>
+                    </p:cTn>
+                  </p:par>
+                </p:childTnLst>
+              </p:cTn>
+              <p:prevCondLst>
+                <p:cond evt="onPrev" delay="0">
+                  <p:tgtEl>
+                    <p:sldTgt/>
+                  </p:tgtEl>
+                </p:cond>
+              </p:prevCondLst>
+              <p:nextCondLst>
+                <p:cond evt="onNext" delay="0">
+                  <p:tgtEl>
+                    <p:sldTgt/>
+                  </p:tgtEl>
+                </p:cond>
+              </p:nextCondLst>
+            </p:seq>
+          </p:childTnLst>
+        </p:cTn>
+      </p:par>
+    </p:tnLst>
+    <p:bldLst>
+      <p:bldP spid="12" grpId="0" animBg="1"/>
+    </p:bldLst>
+  </p:timing>
+</p:sld>
+</file>
+
+<file path=ppt/slides/slide8.xml><?xml version="1.0" encoding="utf-8"?>
+<p:sld xmlns:a="http://schemas.openxmlformats.org/drawingml/2006/main" xmlns:r="http://schemas.openxmlformats.org/officeDocument/2006/relationships" xmlns:p="http://schemas.openxmlformats.org/presentationml/2006/main">
+  <p:cSld>
+    <p:spTree>
+      <p:nvGrpSpPr>
+        <p:cNvPr id="1" name=""/>
+        <p:cNvGrpSpPr/>
+        <p:nvPr/>
+      </p:nvGrpSpPr>
+      <p:grpSpPr>
+        <a:xfrm>
+          <a:off x="0" y="0"/>
+          <a:ext cx="0" cy="0"/>
+          <a:chOff x="0" y="0"/>
+          <a:chExt cx="0" cy="0"/>
+        </a:xfrm>
+      </p:grpSpPr>
+      <p:sp>
+        <p:nvSpPr>
+          <p:cNvPr id="2" name="Titel 1">
+            <a:extLst>
+              <a:ext uri="{FF2B5EF4-FFF2-40B4-BE49-F238E27FC236}">
+                <a16:creationId xmlns:a16="http://schemas.microsoft.com/office/drawing/2014/main" id="{C1623B69-B1E5-4945-8025-17F175BF05E7}"/>
+              </a:ext>
+            </a:extLst>
+          </p:cNvPr>
+          <p:cNvSpPr>
+            <a:spLocks noGrp="1"/>
+          </p:cNvSpPr>
+          <p:nvPr>
+            <p:ph type="title"/>
+          </p:nvPr>
+        </p:nvSpPr>
+        <p:spPr/>
+        <p:txBody>
+          <a:bodyPr/>
+          <a:lstStyle/>
+          <a:p>
+            <a:r>
+              <a:rPr lang="nl-BE" dirty="0"/>
+              <a:t>Hoe wordt een blok geplaatst ?</a:t>
+            </a:r>
+          </a:p>
+        </p:txBody>
+      </p:sp>
+      <p:pic>
+        <p:nvPicPr>
+          <p:cNvPr id="9" name="Tijdelijke aanduiding voor inhoud 8">
+            <a:extLst>
+              <a:ext uri="{FF2B5EF4-FFF2-40B4-BE49-F238E27FC236}">
+                <a16:creationId xmlns:a16="http://schemas.microsoft.com/office/drawing/2014/main" id="{DBEAD7CB-AA03-4A4B-9490-520092C683C3}"/>
+              </a:ext>
+            </a:extLst>
+          </p:cNvPr>
+          <p:cNvPicPr>
+            <a:picLocks noGrp="1" noChangeAspect="1"/>
+          </p:cNvPicPr>
+          <p:nvPr>
+            <p:ph idx="1"/>
+          </p:nvPr>
+        </p:nvPicPr>
+        <p:blipFill>
+          <a:blip r:embed="rId2"/>
+          <a:stretch>
+            <a:fillRect/>
+          </a:stretch>
+        </p:blipFill>
+        <p:spPr>
+          <a:xfrm>
+            <a:off x="2457291" y="1872745"/>
+            <a:ext cx="3097689" cy="3112510"/>
+          </a:xfrm>
+        </p:spPr>
+      </p:pic>
+      <p:sp>
+        <p:nvSpPr>
+          <p:cNvPr id="10" name="Tekstvak 9">
+            <a:extLst>
+              <a:ext uri="{FF2B5EF4-FFF2-40B4-BE49-F238E27FC236}">
+                <a16:creationId xmlns:a16="http://schemas.microsoft.com/office/drawing/2014/main" id="{94B01C7A-2763-4527-B128-0E5764B4356F}"/>
+              </a:ext>
+            </a:extLst>
+          </p:cNvPr>
+          <p:cNvSpPr txBox="1"/>
+          <p:nvPr/>
+        </p:nvSpPr>
+        <p:spPr>
+          <a:xfrm>
+            <a:off x="2533650" y="2027700"/>
+            <a:ext cx="577850" cy="369332"/>
+          </a:xfrm>
+          <a:prstGeom prst="rect">
+            <a:avLst/>
+          </a:prstGeom>
+          <a:noFill/>
+        </p:spPr>
+        <p:txBody>
+          <a:bodyPr wrap="square" rtlCol="0">
+            <a:spAutoFit/>
+          </a:bodyPr>
+          <a:lstStyle/>
+          <a:p>
+            <a:r>
+              <a:rPr lang="nl-BE" dirty="0"/>
+              <a:t>0,0</a:t>
+            </a:r>
+          </a:p>
+        </p:txBody>
+      </p:sp>
+      <p:sp>
+        <p:nvSpPr>
+          <p:cNvPr id="11" name="Tekstvak 10">
+            <a:extLst>
+              <a:ext uri="{FF2B5EF4-FFF2-40B4-BE49-F238E27FC236}">
+                <a16:creationId xmlns:a16="http://schemas.microsoft.com/office/drawing/2014/main" id="{675FA2B5-997F-4C3B-B37A-F725688D25B2}"/>
+              </a:ext>
+            </a:extLst>
+          </p:cNvPr>
+          <p:cNvSpPr txBox="1"/>
+          <p:nvPr/>
+        </p:nvSpPr>
+        <p:spPr>
+          <a:xfrm>
+            <a:off x="3143250" y="2027700"/>
+            <a:ext cx="603122" cy="369332"/>
+          </a:xfrm>
+          <a:prstGeom prst="rect">
+            <a:avLst/>
+          </a:prstGeom>
+          <a:noFill/>
+        </p:spPr>
+        <p:txBody>
+          <a:bodyPr wrap="square" rtlCol="0">
+            <a:spAutoFit/>
+          </a:bodyPr>
+          <a:lstStyle/>
+          <a:p>
+            <a:r>
+              <a:rPr lang="nl-BE" dirty="0"/>
+              <a:t>0,1</a:t>
+            </a:r>
+          </a:p>
+        </p:txBody>
+      </p:sp>
+      <p:sp>
+        <p:nvSpPr>
+          <p:cNvPr id="12" name="Tekstvak 11">
+            <a:extLst>
+              <a:ext uri="{FF2B5EF4-FFF2-40B4-BE49-F238E27FC236}">
+                <a16:creationId xmlns:a16="http://schemas.microsoft.com/office/drawing/2014/main" id="{48353FC1-7894-4C07-B4AF-514A6FBC8D61}"/>
+              </a:ext>
+            </a:extLst>
+          </p:cNvPr>
+          <p:cNvSpPr txBox="1"/>
+          <p:nvPr/>
+        </p:nvSpPr>
+        <p:spPr>
+          <a:xfrm>
+            <a:off x="2540128" y="2641600"/>
+            <a:ext cx="603122" cy="369332"/>
+          </a:xfrm>
+          <a:prstGeom prst="rect">
+            <a:avLst/>
+          </a:prstGeom>
+          <a:noFill/>
+        </p:spPr>
+        <p:txBody>
+          <a:bodyPr wrap="square" rtlCol="0">
+            <a:spAutoFit/>
+          </a:bodyPr>
+          <a:lstStyle/>
+          <a:p>
+            <a:r>
+              <a:rPr lang="nl-BE" dirty="0"/>
+              <a:t>1,0</a:t>
+            </a:r>
+          </a:p>
+        </p:txBody>
+      </p:sp>
+      <p:grpSp>
+        <p:nvGrpSpPr>
+          <p:cNvPr id="15" name="Groep 14">
+            <a:extLst>
+              <a:ext uri="{FF2B5EF4-FFF2-40B4-BE49-F238E27FC236}">
+                <a16:creationId xmlns:a16="http://schemas.microsoft.com/office/drawing/2014/main" id="{1E8F2AD5-1835-4982-9B56-94553CE45DD7}"/>
+              </a:ext>
+            </a:extLst>
+          </p:cNvPr>
+          <p:cNvGrpSpPr/>
+          <p:nvPr/>
+        </p:nvGrpSpPr>
+        <p:grpSpPr>
+          <a:xfrm>
+            <a:off x="6096000" y="2541023"/>
+            <a:ext cx="635224" cy="1177577"/>
+            <a:chOff x="6842198" y="1995232"/>
+            <a:chExt cx="907757" cy="1815514"/>
+          </a:xfrm>
+        </p:grpSpPr>
+        <p:grpSp>
+          <p:nvGrpSpPr>
+            <p:cNvPr id="16" name="Groep 15">
+              <a:extLst>
+                <a:ext uri="{FF2B5EF4-FFF2-40B4-BE49-F238E27FC236}">
+                  <a16:creationId xmlns:a16="http://schemas.microsoft.com/office/drawing/2014/main" id="{1DEDD77F-596A-4BBA-AB2B-458E3BE3C77E}"/>
+                </a:ext>
+              </a:extLst>
+            </p:cNvPr>
+            <p:cNvGrpSpPr/>
+            <p:nvPr/>
+          </p:nvGrpSpPr>
+          <p:grpSpPr>
+            <a:xfrm>
+              <a:off x="6842198" y="1995232"/>
+              <a:ext cx="907757" cy="1815514"/>
+              <a:chOff x="5349803" y="1995231"/>
+              <a:chExt cx="907757" cy="1815514"/>
+            </a:xfrm>
+          </p:grpSpPr>
+          <p:sp>
+            <p:nvSpPr>
+              <p:cNvPr id="19" name="Rechthoek 18">
+                <a:extLst>
+                  <a:ext uri="{FF2B5EF4-FFF2-40B4-BE49-F238E27FC236}">
+                    <a16:creationId xmlns:a16="http://schemas.microsoft.com/office/drawing/2014/main" id="{43A072F3-0369-49B8-BABB-CEE3C83673F3}"/>
+                  </a:ext>
+                </a:extLst>
+              </p:cNvPr>
+              <p:cNvSpPr/>
+              <p:nvPr/>
+            </p:nvSpPr>
+            <p:spPr>
+              <a:xfrm>
+                <a:off x="5349803" y="1995231"/>
+                <a:ext cx="907757" cy="907757"/>
+              </a:xfrm>
+              <a:prstGeom prst="rect">
+                <a:avLst/>
+              </a:prstGeom>
+            </p:spPr>
+            <p:style>
+              <a:lnRef idx="2">
+                <a:schemeClr val="accent1">
+                  <a:shade val="50000"/>
+                </a:schemeClr>
+              </a:lnRef>
+              <a:fillRef idx="1">
+                <a:schemeClr val="accent1"/>
+              </a:fillRef>
+              <a:effectRef idx="0">
+                <a:schemeClr val="accent1"/>
+              </a:effectRef>
+              <a:fontRef idx="minor">
+                <a:schemeClr val="lt1"/>
+              </a:fontRef>
+            </p:style>
+            <p:txBody>
+              <a:bodyPr rtlCol="0" anchor="ctr"/>
+              <a:lstStyle/>
+              <a:p>
+                <a:pPr algn="ctr"/>
+                <a:endParaRPr lang="nl-BE"/>
+              </a:p>
+            </p:txBody>
+          </p:sp>
+          <p:sp>
+            <p:nvSpPr>
+              <p:cNvPr id="20" name="Rechthoek 19">
+                <a:extLst>
+                  <a:ext uri="{FF2B5EF4-FFF2-40B4-BE49-F238E27FC236}">
+                    <a16:creationId xmlns:a16="http://schemas.microsoft.com/office/drawing/2014/main" id="{1CC0D626-D200-4FD3-BD1A-75D4C8E5A273}"/>
+                  </a:ext>
+                </a:extLst>
+              </p:cNvPr>
+              <p:cNvSpPr/>
+              <p:nvPr/>
+            </p:nvSpPr>
+            <p:spPr>
+              <a:xfrm>
+                <a:off x="5349803" y="2902988"/>
+                <a:ext cx="907757" cy="907757"/>
+              </a:xfrm>
+              <a:prstGeom prst="rect">
+                <a:avLst/>
+              </a:prstGeom>
+            </p:spPr>
+            <p:style>
+              <a:lnRef idx="2">
+                <a:schemeClr val="accent1">
+                  <a:shade val="50000"/>
+                </a:schemeClr>
+              </a:lnRef>
+              <a:fillRef idx="1">
+                <a:schemeClr val="accent1"/>
+              </a:fillRef>
+              <a:effectRef idx="0">
+                <a:schemeClr val="accent1"/>
+              </a:effectRef>
+              <a:fontRef idx="minor">
+                <a:schemeClr val="lt1"/>
+              </a:fontRef>
+            </p:style>
+            <p:txBody>
+              <a:bodyPr rtlCol="0" anchor="ctr"/>
+              <a:lstStyle/>
+              <a:p>
+                <a:pPr algn="ctr"/>
+                <a:endParaRPr lang="nl-BE"/>
+              </a:p>
+            </p:txBody>
+          </p:sp>
+        </p:grpSp>
+        <p:sp>
+          <p:nvSpPr>
+            <p:cNvPr id="17" name="Tekstvak 16">
+              <a:extLst>
+                <a:ext uri="{FF2B5EF4-FFF2-40B4-BE49-F238E27FC236}">
+                  <a16:creationId xmlns:a16="http://schemas.microsoft.com/office/drawing/2014/main" id="{A5987300-F851-482E-94EE-964ACD95EB75}"/>
+                </a:ext>
+              </a:extLst>
+            </p:cNvPr>
+            <p:cNvSpPr txBox="1"/>
+            <p:nvPr/>
+          </p:nvSpPr>
+          <p:spPr>
+            <a:xfrm>
+              <a:off x="6934201" y="2171614"/>
+              <a:ext cx="695325" cy="521961"/>
+            </a:xfrm>
+            <a:prstGeom prst="rect">
+              <a:avLst/>
+            </a:prstGeom>
+            <a:noFill/>
+          </p:spPr>
+          <p:txBody>
+            <a:bodyPr wrap="square" rtlCol="0">
+              <a:spAutoFit/>
+            </a:bodyPr>
+            <a:lstStyle/>
+            <a:p>
+              <a:r>
+                <a:rPr lang="nl-BE" sz="1600" dirty="0"/>
+                <a:t>0,0</a:t>
+              </a:r>
+              <a:endParaRPr lang="nl-BE" sz="2800" dirty="0"/>
+            </a:p>
+          </p:txBody>
+        </p:sp>
+        <p:sp>
+          <p:nvSpPr>
+            <p:cNvPr id="18" name="Tekstvak 17">
+              <a:extLst>
+                <a:ext uri="{FF2B5EF4-FFF2-40B4-BE49-F238E27FC236}">
+                  <a16:creationId xmlns:a16="http://schemas.microsoft.com/office/drawing/2014/main" id="{06C5947E-6B97-4817-B951-85240CEA3263}"/>
+                </a:ext>
+              </a:extLst>
+            </p:cNvPr>
+            <p:cNvSpPr txBox="1"/>
+            <p:nvPr/>
+          </p:nvSpPr>
+          <p:spPr>
+            <a:xfrm>
+              <a:off x="6934201" y="2986086"/>
+              <a:ext cx="733425" cy="521961"/>
+            </a:xfrm>
+            <a:prstGeom prst="rect">
+              <a:avLst/>
+            </a:prstGeom>
+            <a:noFill/>
+          </p:spPr>
+          <p:txBody>
+            <a:bodyPr wrap="square" rtlCol="0">
+              <a:spAutoFit/>
+            </a:bodyPr>
+            <a:lstStyle/>
+            <a:p>
+              <a:r>
+                <a:rPr lang="nl-BE" sz="1600" dirty="0"/>
+                <a:t>1,0</a:t>
+              </a:r>
+            </a:p>
+          </p:txBody>
+        </p:sp>
+      </p:grpSp>
+      <p:sp>
+        <p:nvSpPr>
+          <p:cNvPr id="21" name="Tekstvak 20">
+            <a:extLst>
+              <a:ext uri="{FF2B5EF4-FFF2-40B4-BE49-F238E27FC236}">
+                <a16:creationId xmlns:a16="http://schemas.microsoft.com/office/drawing/2014/main" id="{C0D29DC3-2E82-418C-9491-D657EA9C07F1}"/>
+              </a:ext>
+            </a:extLst>
+          </p:cNvPr>
+          <p:cNvSpPr txBox="1"/>
+          <p:nvPr/>
+        </p:nvSpPr>
+        <p:spPr>
+          <a:xfrm>
+            <a:off x="7105650" y="2616052"/>
+            <a:ext cx="3384550" cy="1015663"/>
+          </a:xfrm>
+          <a:prstGeom prst="rect">
+            <a:avLst/>
+          </a:prstGeom>
+          <a:noFill/>
+        </p:spPr>
+        <p:txBody>
+          <a:bodyPr wrap="square" rtlCol="0">
+            <a:spAutoFit/>
+          </a:bodyPr>
+          <a:lstStyle/>
+          <a:p>
+            <a:r>
+              <a:rPr lang="nl-BE" b="1" baseline="30000" dirty="0" err="1"/>
+              <a:t>Tl;dr</a:t>
+            </a:r>
+            <a:endParaRPr lang="nl-BE" b="1" baseline="30000" dirty="0"/>
+          </a:p>
+          <a:p>
+            <a:r>
+              <a:rPr lang="nl-BE" baseline="30000" dirty="0" err="1"/>
+              <a:t>Loopen</a:t>
+            </a:r>
+            <a:r>
+              <a:rPr lang="nl-BE" baseline="30000" dirty="0"/>
+              <a:t> over alle punten en de </a:t>
+            </a:r>
+            <a:r>
+              <a:rPr lang="nl-BE" baseline="30000" dirty="0" err="1"/>
+              <a:t>coords</a:t>
+            </a:r>
+            <a:r>
+              <a:rPr lang="nl-BE" baseline="30000" dirty="0"/>
+              <a:t> vergelijken met het punt op het bord.</a:t>
+            </a:r>
+          </a:p>
+          <a:p>
+            <a:endParaRPr lang="nl-BE" baseline="30000" dirty="0"/>
+          </a:p>
+          <a:p>
+            <a:endParaRPr lang="nl-BE" baseline="30000" dirty="0"/>
+          </a:p>
+        </p:txBody>
+      </p:sp>
+      <p:sp>
+        <p:nvSpPr>
+          <p:cNvPr id="22" name="Tekstvak 21">
+            <a:extLst>
+              <a:ext uri="{FF2B5EF4-FFF2-40B4-BE49-F238E27FC236}">
+                <a16:creationId xmlns:a16="http://schemas.microsoft.com/office/drawing/2014/main" id="{AD9EA4DD-C1BC-4A2B-A189-E56B46F2157F}"/>
+              </a:ext>
+            </a:extLst>
+          </p:cNvPr>
+          <p:cNvSpPr txBox="1"/>
+          <p:nvPr/>
+        </p:nvSpPr>
+        <p:spPr>
+          <a:xfrm>
+            <a:off x="6096000" y="3917510"/>
+            <a:ext cx="2800350" cy="646331"/>
+          </a:xfrm>
+          <a:prstGeom prst="rect">
+            <a:avLst/>
+          </a:prstGeom>
+          <a:noFill/>
+        </p:spPr>
+        <p:txBody>
+          <a:bodyPr wrap="square" rtlCol="0">
+            <a:spAutoFit/>
+          </a:bodyPr>
+          <a:lstStyle/>
+          <a:p>
+            <a:r>
+              <a:rPr lang="nl-BE" dirty="0"/>
+              <a:t>0,0 + 1,3 = 1,3</a:t>
+            </a:r>
+            <a:br>
+              <a:rPr lang="nl-BE" dirty="0"/>
+            </a:br>
+            <a:endParaRPr lang="nl-BE" dirty="0"/>
+          </a:p>
+        </p:txBody>
+      </p:sp>
+      <p:sp>
+        <p:nvSpPr>
+          <p:cNvPr id="23" name="Rechthoek 22">
+            <a:extLst>
+              <a:ext uri="{FF2B5EF4-FFF2-40B4-BE49-F238E27FC236}">
+                <a16:creationId xmlns:a16="http://schemas.microsoft.com/office/drawing/2014/main" id="{124407A0-1FE8-4F47-A48B-A0A2C7AC5179}"/>
+              </a:ext>
+            </a:extLst>
+          </p:cNvPr>
+          <p:cNvSpPr/>
+          <p:nvPr/>
+        </p:nvSpPr>
+        <p:spPr>
+          <a:xfrm>
+            <a:off x="4273678" y="2530310"/>
+            <a:ext cx="603122" cy="588789"/>
+          </a:xfrm>
+          <a:prstGeom prst="rect">
+            <a:avLst/>
+          </a:prstGeom>
+        </p:spPr>
+        <p:style>
+          <a:lnRef idx="2">
+            <a:schemeClr val="accent1">
+              <a:shade val="50000"/>
+            </a:schemeClr>
+          </a:lnRef>
+          <a:fillRef idx="1">
+            <a:schemeClr val="accent1"/>
+          </a:fillRef>
+          <a:effectRef idx="0">
+            <a:schemeClr val="accent1"/>
+          </a:effectRef>
+          <a:fontRef idx="minor">
+            <a:schemeClr val="lt1"/>
+          </a:fontRef>
+        </p:style>
+        <p:txBody>
+          <a:bodyPr rtlCol="0" anchor="ctr"/>
+          <a:lstStyle/>
+          <a:p>
+            <a:pPr algn="ctr"/>
+            <a:endParaRPr lang="nl-BE" dirty="0"/>
+          </a:p>
+        </p:txBody>
+      </p:sp>
+      <p:sp>
+        <p:nvSpPr>
+          <p:cNvPr id="13" name="Tekstvak 12">
+            <a:extLst>
+              <a:ext uri="{FF2B5EF4-FFF2-40B4-BE49-F238E27FC236}">
+                <a16:creationId xmlns:a16="http://schemas.microsoft.com/office/drawing/2014/main" id="{2327EBBE-B42E-4B84-B704-8268286C738F}"/>
+              </a:ext>
+            </a:extLst>
+          </p:cNvPr>
+          <p:cNvSpPr txBox="1"/>
+          <p:nvPr/>
+        </p:nvSpPr>
+        <p:spPr>
+          <a:xfrm>
+            <a:off x="4330700" y="2641600"/>
+            <a:ext cx="546100" cy="369332"/>
+          </a:xfrm>
+          <a:prstGeom prst="rect">
+            <a:avLst/>
+          </a:prstGeom>
+          <a:noFill/>
+        </p:spPr>
+        <p:txBody>
+          <a:bodyPr wrap="square" rtlCol="0">
+            <a:spAutoFit/>
+          </a:bodyPr>
+          <a:lstStyle/>
+          <a:p>
+            <a:r>
+              <a:rPr lang="nl-BE" dirty="0"/>
+              <a:t>1,3</a:t>
+            </a:r>
+          </a:p>
+        </p:txBody>
+      </p:sp>
+      <p:sp>
+        <p:nvSpPr>
+          <p:cNvPr id="24" name="Rechthoek 23">
+            <a:extLst>
+              <a:ext uri="{FF2B5EF4-FFF2-40B4-BE49-F238E27FC236}">
+                <a16:creationId xmlns:a16="http://schemas.microsoft.com/office/drawing/2014/main" id="{FD612B72-2563-44FE-B20C-5648EC97C36E}"/>
+              </a:ext>
+            </a:extLst>
+          </p:cNvPr>
+          <p:cNvSpPr/>
+          <p:nvPr/>
+        </p:nvSpPr>
+        <p:spPr>
+          <a:xfrm>
+            <a:off x="4273678" y="3119099"/>
+            <a:ext cx="603122" cy="588789"/>
+          </a:xfrm>
+          <a:prstGeom prst="rect">
+            <a:avLst/>
+          </a:prstGeom>
+        </p:spPr>
+        <p:style>
+          <a:lnRef idx="2">
+            <a:schemeClr val="accent1">
+              <a:shade val="50000"/>
+            </a:schemeClr>
+          </a:lnRef>
+          <a:fillRef idx="1">
+            <a:schemeClr val="accent1"/>
+          </a:fillRef>
+          <a:effectRef idx="0">
+            <a:schemeClr val="accent1"/>
+          </a:effectRef>
+          <a:fontRef idx="minor">
+            <a:schemeClr val="lt1"/>
+          </a:fontRef>
+        </p:style>
+        <p:txBody>
+          <a:bodyPr rtlCol="0" anchor="ctr"/>
+          <a:lstStyle/>
+          <a:p>
+            <a:pPr algn="ctr"/>
+            <a:endParaRPr lang="nl-BE" dirty="0"/>
+          </a:p>
+        </p:txBody>
+      </p:sp>
+      <p:sp>
+        <p:nvSpPr>
+          <p:cNvPr id="25" name="Tekstvak 24">
+            <a:extLst>
+              <a:ext uri="{FF2B5EF4-FFF2-40B4-BE49-F238E27FC236}">
+                <a16:creationId xmlns:a16="http://schemas.microsoft.com/office/drawing/2014/main" id="{9836B844-3E54-4DD0-A216-F05DC8A58E4C}"/>
+              </a:ext>
+            </a:extLst>
+          </p:cNvPr>
+          <p:cNvSpPr txBox="1"/>
+          <p:nvPr/>
+        </p:nvSpPr>
+        <p:spPr>
+          <a:xfrm>
+            <a:off x="2541278" y="5413025"/>
+            <a:ext cx="7724775" cy="369332"/>
+          </a:xfrm>
+          <a:prstGeom prst="rect">
+            <a:avLst/>
+          </a:prstGeom>
+          <a:noFill/>
+        </p:spPr>
+        <p:txBody>
+          <a:bodyPr wrap="square" rtlCol="0">
+            <a:spAutoFit/>
+          </a:bodyPr>
+          <a:lstStyle/>
+          <a:p>
+            <a:r>
+              <a:rPr lang="nl-BE" dirty="0"/>
+              <a:t>1</a:t>
+            </a:r>
+            <a:r>
+              <a:rPr lang="nl-BE" baseline="30000" dirty="0"/>
+              <a:t>ste</a:t>
+            </a:r>
+            <a:r>
+              <a:rPr lang="nl-BE" dirty="0"/>
+              <a:t> keer </a:t>
+            </a:r>
+            <a:r>
+              <a:rPr lang="nl-BE" dirty="0" err="1"/>
+              <a:t>loopen</a:t>
+            </a:r>
+            <a:r>
+              <a:rPr lang="nl-BE" dirty="0"/>
+              <a:t> : kijken of alle vakjes vrij zijn en nadien opvullen.</a:t>
+            </a:r>
+          </a:p>
+        </p:txBody>
+      </p:sp>
+      <p:sp>
+        <p:nvSpPr>
+          <p:cNvPr id="26" name="Tekstvak 25">
+            <a:extLst>
+              <a:ext uri="{FF2B5EF4-FFF2-40B4-BE49-F238E27FC236}">
+                <a16:creationId xmlns:a16="http://schemas.microsoft.com/office/drawing/2014/main" id="{C5CA8A61-73C2-4990-A9BF-988ADD75F584}"/>
+              </a:ext>
+            </a:extLst>
+          </p:cNvPr>
+          <p:cNvSpPr txBox="1"/>
+          <p:nvPr/>
+        </p:nvSpPr>
+        <p:spPr>
+          <a:xfrm>
+            <a:off x="6096000" y="4210050"/>
+            <a:ext cx="1943100" cy="369332"/>
+          </a:xfrm>
+          <a:prstGeom prst="rect">
+            <a:avLst/>
+          </a:prstGeom>
+          <a:noFill/>
+        </p:spPr>
+        <p:txBody>
+          <a:bodyPr wrap="square" rtlCol="0">
+            <a:spAutoFit/>
+          </a:bodyPr>
+          <a:lstStyle/>
+          <a:p>
+            <a:r>
+              <a:rPr lang="nl-BE" dirty="0"/>
+              <a:t>1,0 + 1,3 = 2,3</a:t>
+            </a:r>
+          </a:p>
+        </p:txBody>
+      </p:sp>
+    </p:spTree>
+    <p:extLst>
+      <p:ext uri="{BB962C8B-B14F-4D97-AF65-F5344CB8AC3E}">
+        <p14:creationId xmlns:p14="http://schemas.microsoft.com/office/powerpoint/2010/main" val="2976589553"/>
+      </p:ext>
+    </p:extLst>
+  </p:cSld>
+  <p:clrMapOvr>
+    <a:masterClrMapping/>
+  </p:clrMapOvr>
+  <p:timing>
+    <p:tnLst>
+      <p:par>
+        <p:cTn id="1" dur="indefinite" restart="never" nodeType="tmRoot">
+          <p:childTnLst>
+            <p:seq concurrent="1" nextAc="seek">
+              <p:cTn id="2" dur="indefinite" nodeType="mainSeq">
+                <p:childTnLst>
+                  <p:par>
+                    <p:cTn id="3" fill="hold">
+                      <p:stCondLst>
+                        <p:cond delay="indefinite"/>
+                      </p:stCondLst>
+                      <p:childTnLst>
+                        <p:par>
+                          <p:cTn id="4" fill="hold">
+                            <p:stCondLst>
+                              <p:cond delay="0"/>
+                            </p:stCondLst>
+                            <p:childTnLst>
+                              <p:par>
+                                <p:cTn id="5" presetID="1" presetClass="entr" presetSubtype="0" fill="hold" nodeType="clickEffect">
+                                  <p:stCondLst>
+                                    <p:cond delay="0"/>
+                                  </p:stCondLst>
+                                  <p:childTnLst>
+                                    <p:set>
+                                      <p:cBhvr>
+                                        <p:cTn id="6" dur="1" fill="hold">
+                                          <p:stCondLst>
+                                            <p:cond delay="0"/>
+                                          </p:stCondLst>
+                                        </p:cTn>
+                                        <p:tgtEl>
+                                          <p:spTgt spid="9"/>
+                                        </p:tgtEl>
+                                        <p:attrNameLst>
+                                          <p:attrName>style.visibility</p:attrName>
+                                        </p:attrNameLst>
+                                      </p:cBhvr>
+                                      <p:to>
+                                        <p:strVal val="visible"/>
+                                      </p:to>
+                                    </p:set>
+                                  </p:childTnLst>
+                                </p:cTn>
+                              </p:par>
+                            </p:childTnLst>
+                          </p:cTn>
+                        </p:par>
+                      </p:childTnLst>
+                    </p:cTn>
+                  </p:par>
+                  <p:par>
+                    <p:cTn id="7" fill="hold">
+                      <p:stCondLst>
+                        <p:cond delay="indefinite"/>
+                      </p:stCondLst>
+                      <p:childTnLst>
+                        <p:par>
+                          <p:cTn id="8" fill="hold">
+                            <p:stCondLst>
+                              <p:cond delay="0"/>
+                            </p:stCondLst>
+                            <p:childTnLst>
+                              <p:par>
+                                <p:cTn id="9" presetID="1" presetClass="entr" presetSubtype="0" fill="hold" grpId="0" nodeType="clickEffect">
+                                  <p:stCondLst>
+                                    <p:cond delay="0"/>
+                                  </p:stCondLst>
+                                  <p:childTnLst>
+                                    <p:set>
+                                      <p:cBhvr>
+                                        <p:cTn id="10" dur="1" fill="hold">
+                                          <p:stCondLst>
+                                            <p:cond delay="0"/>
+                                          </p:stCondLst>
+                                        </p:cTn>
+                                        <p:tgtEl>
+                                          <p:spTgt spid="11"/>
+                                        </p:tgtEl>
+                                        <p:attrNameLst>
+                                          <p:attrName>style.visibility</p:attrName>
+                                        </p:attrNameLst>
+                                      </p:cBhvr>
+                                      <p:to>
+                                        <p:strVal val="visible"/>
+                                      </p:to>
+                                    </p:set>
+                                  </p:childTnLst>
+                                </p:cTn>
+                              </p:par>
+                              <p:par>
+                                <p:cTn id="11" presetID="1" presetClass="entr" presetSubtype="0" fill="hold" grpId="0" nodeType="withEffect">
+                                  <p:stCondLst>
+                                    <p:cond delay="0"/>
+                                  </p:stCondLst>
+                                  <p:childTnLst>
+                                    <p:set>
+                                      <p:cBhvr>
+                                        <p:cTn id="12" dur="1" fill="hold">
+                                          <p:stCondLst>
+                                            <p:cond delay="0"/>
+                                          </p:stCondLst>
+                                        </p:cTn>
+                                        <p:tgtEl>
+                                          <p:spTgt spid="10"/>
+                                        </p:tgtEl>
+                                        <p:attrNameLst>
+                                          <p:attrName>style.visibility</p:attrName>
+                                        </p:attrNameLst>
+                                      </p:cBhvr>
+                                      <p:to>
+                                        <p:strVal val="visible"/>
+                                      </p:to>
+                                    </p:set>
+                                  </p:childTnLst>
+                                </p:cTn>
+                              </p:par>
+                              <p:par>
+                                <p:cTn id="13" presetID="1" presetClass="entr" presetSubtype="0" fill="hold" grpId="0" nodeType="withEffect">
+                                  <p:stCondLst>
+                                    <p:cond delay="0"/>
+                                  </p:stCondLst>
+                                  <p:childTnLst>
+                                    <p:set>
+                                      <p:cBhvr>
+                                        <p:cTn id="14" dur="1" fill="hold">
+                                          <p:stCondLst>
+                                            <p:cond delay="0"/>
+                                          </p:stCondLst>
+                                        </p:cTn>
+                                        <p:tgtEl>
+                                          <p:spTgt spid="12"/>
+                                        </p:tgtEl>
+                                        <p:attrNameLst>
+                                          <p:attrName>style.visibility</p:attrName>
+                                        </p:attrNameLst>
+                                      </p:cBhvr>
+                                      <p:to>
+                                        <p:strVal val="visible"/>
+                                      </p:to>
+                                    </p:set>
+                                  </p:childTnLst>
+                                </p:cTn>
+                              </p:par>
+                              <p:par>
+                                <p:cTn id="15" presetID="1" presetClass="entr" presetSubtype="0" fill="hold" grpId="0" nodeType="withEffect">
+                                  <p:stCondLst>
+                                    <p:cond delay="0"/>
+                                  </p:stCondLst>
+                                  <p:childTnLst>
+                                    <p:set>
+                                      <p:cBhvr>
+                                        <p:cTn id="16" dur="1" fill="hold">
+                                          <p:stCondLst>
+                                            <p:cond delay="0"/>
+                                          </p:stCondLst>
+                                        </p:cTn>
+                                        <p:tgtEl>
+                                          <p:spTgt spid="13"/>
+                                        </p:tgtEl>
+                                        <p:attrNameLst>
+                                          <p:attrName>style.visibility</p:attrName>
+                                        </p:attrNameLst>
+                                      </p:cBhvr>
+                                      <p:to>
+                                        <p:strVal val="visible"/>
+                                      </p:to>
+                                    </p:set>
+                                  </p:childTnLst>
+                                </p:cTn>
+                              </p:par>
+                            </p:childTnLst>
+                          </p:cTn>
+                        </p:par>
+                      </p:childTnLst>
+                    </p:cTn>
+                  </p:par>
+                  <p:par>
+                    <p:cTn id="17" fill="hold">
+                      <p:stCondLst>
+                        <p:cond delay="indefinite"/>
+                      </p:stCondLst>
+                      <p:childTnLst>
+                        <p:par>
+                          <p:cTn id="18" fill="hold">
+                            <p:stCondLst>
+                              <p:cond delay="0"/>
+                            </p:stCondLst>
+                            <p:childTnLst>
+                              <p:par>
+                                <p:cTn id="19" presetID="2" presetClass="entr" presetSubtype="4" fill="hold" nodeType="clickEffect">
+                                  <p:stCondLst>
+                                    <p:cond delay="0"/>
+                                  </p:stCondLst>
+                                  <p:childTnLst>
+                                    <p:set>
+                                      <p:cBhvr>
+                                        <p:cTn id="20" dur="1" fill="hold">
+                                          <p:stCondLst>
+                                            <p:cond delay="0"/>
+                                          </p:stCondLst>
+                                        </p:cTn>
+                                        <p:tgtEl>
+                                          <p:spTgt spid="15"/>
+                                        </p:tgtEl>
+                                        <p:attrNameLst>
+                                          <p:attrName>style.visibility</p:attrName>
+                                        </p:attrNameLst>
+                                      </p:cBhvr>
+                                      <p:to>
+                                        <p:strVal val="visible"/>
+                                      </p:to>
+                                    </p:set>
+                                    <p:anim calcmode="lin" valueType="num">
+                                      <p:cBhvr additive="base">
+                                        <p:cTn id="21" dur="500" fill="hold"/>
+                                        <p:tgtEl>
+                                          <p:spTgt spid="15"/>
+                                        </p:tgtEl>
+                                        <p:attrNameLst>
+                                          <p:attrName>ppt_x</p:attrName>
+                                        </p:attrNameLst>
+                                      </p:cBhvr>
+                                      <p:tavLst>
+                                        <p:tav tm="0">
+                                          <p:val>
+                                            <p:strVal val="#ppt_x"/>
+                                          </p:val>
+                                        </p:tav>
+                                        <p:tav tm="100000">
+                                          <p:val>
+                                            <p:strVal val="#ppt_x"/>
+                                          </p:val>
+                                        </p:tav>
+                                      </p:tavLst>
+                                    </p:anim>
+                                    <p:anim calcmode="lin" valueType="num">
+                                      <p:cBhvr additive="base">
+                                        <p:cTn id="22" dur="500" fill="hold"/>
+                                        <p:tgtEl>
+                                          <p:spTgt spid="15"/>
+                                        </p:tgtEl>
+                                        <p:attrNameLst>
+                                          <p:attrName>ppt_y</p:attrName>
+                                        </p:attrNameLst>
+                                      </p:cBhvr>
+                                      <p:tavLst>
+                                        <p:tav tm="0">
+                                          <p:val>
+                                            <p:strVal val="1+#ppt_h/2"/>
+                                          </p:val>
+                                        </p:tav>
+                                        <p:tav tm="100000">
+                                          <p:val>
+                                            <p:strVal val="#ppt_y"/>
+                                          </p:val>
+                                        </p:tav>
+                                      </p:tavLst>
+                                    </p:anim>
+                                  </p:childTnLst>
+                                </p:cTn>
+                              </p:par>
+                            </p:childTnLst>
+                          </p:cTn>
+                        </p:par>
+                      </p:childTnLst>
+                    </p:cTn>
+                  </p:par>
+                  <p:par>
+                    <p:cTn id="23" fill="hold">
+                      <p:stCondLst>
+                        <p:cond delay="indefinite"/>
+                      </p:stCondLst>
+                      <p:childTnLst>
+                        <p:par>
+                          <p:cTn id="24" fill="hold">
+                            <p:stCondLst>
+                              <p:cond delay="0"/>
+                            </p:stCondLst>
+                            <p:childTnLst>
+                              <p:par>
+                                <p:cTn id="25" presetID="10" presetClass="entr" presetSubtype="0" fill="hold" grpId="0" nodeType="clickEffect">
+                                  <p:stCondLst>
+                                    <p:cond delay="0"/>
+                                  </p:stCondLst>
+                                  <p:childTnLst>
+                                    <p:set>
+                                      <p:cBhvr>
+                                        <p:cTn id="26" dur="1" fill="hold">
+                                          <p:stCondLst>
+                                            <p:cond delay="0"/>
+                                          </p:stCondLst>
+                                        </p:cTn>
+                                        <p:tgtEl>
+                                          <p:spTgt spid="21"/>
+                                        </p:tgtEl>
+                                        <p:attrNameLst>
+                                          <p:attrName>style.visibility</p:attrName>
+                                        </p:attrNameLst>
+                                      </p:cBhvr>
+                                      <p:to>
+                                        <p:strVal val="visible"/>
+                                      </p:to>
+                                    </p:set>
+                                    <p:animEffect transition="in" filter="fade">
+                                      <p:cBhvr>
+                                        <p:cTn id="27" dur="500"/>
+                                        <p:tgtEl>
+                                          <p:spTgt spid="21"/>
+                                        </p:tgtEl>
+                                      </p:cBhvr>
+                                    </p:animEffect>
+                                  </p:childTnLst>
+                                </p:cTn>
+                              </p:par>
+                            </p:childTnLst>
+                          </p:cTn>
+                        </p:par>
+                      </p:childTnLst>
+                    </p:cTn>
+                  </p:par>
+                  <p:par>
+                    <p:cTn id="28" fill="hold">
+                      <p:stCondLst>
+                        <p:cond delay="indefinite"/>
+                      </p:stCondLst>
+                      <p:childTnLst>
+                        <p:par>
+                          <p:cTn id="29" fill="hold">
+                            <p:stCondLst>
+                              <p:cond delay="0"/>
+                            </p:stCondLst>
+                            <p:childTnLst>
+                              <p:par>
+                                <p:cTn id="30" presetID="1" presetClass="entr" presetSubtype="0" fill="hold" nodeType="clickEffect">
+                                  <p:stCondLst>
+                                    <p:cond delay="0"/>
+                                  </p:stCondLst>
+                                  <p:childTnLst>
+                                    <p:set>
+                                      <p:cBhvr>
+                                        <p:cTn id="31" dur="1" fill="hold">
+                                          <p:stCondLst>
+                                            <p:cond delay="0"/>
+                                          </p:stCondLst>
+                                        </p:cTn>
+                                        <p:tgtEl>
+                                          <p:spTgt spid="22">
+                                            <p:txEl>
+                                              <p:pRg st="0" end="0"/>
+                                            </p:txEl>
+                                          </p:spTgt>
+                                        </p:tgtEl>
+                                        <p:attrNameLst>
+                                          <p:attrName>style.visibility</p:attrName>
+                                        </p:attrNameLst>
+                                      </p:cBhvr>
+                                      <p:to>
+                                        <p:strVal val="visible"/>
+                                      </p:to>
+                                    </p:set>
+                                  </p:childTnLst>
+                                </p:cTn>
+                              </p:par>
+                            </p:childTnLst>
+                          </p:cTn>
+                        </p:par>
+                      </p:childTnLst>
+                    </p:cTn>
+                  </p:par>
+                  <p:par>
+                    <p:cTn id="32" fill="hold">
+                      <p:stCondLst>
+                        <p:cond delay="indefinite"/>
+                      </p:stCondLst>
+                      <p:childTnLst>
+                        <p:par>
+                          <p:cTn id="33" fill="hold">
+                            <p:stCondLst>
+                              <p:cond delay="0"/>
+                            </p:stCondLst>
+                            <p:childTnLst>
+                              <p:par>
+                                <p:cTn id="34" presetID="10" presetClass="entr" presetSubtype="0" fill="hold" grpId="0" nodeType="clickEffect">
+                                  <p:stCondLst>
+                                    <p:cond delay="0"/>
+                                  </p:stCondLst>
+                                  <p:childTnLst>
+                                    <p:set>
+                                      <p:cBhvr>
+                                        <p:cTn id="35" dur="1" fill="hold">
+                                          <p:stCondLst>
+                                            <p:cond delay="0"/>
+                                          </p:stCondLst>
+                                        </p:cTn>
+                                        <p:tgtEl>
+                                          <p:spTgt spid="23"/>
+                                        </p:tgtEl>
+                                        <p:attrNameLst>
+                                          <p:attrName>style.visibility</p:attrName>
+                                        </p:attrNameLst>
+                                      </p:cBhvr>
+                                      <p:to>
+                                        <p:strVal val="visible"/>
+                                      </p:to>
+                                    </p:set>
+                                    <p:animEffect transition="in" filter="fade">
+                                      <p:cBhvr>
+                                        <p:cTn id="36" dur="500"/>
+                                        <p:tgtEl>
+                                          <p:spTgt spid="23"/>
+                                        </p:tgtEl>
+                                      </p:cBhvr>
+                                    </p:animEffect>
+                                  </p:childTnLst>
+                                </p:cTn>
+                              </p:par>
+                            </p:childTnLst>
+                          </p:cTn>
+                        </p:par>
+                      </p:childTnLst>
+                    </p:cTn>
+                  </p:par>
+                  <p:par>
+                    <p:cTn id="37" fill="hold">
+                      <p:stCondLst>
+                        <p:cond delay="indefinite"/>
+                      </p:stCondLst>
+                      <p:childTnLst>
+                        <p:par>
+                          <p:cTn id="38" fill="hold">
+                            <p:stCondLst>
+                              <p:cond delay="0"/>
+                            </p:stCondLst>
+                            <p:childTnLst>
+                              <p:par>
+                                <p:cTn id="39" presetID="1" presetClass="entr" presetSubtype="0" fill="hold" grpId="0" nodeType="clickEffect">
+                                  <p:stCondLst>
+                                    <p:cond delay="0"/>
+                                  </p:stCondLst>
+                                  <p:childTnLst>
+                                    <p:set>
+                                      <p:cBhvr>
+                                        <p:cTn id="40" dur="1" fill="hold">
+                                          <p:stCondLst>
+                                            <p:cond delay="0"/>
+                                          </p:stCondLst>
+                                        </p:cTn>
+                                        <p:tgtEl>
+                                          <p:spTgt spid="26"/>
+                                        </p:tgtEl>
+                                        <p:attrNameLst>
+                                          <p:attrName>style.visibility</p:attrName>
+                                        </p:attrNameLst>
+                                      </p:cBhvr>
+                                      <p:to>
+                                        <p:strVal val="visible"/>
+                                      </p:to>
+                                    </p:set>
+                                  </p:childTnLst>
+                                </p:cTn>
+                              </p:par>
+                            </p:childTnLst>
+                          </p:cTn>
+                        </p:par>
+                      </p:childTnLst>
+                    </p:cTn>
+                  </p:par>
+                  <p:par>
+                    <p:cTn id="41" fill="hold">
+                      <p:stCondLst>
+                        <p:cond delay="indefinite"/>
+                      </p:stCondLst>
+                      <p:childTnLst>
+                        <p:par>
+                          <p:cTn id="42" fill="hold">
+                            <p:stCondLst>
+                              <p:cond delay="0"/>
+                            </p:stCondLst>
+                            <p:childTnLst>
+                              <p:par>
+                                <p:cTn id="43" presetID="10" presetClass="entr" presetSubtype="0" fill="hold" grpId="0" nodeType="clickEffect">
+                                  <p:stCondLst>
+                                    <p:cond delay="0"/>
+                                  </p:stCondLst>
+                                  <p:childTnLst>
+                                    <p:set>
+                                      <p:cBhvr>
+                                        <p:cTn id="44" dur="1" fill="hold">
+                                          <p:stCondLst>
+                                            <p:cond delay="0"/>
+                                          </p:stCondLst>
+                                        </p:cTn>
+                                        <p:tgtEl>
+                                          <p:spTgt spid="24"/>
+                                        </p:tgtEl>
+                                        <p:attrNameLst>
+                                          <p:attrName>style.visibility</p:attrName>
+                                        </p:attrNameLst>
+                                      </p:cBhvr>
+                                      <p:to>
+                                        <p:strVal val="visible"/>
+                                      </p:to>
+                                    </p:set>
+                                    <p:animEffect transition="in" filter="fade">
+                                      <p:cBhvr>
+                                        <p:cTn id="45" dur="500"/>
+                                        <p:tgtEl>
+                                          <p:spTgt spid="24"/>
+                                        </p:tgtEl>
+                                      </p:cBhvr>
+                                    </p:animEffect>
+                                  </p:childTnLst>
+                                </p:cTn>
+                              </p:par>
+                            </p:childTnLst>
+                          </p:cTn>
+                        </p:par>
+                      </p:childTnLst>
+                    </p:cTn>
+                  </p:par>
+                  <p:par>
+                    <p:cTn id="46" fill="hold">
+                      <p:stCondLst>
+                        <p:cond delay="indefinite"/>
+                      </p:stCondLst>
+                      <p:childTnLst>
+                        <p:par>
+                          <p:cTn id="47" fill="hold">
+                            <p:stCondLst>
+                              <p:cond delay="0"/>
+                            </p:stCondLst>
+                            <p:childTnLst>
+                              <p:par>
+                                <p:cTn id="48" presetID="10" presetClass="entr" presetSubtype="0" fill="hold" grpId="0" nodeType="clickEffect">
+                                  <p:stCondLst>
+                                    <p:cond delay="0"/>
+                                  </p:stCondLst>
+                                  <p:childTnLst>
+                                    <p:set>
+                                      <p:cBhvr>
+                                        <p:cTn id="49" dur="1" fill="hold">
+                                          <p:stCondLst>
+                                            <p:cond delay="0"/>
+                                          </p:stCondLst>
+                                        </p:cTn>
+                                        <p:tgtEl>
+                                          <p:spTgt spid="25"/>
+                                        </p:tgtEl>
+                                        <p:attrNameLst>
+                                          <p:attrName>style.visibility</p:attrName>
+                                        </p:attrNameLst>
+                                      </p:cBhvr>
+                                      <p:to>
+                                        <p:strVal val="visible"/>
+                                      </p:to>
+                                    </p:set>
+                                    <p:animEffect transition="in" filter="fade">
+                                      <p:cBhvr>
+                                        <p:cTn id="50" dur="500"/>
+                                        <p:tgtEl>
+                                          <p:spTgt spid="25"/>
+                                        </p:tgtEl>
+                                      </p:cBhvr>
+                                    </p:animEffect>
+                                  </p:childTnLst>
+                                </p:cTn>
+                              </p:par>
+                            </p:childTnLst>
+                          </p:cTn>
+                        </p:par>
+                      </p:childTnLst>
+                    </p:cTn>
+                  </p:par>
+                </p:childTnLst>
+              </p:cTn>
+              <p:prevCondLst>
+                <p:cond evt="onPrev" delay="0">
+                  <p:tgtEl>
+                    <p:sldTgt/>
+                  </p:tgtEl>
+                </p:cond>
+              </p:prevCondLst>
+              <p:nextCondLst>
+                <p:cond evt="onNext" delay="0">
+                  <p:tgtEl>
+                    <p:sldTgt/>
+                  </p:tgtEl>
+                </p:cond>
+              </p:nextCondLst>
+            </p:seq>
+          </p:childTnLst>
+        </p:cTn>
+      </p:par>
+    </p:tnLst>
+    <p:bldLst>
+      <p:bldP spid="10" grpId="0"/>
+      <p:bldP spid="11" grpId="0"/>
+      <p:bldP spid="12" grpId="0"/>
+      <p:bldP spid="21" grpId="0"/>
+      <p:bldP spid="23" grpId="0" animBg="1"/>
+      <p:bldP spid="13" grpId="0"/>
+      <p:bldP spid="24" grpId="0" animBg="1"/>
+      <p:bldP spid="25" grpId="0"/>
+      <p:bldP spid="26" grpId="0"/>
+    </p:bldLst>
+  </p:timing>
+</p:sld>
+</file>
+
+<file path=ppt/slides/slide9.xml><?xml version="1.0" encoding="utf-8"?>
+<p:sld xmlns:a="http://schemas.openxmlformats.org/drawingml/2006/main" xmlns:r="http://schemas.openxmlformats.org/officeDocument/2006/relationships" xmlns:p="http://schemas.openxmlformats.org/presentationml/2006/main">
+  <p:cSld>
+    <p:spTree>
+      <p:nvGrpSpPr>
+        <p:cNvPr id="1" name=""/>
+        <p:cNvGrpSpPr/>
+        <p:nvPr/>
+      </p:nvGrpSpPr>
+      <p:grpSpPr>
+        <a:xfrm>
+          <a:off x="0" y="0"/>
+          <a:ext cx="0" cy="0"/>
+          <a:chOff x="0" y="0"/>
+          <a:chExt cx="0" cy="0"/>
+        </a:xfrm>
+      </p:grpSpPr>
+      <p:sp>
+        <p:nvSpPr>
+          <p:cNvPr id="2" name="Titel 1">
+            <a:extLst>
+              <a:ext uri="{FF2B5EF4-FFF2-40B4-BE49-F238E27FC236}">
+                <a16:creationId xmlns:a16="http://schemas.microsoft.com/office/drawing/2014/main" id="{C1623B69-B1E5-4945-8025-17F175BF05E7}"/>
+              </a:ext>
+            </a:extLst>
+          </p:cNvPr>
+          <p:cNvSpPr>
+            <a:spLocks noGrp="1"/>
+          </p:cNvSpPr>
+          <p:nvPr>
+            <p:ph type="title"/>
+          </p:nvPr>
+        </p:nvSpPr>
+        <p:spPr/>
+        <p:txBody>
+          <a:bodyPr/>
+          <a:lstStyle/>
+          <a:p>
+            <a:r>
+              <a:rPr lang="nl-BE" dirty="0"/>
+              <a:t>Hoe wordt er een rij verwijderd</a:t>
+            </a:r>
+          </a:p>
+        </p:txBody>
+      </p:sp>
+      <p:pic>
+        <p:nvPicPr>
+          <p:cNvPr id="9" name="Tijdelijke aanduiding voor inhoud 8">
+            <a:extLst>
+              <a:ext uri="{FF2B5EF4-FFF2-40B4-BE49-F238E27FC236}">
+                <a16:creationId xmlns:a16="http://schemas.microsoft.com/office/drawing/2014/main" id="{DBEAD7CB-AA03-4A4B-9490-520092C683C3}"/>
+              </a:ext>
+            </a:extLst>
+          </p:cNvPr>
+          <p:cNvPicPr>
+            <a:picLocks noGrp="1" noChangeAspect="1"/>
+          </p:cNvPicPr>
+          <p:nvPr>
+            <p:ph idx="1"/>
+          </p:nvPr>
+        </p:nvPicPr>
+        <p:blipFill>
+          <a:blip r:embed="rId2"/>
+          <a:stretch>
+            <a:fillRect/>
+          </a:stretch>
+        </p:blipFill>
+        <p:spPr>
+          <a:xfrm>
+            <a:off x="2487670" y="1891737"/>
+            <a:ext cx="3097689" cy="3112510"/>
+          </a:xfrm>
+        </p:spPr>
+      </p:pic>
+      <p:sp>
+        <p:nvSpPr>
+          <p:cNvPr id="21" name="Tekstvak 20">
+            <a:extLst>
+              <a:ext uri="{FF2B5EF4-FFF2-40B4-BE49-F238E27FC236}">
+                <a16:creationId xmlns:a16="http://schemas.microsoft.com/office/drawing/2014/main" id="{C0D29DC3-2E82-418C-9491-D657EA9C07F1}"/>
+              </a:ext>
+            </a:extLst>
+          </p:cNvPr>
+          <p:cNvSpPr txBox="1"/>
+          <p:nvPr/>
+        </p:nvSpPr>
+        <p:spPr>
+          <a:xfrm>
+            <a:off x="5934074" y="2794975"/>
+            <a:ext cx="4619625" cy="1200329"/>
+          </a:xfrm>
+          <a:prstGeom prst="rect">
+            <a:avLst/>
+          </a:prstGeom>
+          <a:noFill/>
+        </p:spPr>
+        <p:txBody>
+          <a:bodyPr wrap="square" rtlCol="0">
+            <a:spAutoFit/>
+          </a:bodyPr>
+          <a:lstStyle/>
+          <a:p>
+            <a:r>
+              <a:rPr lang="nl-BE" baseline="30000" dirty="0"/>
+              <a:t>Daarom maken we gebruik van de ‘</a:t>
+            </a:r>
+            <a:r>
+              <a:rPr lang="nl-BE" baseline="30000" dirty="0" err="1"/>
+              <a:t>markdelete</a:t>
+            </a:r>
+            <a:r>
+              <a:rPr lang="nl-BE" baseline="30000" dirty="0"/>
+              <a:t>’</a:t>
+            </a:r>
+            <a:br>
+              <a:rPr lang="nl-BE" baseline="30000" dirty="0"/>
+            </a:br>
+            <a:br>
+              <a:rPr lang="nl-BE" baseline="30000" dirty="0"/>
+            </a:br>
+            <a:r>
+              <a:rPr lang="nl-BE" baseline="30000" dirty="0"/>
+              <a:t>Na elke zet:</a:t>
+            </a:r>
+            <a:br>
+              <a:rPr lang="nl-BE" baseline="30000" dirty="0"/>
+            </a:br>
+            <a:r>
+              <a:rPr lang="nl-BE" baseline="30000" dirty="0"/>
+              <a:t>	</a:t>
+            </a:r>
+            <a:r>
+              <a:rPr lang="nl-BE" baseline="30000" dirty="0" err="1"/>
+              <a:t>loopen</a:t>
+            </a:r>
+            <a:r>
+              <a:rPr lang="nl-BE" baseline="30000" dirty="0"/>
+              <a:t> en markeren</a:t>
+            </a:r>
+            <a:br>
+              <a:rPr lang="nl-BE" baseline="30000" dirty="0"/>
+            </a:br>
+            <a:r>
+              <a:rPr lang="nl-BE" baseline="30000" dirty="0"/>
+              <a:t>	nadien alles verwijderen</a:t>
+            </a:r>
+          </a:p>
+          <a:p>
+            <a:endParaRPr lang="nl-BE" baseline="30000" dirty="0"/>
+          </a:p>
+        </p:txBody>
+      </p:sp>
+      <p:sp>
+        <p:nvSpPr>
+          <p:cNvPr id="23" name="Rechthoek 22">
+            <a:extLst>
+              <a:ext uri="{FF2B5EF4-FFF2-40B4-BE49-F238E27FC236}">
+                <a16:creationId xmlns:a16="http://schemas.microsoft.com/office/drawing/2014/main" id="{124407A0-1FE8-4F47-A48B-A0A2C7AC5179}"/>
+              </a:ext>
+            </a:extLst>
+          </p:cNvPr>
+          <p:cNvSpPr/>
+          <p:nvPr/>
+        </p:nvSpPr>
+        <p:spPr>
+          <a:xfrm>
+            <a:off x="2541278" y="1952234"/>
+            <a:ext cx="603122" cy="588789"/>
+          </a:xfrm>
+          <a:prstGeom prst="rect">
+            <a:avLst/>
+          </a:prstGeom>
+        </p:spPr>
+        <p:style>
+          <a:lnRef idx="2">
+            <a:schemeClr val="accent1">
+              <a:shade val="50000"/>
+            </a:schemeClr>
+          </a:lnRef>
+          <a:fillRef idx="1">
+            <a:schemeClr val="accent1"/>
+          </a:fillRef>
+          <a:effectRef idx="0">
+            <a:schemeClr val="accent1"/>
+          </a:effectRef>
+          <a:fontRef idx="minor">
+            <a:schemeClr val="lt1"/>
+          </a:fontRef>
+        </p:style>
+        <p:txBody>
+          <a:bodyPr rtlCol="0" anchor="ctr"/>
+          <a:lstStyle/>
+          <a:p>
+            <a:pPr algn="ctr"/>
+            <a:endParaRPr lang="nl-BE" dirty="0"/>
+          </a:p>
+        </p:txBody>
+      </p:sp>
+      <p:sp>
+        <p:nvSpPr>
+          <p:cNvPr id="24" name="Rechthoek 23">
+            <a:extLst>
+              <a:ext uri="{FF2B5EF4-FFF2-40B4-BE49-F238E27FC236}">
+                <a16:creationId xmlns:a16="http://schemas.microsoft.com/office/drawing/2014/main" id="{FD612B72-2563-44FE-B20C-5648EC97C36E}"/>
+              </a:ext>
+            </a:extLst>
+          </p:cNvPr>
+          <p:cNvSpPr/>
+          <p:nvPr/>
+        </p:nvSpPr>
+        <p:spPr>
+          <a:xfrm>
+            <a:off x="3144400" y="1955777"/>
+            <a:ext cx="603122" cy="588789"/>
+          </a:xfrm>
+          <a:prstGeom prst="rect">
+            <a:avLst/>
+          </a:prstGeom>
+        </p:spPr>
+        <p:style>
+          <a:lnRef idx="2">
+            <a:schemeClr val="accent1">
+              <a:shade val="50000"/>
+            </a:schemeClr>
+          </a:lnRef>
+          <a:fillRef idx="1">
+            <a:schemeClr val="accent1"/>
+          </a:fillRef>
+          <a:effectRef idx="0">
+            <a:schemeClr val="accent1"/>
+          </a:effectRef>
+          <a:fontRef idx="minor">
+            <a:schemeClr val="lt1"/>
+          </a:fontRef>
+        </p:style>
+        <p:txBody>
+          <a:bodyPr rtlCol="0" anchor="ctr"/>
+          <a:lstStyle/>
+          <a:p>
+            <a:pPr algn="ctr"/>
+            <a:endParaRPr lang="nl-BE" dirty="0"/>
+          </a:p>
+        </p:txBody>
+      </p:sp>
+      <p:sp>
+        <p:nvSpPr>
+          <p:cNvPr id="26" name="Rechthoek 25">
+            <a:extLst>
+              <a:ext uri="{FF2B5EF4-FFF2-40B4-BE49-F238E27FC236}">
+                <a16:creationId xmlns:a16="http://schemas.microsoft.com/office/drawing/2014/main" id="{DD3896CD-AC55-4B11-A42E-73AB15C2912E}"/>
+              </a:ext>
+            </a:extLst>
+          </p:cNvPr>
+          <p:cNvSpPr/>
+          <p:nvPr/>
+        </p:nvSpPr>
+        <p:spPr>
+          <a:xfrm>
+            <a:off x="3734954" y="1952234"/>
+            <a:ext cx="603122" cy="588789"/>
+          </a:xfrm>
+          <a:prstGeom prst="rect">
+            <a:avLst/>
+          </a:prstGeom>
+        </p:spPr>
+        <p:style>
+          <a:lnRef idx="2">
+            <a:schemeClr val="accent1">
+              <a:shade val="50000"/>
+            </a:schemeClr>
+          </a:lnRef>
+          <a:fillRef idx="1">
+            <a:schemeClr val="accent1"/>
+          </a:fillRef>
+          <a:effectRef idx="0">
+            <a:schemeClr val="accent1"/>
+          </a:effectRef>
+          <a:fontRef idx="minor">
+            <a:schemeClr val="lt1"/>
+          </a:fontRef>
+        </p:style>
+        <p:txBody>
+          <a:bodyPr rtlCol="0" anchor="ctr"/>
+          <a:lstStyle/>
+          <a:p>
+            <a:pPr algn="ctr"/>
+            <a:endParaRPr lang="nl-BE" dirty="0"/>
+          </a:p>
+        </p:txBody>
+      </p:sp>
+      <p:sp>
+        <p:nvSpPr>
+          <p:cNvPr id="27" name="Rechthoek 26">
+            <a:extLst>
+              <a:ext uri="{FF2B5EF4-FFF2-40B4-BE49-F238E27FC236}">
+                <a16:creationId xmlns:a16="http://schemas.microsoft.com/office/drawing/2014/main" id="{9DD8264A-413D-4369-AD3E-BC872EF7B127}"/>
+              </a:ext>
+            </a:extLst>
+          </p:cNvPr>
+          <p:cNvSpPr/>
+          <p:nvPr/>
+        </p:nvSpPr>
+        <p:spPr>
+          <a:xfrm>
+            <a:off x="4338076" y="1955777"/>
+            <a:ext cx="603122" cy="588789"/>
+          </a:xfrm>
+          <a:prstGeom prst="rect">
+            <a:avLst/>
+          </a:prstGeom>
+        </p:spPr>
+        <p:style>
+          <a:lnRef idx="2">
+            <a:schemeClr val="accent1">
+              <a:shade val="50000"/>
+            </a:schemeClr>
+          </a:lnRef>
+          <a:fillRef idx="1">
+            <a:schemeClr val="accent1"/>
+          </a:fillRef>
+          <a:effectRef idx="0">
+            <a:schemeClr val="accent1"/>
+          </a:effectRef>
+          <a:fontRef idx="minor">
+            <a:schemeClr val="lt1"/>
+          </a:fontRef>
+        </p:style>
+        <p:txBody>
+          <a:bodyPr rtlCol="0" anchor="ctr"/>
+          <a:lstStyle/>
+          <a:p>
+            <a:pPr algn="ctr"/>
+            <a:endParaRPr lang="nl-BE" dirty="0"/>
+          </a:p>
+        </p:txBody>
+      </p:sp>
+      <p:sp>
+        <p:nvSpPr>
+          <p:cNvPr id="28" name="Rechthoek 27">
+            <a:extLst>
+              <a:ext uri="{FF2B5EF4-FFF2-40B4-BE49-F238E27FC236}">
+                <a16:creationId xmlns:a16="http://schemas.microsoft.com/office/drawing/2014/main" id="{54D28FA7-79BA-4C79-ACF9-A4B2BB612DDE}"/>
+              </a:ext>
+            </a:extLst>
+          </p:cNvPr>
+          <p:cNvSpPr/>
+          <p:nvPr/>
+        </p:nvSpPr>
+        <p:spPr>
+          <a:xfrm>
+            <a:off x="4288542" y="2541022"/>
+            <a:ext cx="603122" cy="588789"/>
+          </a:xfrm>
+          <a:prstGeom prst="rect">
+            <a:avLst/>
+          </a:prstGeom>
+        </p:spPr>
+        <p:style>
+          <a:lnRef idx="2">
+            <a:schemeClr val="accent1">
+              <a:shade val="50000"/>
+            </a:schemeClr>
+          </a:lnRef>
+          <a:fillRef idx="1">
+            <a:schemeClr val="accent1"/>
+          </a:fillRef>
+          <a:effectRef idx="0">
+            <a:schemeClr val="accent1"/>
+          </a:effectRef>
+          <a:fontRef idx="minor">
+            <a:schemeClr val="lt1"/>
+          </a:fontRef>
+        </p:style>
+        <p:txBody>
+          <a:bodyPr rtlCol="0" anchor="ctr"/>
+          <a:lstStyle/>
+          <a:p>
+            <a:pPr algn="ctr"/>
+            <a:endParaRPr lang="nl-BE" dirty="0"/>
+          </a:p>
+        </p:txBody>
+      </p:sp>
+      <p:sp>
+        <p:nvSpPr>
+          <p:cNvPr id="29" name="Rechthoek 28">
+            <a:extLst>
+              <a:ext uri="{FF2B5EF4-FFF2-40B4-BE49-F238E27FC236}">
+                <a16:creationId xmlns:a16="http://schemas.microsoft.com/office/drawing/2014/main" id="{E2E7FF0A-C6D9-4FE2-9CB5-D4CF4144FA43}"/>
+              </a:ext>
+            </a:extLst>
+          </p:cNvPr>
+          <p:cNvSpPr/>
+          <p:nvPr/>
+        </p:nvSpPr>
+        <p:spPr>
+          <a:xfrm>
+            <a:off x="4879096" y="1952234"/>
+            <a:ext cx="603122" cy="588789"/>
+          </a:xfrm>
+          <a:prstGeom prst="rect">
+            <a:avLst/>
+          </a:prstGeom>
+        </p:spPr>
+        <p:style>
+          <a:lnRef idx="2">
+            <a:schemeClr val="accent1">
+              <a:shade val="50000"/>
+            </a:schemeClr>
+          </a:lnRef>
+          <a:fillRef idx="1">
+            <a:schemeClr val="accent1"/>
+          </a:fillRef>
+          <a:effectRef idx="0">
+            <a:schemeClr val="accent1"/>
+          </a:effectRef>
+          <a:fontRef idx="minor">
+            <a:schemeClr val="lt1"/>
+          </a:fontRef>
+        </p:style>
+        <p:txBody>
+          <a:bodyPr rtlCol="0" anchor="ctr"/>
+          <a:lstStyle/>
+          <a:p>
+            <a:pPr algn="ctr"/>
+            <a:endParaRPr lang="nl-BE" dirty="0"/>
+          </a:p>
+        </p:txBody>
+      </p:sp>
+      <p:sp>
+        <p:nvSpPr>
+          <p:cNvPr id="30" name="Rechthoek 29">
+            <a:extLst>
+              <a:ext uri="{FF2B5EF4-FFF2-40B4-BE49-F238E27FC236}">
+                <a16:creationId xmlns:a16="http://schemas.microsoft.com/office/drawing/2014/main" id="{FC8C5F56-9C51-4A8F-90D6-FD3476AC3FFB}"/>
+              </a:ext>
+            </a:extLst>
+          </p:cNvPr>
+          <p:cNvSpPr/>
+          <p:nvPr/>
+        </p:nvSpPr>
+        <p:spPr>
+          <a:xfrm>
+            <a:off x="4275974" y="3735608"/>
+            <a:ext cx="603122" cy="588789"/>
+          </a:xfrm>
+          <a:prstGeom prst="rect">
+            <a:avLst/>
+          </a:prstGeom>
+        </p:spPr>
+        <p:style>
+          <a:lnRef idx="2">
+            <a:schemeClr val="accent1">
+              <a:shade val="50000"/>
+            </a:schemeClr>
+          </a:lnRef>
+          <a:fillRef idx="1">
+            <a:schemeClr val="accent1"/>
+          </a:fillRef>
+          <a:effectRef idx="0">
+            <a:schemeClr val="accent1"/>
+          </a:effectRef>
+          <a:fontRef idx="minor">
+            <a:schemeClr val="lt1"/>
+          </a:fontRef>
+        </p:style>
+        <p:txBody>
+          <a:bodyPr rtlCol="0" anchor="ctr"/>
+          <a:lstStyle/>
+          <a:p>
+            <a:pPr algn="ctr"/>
+            <a:endParaRPr lang="nl-BE" dirty="0"/>
+          </a:p>
+        </p:txBody>
+      </p:sp>
+      <p:sp>
+        <p:nvSpPr>
+          <p:cNvPr id="31" name="Rechthoek 30">
+            <a:extLst>
+              <a:ext uri="{FF2B5EF4-FFF2-40B4-BE49-F238E27FC236}">
+                <a16:creationId xmlns:a16="http://schemas.microsoft.com/office/drawing/2014/main" id="{00D08F46-F9C4-4550-A5A8-E5C2F8CE6210}"/>
+              </a:ext>
+            </a:extLst>
+          </p:cNvPr>
+          <p:cNvSpPr/>
+          <p:nvPr/>
+        </p:nvSpPr>
+        <p:spPr>
+          <a:xfrm>
+            <a:off x="4275974" y="3141633"/>
+            <a:ext cx="603122" cy="588789"/>
+          </a:xfrm>
+          <a:prstGeom prst="rect">
+            <a:avLst/>
+          </a:prstGeom>
+        </p:spPr>
+        <p:style>
+          <a:lnRef idx="2">
+            <a:schemeClr val="accent1">
+              <a:shade val="50000"/>
+            </a:schemeClr>
+          </a:lnRef>
+          <a:fillRef idx="1">
+            <a:schemeClr val="accent1"/>
+          </a:fillRef>
+          <a:effectRef idx="0">
+            <a:schemeClr val="accent1"/>
+          </a:effectRef>
+          <a:fontRef idx="minor">
+            <a:schemeClr val="lt1"/>
+          </a:fontRef>
+        </p:style>
+        <p:txBody>
+          <a:bodyPr rtlCol="0" anchor="ctr"/>
+          <a:lstStyle/>
+          <a:p>
+            <a:pPr algn="ctr"/>
+            <a:endParaRPr lang="nl-BE" dirty="0"/>
+          </a:p>
+        </p:txBody>
+      </p:sp>
+      <p:sp>
+        <p:nvSpPr>
+          <p:cNvPr id="33" name="Rechthoek 32">
+            <a:extLst>
+              <a:ext uri="{FF2B5EF4-FFF2-40B4-BE49-F238E27FC236}">
+                <a16:creationId xmlns:a16="http://schemas.microsoft.com/office/drawing/2014/main" id="{F9D9A6C1-2F02-4714-B88E-53BE808B3A93}"/>
+              </a:ext>
+            </a:extLst>
+          </p:cNvPr>
+          <p:cNvSpPr/>
+          <p:nvPr/>
+        </p:nvSpPr>
+        <p:spPr>
+          <a:xfrm>
+            <a:off x="4275974" y="4329387"/>
+            <a:ext cx="603122" cy="588789"/>
+          </a:xfrm>
+          <a:prstGeom prst="rect">
+            <a:avLst/>
+          </a:prstGeom>
+        </p:spPr>
+        <p:style>
+          <a:lnRef idx="2">
+            <a:schemeClr val="accent1">
+              <a:shade val="50000"/>
+            </a:schemeClr>
+          </a:lnRef>
+          <a:fillRef idx="1">
+            <a:schemeClr val="accent1"/>
+          </a:fillRef>
+          <a:effectRef idx="0">
+            <a:schemeClr val="accent1"/>
+          </a:effectRef>
+          <a:fontRef idx="minor">
+            <a:schemeClr val="lt1"/>
+          </a:fontRef>
+        </p:style>
+        <p:txBody>
+          <a:bodyPr rtlCol="0" anchor="ctr"/>
+          <a:lstStyle/>
+          <a:p>
+            <a:pPr algn="ctr"/>
+            <a:endParaRPr lang="nl-BE" dirty="0"/>
+          </a:p>
+        </p:txBody>
+      </p:sp>
+      <p:sp>
+        <p:nvSpPr>
+          <p:cNvPr id="3" name="Tekstvak 2">
+            <a:extLst>
+              <a:ext uri="{FF2B5EF4-FFF2-40B4-BE49-F238E27FC236}">
+                <a16:creationId xmlns:a16="http://schemas.microsoft.com/office/drawing/2014/main" id="{D3EAE5CA-E6C8-40D1-B091-B281648BAB4C}"/>
+              </a:ext>
+            </a:extLst>
+          </p:cNvPr>
+          <p:cNvSpPr txBox="1"/>
+          <p:nvPr/>
+        </p:nvSpPr>
+        <p:spPr>
+          <a:xfrm>
+            <a:off x="6000750" y="1891737"/>
+            <a:ext cx="3562350" cy="646331"/>
+          </a:xfrm>
+          <a:prstGeom prst="rect">
+            <a:avLst/>
+          </a:prstGeom>
+          <a:noFill/>
+        </p:spPr>
+        <p:txBody>
+          <a:bodyPr wrap="square" rtlCol="0">
+            <a:spAutoFit/>
+          </a:bodyPr>
+          <a:lstStyle/>
+          <a:p>
+            <a:r>
+              <a:rPr lang="nl-BE" dirty="0"/>
+              <a:t>Gewoon </a:t>
+            </a:r>
+            <a:r>
+              <a:rPr lang="nl-BE" dirty="0" err="1"/>
+              <a:t>loopen</a:t>
+            </a:r>
+            <a:br>
+              <a:rPr lang="nl-BE" dirty="0"/>
+            </a:br>
+            <a:r>
+              <a:rPr lang="nl-BE" dirty="0"/>
+              <a:t>	Wat gebeurd er ?</a:t>
+            </a:r>
+          </a:p>
+        </p:txBody>
+      </p:sp>
+      <p:sp>
+        <p:nvSpPr>
+          <p:cNvPr id="4" name="Rechthoek 3">
+            <a:extLst>
+              <a:ext uri="{FF2B5EF4-FFF2-40B4-BE49-F238E27FC236}">
+                <a16:creationId xmlns:a16="http://schemas.microsoft.com/office/drawing/2014/main" id="{E81AC488-25E0-4DC4-9BBF-E4E7D7DECCEE}"/>
+              </a:ext>
+            </a:extLst>
+          </p:cNvPr>
+          <p:cNvSpPr/>
+          <p:nvPr/>
+        </p:nvSpPr>
+        <p:spPr>
+          <a:xfrm>
+            <a:off x="2541277" y="1952234"/>
+            <a:ext cx="2940941" cy="592332"/>
+          </a:xfrm>
+          <a:prstGeom prst="rect">
+            <a:avLst/>
+          </a:prstGeom>
+          <a:noFill/>
+          <a:ln w="57150">
+            <a:solidFill>
+              <a:srgbClr val="00B050"/>
+            </a:solidFill>
+          </a:ln>
+        </p:spPr>
+        <p:style>
+          <a:lnRef idx="2">
+            <a:schemeClr val="accent1">
+              <a:shade val="50000"/>
+            </a:schemeClr>
+          </a:lnRef>
+          <a:fillRef idx="1">
+            <a:schemeClr val="accent1"/>
+          </a:fillRef>
+          <a:effectRef idx="0">
+            <a:schemeClr val="accent1"/>
+          </a:effectRef>
+          <a:fontRef idx="minor">
+            <a:schemeClr val="lt1"/>
+          </a:fontRef>
+        </p:style>
+        <p:txBody>
+          <a:bodyPr rtlCol="0" anchor="ctr"/>
+          <a:lstStyle/>
+          <a:p>
+            <a:pPr algn="ctr"/>
+            <a:endParaRPr lang="nl-BE">
+              <a:noFill/>
+            </a:endParaRPr>
+          </a:p>
+        </p:txBody>
+      </p:sp>
+      <p:grpSp>
+        <p:nvGrpSpPr>
+          <p:cNvPr id="6" name="Groep 5">
+            <a:extLst>
+              <a:ext uri="{FF2B5EF4-FFF2-40B4-BE49-F238E27FC236}">
+                <a16:creationId xmlns:a16="http://schemas.microsoft.com/office/drawing/2014/main" id="{98B26CC7-95F2-4F7B-85CB-BCD306E7E02B}"/>
+              </a:ext>
+            </a:extLst>
+          </p:cNvPr>
+          <p:cNvGrpSpPr/>
+          <p:nvPr/>
+        </p:nvGrpSpPr>
+        <p:grpSpPr>
+          <a:xfrm>
+            <a:off x="2664429" y="2008149"/>
+            <a:ext cx="2724466" cy="2769543"/>
+            <a:chOff x="2664429" y="2008149"/>
+            <a:chExt cx="2724466" cy="2769543"/>
+          </a:xfrm>
+        </p:grpSpPr>
+        <p:sp>
+          <p:nvSpPr>
+            <p:cNvPr id="5" name="Plusteken 4">
+              <a:extLst>
+                <a:ext uri="{FF2B5EF4-FFF2-40B4-BE49-F238E27FC236}">
+                  <a16:creationId xmlns:a16="http://schemas.microsoft.com/office/drawing/2014/main" id="{8457D94E-67EC-45EE-8C81-44E2EC6CEC32}"/>
+                </a:ext>
+              </a:extLst>
+            </p:cNvPr>
+            <p:cNvSpPr/>
+            <p:nvPr/>
+          </p:nvSpPr>
+          <p:spPr>
+            <a:xfrm rot="19275983">
+              <a:off x="2664429" y="2008149"/>
+              <a:ext cx="400050" cy="381000"/>
+            </a:xfrm>
+            <a:prstGeom prst="mathPlus">
+              <a:avLst/>
+            </a:prstGeom>
+            <a:solidFill>
+              <a:srgbClr val="00B050"/>
+            </a:solidFill>
+            <a:ln>
+              <a:solidFill>
+                <a:srgbClr val="00B050"/>
+              </a:solidFill>
+            </a:ln>
+          </p:spPr>
+          <p:style>
+            <a:lnRef idx="2">
+              <a:schemeClr val="accent1">
+                <a:shade val="50000"/>
+              </a:schemeClr>
+            </a:lnRef>
+            <a:fillRef idx="1">
+              <a:schemeClr val="accent1"/>
+            </a:fillRef>
+            <a:effectRef idx="0">
+              <a:schemeClr val="accent1"/>
+            </a:effectRef>
+            <a:fontRef idx="minor">
+              <a:schemeClr val="lt1"/>
+            </a:fontRef>
+          </p:style>
+          <p:txBody>
+            <a:bodyPr rtlCol="0" anchor="ctr"/>
+            <a:lstStyle/>
+            <a:p>
+              <a:pPr algn="ctr"/>
+              <a:endParaRPr lang="nl-BE"/>
+            </a:p>
+          </p:txBody>
+        </p:sp>
+        <p:sp>
+          <p:nvSpPr>
+            <p:cNvPr id="34" name="Plusteken 33">
+              <a:extLst>
+                <a:ext uri="{FF2B5EF4-FFF2-40B4-BE49-F238E27FC236}">
+                  <a16:creationId xmlns:a16="http://schemas.microsoft.com/office/drawing/2014/main" id="{46A53624-E58F-4F9A-932A-2C3B09BA7FBC}"/>
+                </a:ext>
+              </a:extLst>
+            </p:cNvPr>
+            <p:cNvSpPr/>
+            <p:nvPr/>
+          </p:nvSpPr>
+          <p:spPr>
+            <a:xfrm rot="19275983">
+              <a:off x="3216583" y="2046132"/>
+              <a:ext cx="400050" cy="381000"/>
+            </a:xfrm>
+            <a:prstGeom prst="mathPlus">
+              <a:avLst/>
+            </a:prstGeom>
+            <a:solidFill>
+              <a:srgbClr val="00B050"/>
+            </a:solidFill>
+            <a:ln>
+              <a:solidFill>
+                <a:srgbClr val="00B050"/>
+              </a:solidFill>
+            </a:ln>
+          </p:spPr>
+          <p:style>
+            <a:lnRef idx="2">
+              <a:schemeClr val="accent1">
+                <a:shade val="50000"/>
+              </a:schemeClr>
+            </a:lnRef>
+            <a:fillRef idx="1">
+              <a:schemeClr val="accent1"/>
+            </a:fillRef>
+            <a:effectRef idx="0">
+              <a:schemeClr val="accent1"/>
+            </a:effectRef>
+            <a:fontRef idx="minor">
+              <a:schemeClr val="lt1"/>
+            </a:fontRef>
+          </p:style>
+          <p:txBody>
+            <a:bodyPr rtlCol="0" anchor="ctr"/>
+            <a:lstStyle/>
+            <a:p>
+              <a:pPr algn="ctr"/>
+              <a:endParaRPr lang="nl-BE"/>
+            </a:p>
+          </p:txBody>
+        </p:sp>
+        <p:sp>
+          <p:nvSpPr>
+            <p:cNvPr id="35" name="Plusteken 34">
+              <a:extLst>
+                <a:ext uri="{FF2B5EF4-FFF2-40B4-BE49-F238E27FC236}">
+                  <a16:creationId xmlns:a16="http://schemas.microsoft.com/office/drawing/2014/main" id="{3C095AB4-5C9C-4D3B-970B-5BD4A908231A}"/>
+                </a:ext>
+              </a:extLst>
+            </p:cNvPr>
+            <p:cNvSpPr/>
+            <p:nvPr/>
+          </p:nvSpPr>
+          <p:spPr>
+            <a:xfrm rot="19275983">
+              <a:off x="3825856" y="2071578"/>
+              <a:ext cx="400050" cy="381000"/>
+            </a:xfrm>
+            <a:prstGeom prst="mathPlus">
+              <a:avLst/>
+            </a:prstGeom>
+            <a:solidFill>
+              <a:srgbClr val="00B050"/>
+            </a:solidFill>
+            <a:ln>
+              <a:solidFill>
+                <a:srgbClr val="00B050"/>
+              </a:solidFill>
+            </a:ln>
+          </p:spPr>
+          <p:style>
+            <a:lnRef idx="2">
+              <a:schemeClr val="accent1">
+                <a:shade val="50000"/>
+              </a:schemeClr>
+            </a:lnRef>
+            <a:fillRef idx="1">
+              <a:schemeClr val="accent1"/>
+            </a:fillRef>
+            <a:effectRef idx="0">
+              <a:schemeClr val="accent1"/>
+            </a:effectRef>
+            <a:fontRef idx="minor">
+              <a:schemeClr val="lt1"/>
+            </a:fontRef>
+          </p:style>
+          <p:txBody>
+            <a:bodyPr rtlCol="0" anchor="ctr"/>
+            <a:lstStyle/>
+            <a:p>
+              <a:pPr algn="ctr"/>
+              <a:endParaRPr lang="nl-BE"/>
+            </a:p>
+          </p:txBody>
+        </p:sp>
+        <p:sp>
+          <p:nvSpPr>
+            <p:cNvPr id="36" name="Plusteken 35">
+              <a:extLst>
+                <a:ext uri="{FF2B5EF4-FFF2-40B4-BE49-F238E27FC236}">
+                  <a16:creationId xmlns:a16="http://schemas.microsoft.com/office/drawing/2014/main" id="{C86C3311-DD5D-4902-9173-F35A399DFEED}"/>
+                </a:ext>
+              </a:extLst>
+            </p:cNvPr>
+            <p:cNvSpPr/>
+            <p:nvPr/>
+          </p:nvSpPr>
+          <p:spPr>
+            <a:xfrm rot="19275983">
+              <a:off x="4377038" y="2056129"/>
+              <a:ext cx="400050" cy="381000"/>
+            </a:xfrm>
+            <a:prstGeom prst="mathPlus">
+              <a:avLst/>
+            </a:prstGeom>
+            <a:solidFill>
+              <a:srgbClr val="00B050"/>
+            </a:solidFill>
+            <a:ln>
+              <a:solidFill>
+                <a:srgbClr val="00B050"/>
+              </a:solidFill>
+            </a:ln>
+          </p:spPr>
+          <p:style>
+            <a:lnRef idx="2">
+              <a:schemeClr val="accent1">
+                <a:shade val="50000"/>
+              </a:schemeClr>
+            </a:lnRef>
+            <a:fillRef idx="1">
+              <a:schemeClr val="accent1"/>
+            </a:fillRef>
+            <a:effectRef idx="0">
+              <a:schemeClr val="accent1"/>
+            </a:effectRef>
+            <a:fontRef idx="minor">
+              <a:schemeClr val="lt1"/>
+            </a:fontRef>
+          </p:style>
+          <p:txBody>
+            <a:bodyPr rtlCol="0" anchor="ctr"/>
+            <a:lstStyle/>
+            <a:p>
+              <a:pPr algn="ctr"/>
+              <a:endParaRPr lang="nl-BE"/>
+            </a:p>
+          </p:txBody>
+        </p:sp>
+        <p:sp>
+          <p:nvSpPr>
+            <p:cNvPr id="37" name="Plusteken 36">
+              <a:extLst>
+                <a:ext uri="{FF2B5EF4-FFF2-40B4-BE49-F238E27FC236}">
+                  <a16:creationId xmlns:a16="http://schemas.microsoft.com/office/drawing/2014/main" id="{0C7413BD-C01D-4C7B-B978-798FC1D05503}"/>
+                </a:ext>
+              </a:extLst>
+            </p:cNvPr>
+            <p:cNvSpPr/>
+            <p:nvPr/>
+          </p:nvSpPr>
+          <p:spPr>
+            <a:xfrm rot="19275983">
+              <a:off x="4988845" y="2056127"/>
+              <a:ext cx="400050" cy="381000"/>
+            </a:xfrm>
+            <a:prstGeom prst="mathPlus">
+              <a:avLst/>
+            </a:prstGeom>
+            <a:solidFill>
+              <a:srgbClr val="00B050"/>
+            </a:solidFill>
+            <a:ln>
+              <a:solidFill>
+                <a:srgbClr val="00B050"/>
+              </a:solidFill>
+            </a:ln>
+          </p:spPr>
+          <p:style>
+            <a:lnRef idx="2">
+              <a:schemeClr val="accent1">
+                <a:shade val="50000"/>
+              </a:schemeClr>
+            </a:lnRef>
+            <a:fillRef idx="1">
+              <a:schemeClr val="accent1"/>
+            </a:fillRef>
+            <a:effectRef idx="0">
+              <a:schemeClr val="accent1"/>
+            </a:effectRef>
+            <a:fontRef idx="minor">
+              <a:schemeClr val="lt1"/>
+            </a:fontRef>
+          </p:style>
+          <p:txBody>
+            <a:bodyPr rtlCol="0" anchor="ctr"/>
+            <a:lstStyle/>
+            <a:p>
+              <a:pPr algn="ctr"/>
+              <a:endParaRPr lang="nl-BE"/>
+            </a:p>
+          </p:txBody>
+        </p:sp>
+        <p:sp>
+          <p:nvSpPr>
+            <p:cNvPr id="38" name="Plusteken 37">
+              <a:extLst>
+                <a:ext uri="{FF2B5EF4-FFF2-40B4-BE49-F238E27FC236}">
+                  <a16:creationId xmlns:a16="http://schemas.microsoft.com/office/drawing/2014/main" id="{9AD30B6F-5315-40EB-B043-3C6B22CD4D40}"/>
+                </a:ext>
+              </a:extLst>
+            </p:cNvPr>
+            <p:cNvSpPr/>
+            <p:nvPr/>
+          </p:nvSpPr>
+          <p:spPr>
+            <a:xfrm rot="19275983">
+              <a:off x="4365074" y="2636652"/>
+              <a:ext cx="400050" cy="381000"/>
+            </a:xfrm>
+            <a:prstGeom prst="mathPlus">
+              <a:avLst/>
+            </a:prstGeom>
+            <a:solidFill>
+              <a:srgbClr val="00B050"/>
+            </a:solidFill>
+            <a:ln>
+              <a:solidFill>
+                <a:srgbClr val="00B050"/>
+              </a:solidFill>
+            </a:ln>
+          </p:spPr>
+          <p:style>
+            <a:lnRef idx="2">
+              <a:schemeClr val="accent1">
+                <a:shade val="50000"/>
+              </a:schemeClr>
+            </a:lnRef>
+            <a:fillRef idx="1">
+              <a:schemeClr val="accent1"/>
+            </a:fillRef>
+            <a:effectRef idx="0">
+              <a:schemeClr val="accent1"/>
+            </a:effectRef>
+            <a:fontRef idx="minor">
+              <a:schemeClr val="lt1"/>
+            </a:fontRef>
+          </p:style>
+          <p:txBody>
+            <a:bodyPr rtlCol="0" anchor="ctr"/>
+            <a:lstStyle/>
+            <a:p>
+              <a:pPr algn="ctr"/>
+              <a:endParaRPr lang="nl-BE"/>
+            </a:p>
+          </p:txBody>
+        </p:sp>
+        <p:sp>
+          <p:nvSpPr>
+            <p:cNvPr id="39" name="Plusteken 38">
+              <a:extLst>
+                <a:ext uri="{FF2B5EF4-FFF2-40B4-BE49-F238E27FC236}">
+                  <a16:creationId xmlns:a16="http://schemas.microsoft.com/office/drawing/2014/main" id="{1F0548AE-B49F-4501-B01B-2F67FC923B82}"/>
+                </a:ext>
+              </a:extLst>
+            </p:cNvPr>
+            <p:cNvSpPr/>
+            <p:nvPr/>
+          </p:nvSpPr>
+          <p:spPr>
+            <a:xfrm rot="19275983">
+              <a:off x="4336311" y="3238500"/>
+              <a:ext cx="400050" cy="381000"/>
+            </a:xfrm>
+            <a:prstGeom prst="mathPlus">
+              <a:avLst/>
+            </a:prstGeom>
+            <a:solidFill>
+              <a:srgbClr val="00B050"/>
+            </a:solidFill>
+            <a:ln>
+              <a:solidFill>
+                <a:srgbClr val="00B050"/>
+              </a:solidFill>
+            </a:ln>
+          </p:spPr>
+          <p:style>
+            <a:lnRef idx="2">
+              <a:schemeClr val="accent1">
+                <a:shade val="50000"/>
+              </a:schemeClr>
+            </a:lnRef>
+            <a:fillRef idx="1">
+              <a:schemeClr val="accent1"/>
+            </a:fillRef>
+            <a:effectRef idx="0">
+              <a:schemeClr val="accent1"/>
+            </a:effectRef>
+            <a:fontRef idx="minor">
+              <a:schemeClr val="lt1"/>
+            </a:fontRef>
+          </p:style>
+          <p:txBody>
+            <a:bodyPr rtlCol="0" anchor="ctr"/>
+            <a:lstStyle/>
+            <a:p>
+              <a:pPr algn="ctr"/>
+              <a:endParaRPr lang="nl-BE"/>
+            </a:p>
+          </p:txBody>
+        </p:sp>
+        <p:sp>
+          <p:nvSpPr>
+            <p:cNvPr id="40" name="Plusteken 39">
+              <a:extLst>
+                <a:ext uri="{FF2B5EF4-FFF2-40B4-BE49-F238E27FC236}">
+                  <a16:creationId xmlns:a16="http://schemas.microsoft.com/office/drawing/2014/main" id="{13063B3B-B9C2-4805-BBC5-B3AF05413035}"/>
+                </a:ext>
+              </a:extLst>
+            </p:cNvPr>
+            <p:cNvSpPr/>
+            <p:nvPr/>
+          </p:nvSpPr>
+          <p:spPr>
+            <a:xfrm rot="19275983">
+              <a:off x="4337875" y="3860140"/>
+              <a:ext cx="400050" cy="381000"/>
+            </a:xfrm>
+            <a:prstGeom prst="mathPlus">
+              <a:avLst/>
+            </a:prstGeom>
+            <a:solidFill>
+              <a:srgbClr val="00B050"/>
+            </a:solidFill>
+            <a:ln>
+              <a:solidFill>
+                <a:srgbClr val="00B050"/>
+              </a:solidFill>
+            </a:ln>
+          </p:spPr>
+          <p:style>
+            <a:lnRef idx="2">
+              <a:schemeClr val="accent1">
+                <a:shade val="50000"/>
+              </a:schemeClr>
+            </a:lnRef>
+            <a:fillRef idx="1">
+              <a:schemeClr val="accent1"/>
+            </a:fillRef>
+            <a:effectRef idx="0">
+              <a:schemeClr val="accent1"/>
+            </a:effectRef>
+            <a:fontRef idx="minor">
+              <a:schemeClr val="lt1"/>
+            </a:fontRef>
+          </p:style>
+          <p:txBody>
+            <a:bodyPr rtlCol="0" anchor="ctr"/>
+            <a:lstStyle/>
+            <a:p>
+              <a:pPr algn="ctr"/>
+              <a:endParaRPr lang="nl-BE"/>
+            </a:p>
+          </p:txBody>
+        </p:sp>
+        <p:sp>
+          <p:nvSpPr>
+            <p:cNvPr id="41" name="Plusteken 40">
+              <a:extLst>
+                <a:ext uri="{FF2B5EF4-FFF2-40B4-BE49-F238E27FC236}">
+                  <a16:creationId xmlns:a16="http://schemas.microsoft.com/office/drawing/2014/main" id="{18DE1794-933F-48D7-85E0-45806DC2A647}"/>
+                </a:ext>
+              </a:extLst>
+            </p:cNvPr>
+            <p:cNvSpPr/>
+            <p:nvPr/>
+          </p:nvSpPr>
+          <p:spPr>
+            <a:xfrm rot="19275983">
+              <a:off x="4359886" y="4396692"/>
+              <a:ext cx="400050" cy="381000"/>
+            </a:xfrm>
+            <a:prstGeom prst="mathPlus">
+              <a:avLst/>
+            </a:prstGeom>
+            <a:solidFill>
+              <a:srgbClr val="00B050"/>
+            </a:solidFill>
+            <a:ln>
+              <a:solidFill>
+                <a:srgbClr val="00B050"/>
+              </a:solidFill>
+            </a:ln>
+          </p:spPr>
+          <p:style>
+            <a:lnRef idx="2">
+              <a:schemeClr val="accent1">
+                <a:shade val="50000"/>
+              </a:schemeClr>
+            </a:lnRef>
+            <a:fillRef idx="1">
+              <a:schemeClr val="accent1"/>
+            </a:fillRef>
+            <a:effectRef idx="0">
+              <a:schemeClr val="accent1"/>
+            </a:effectRef>
+            <a:fontRef idx="minor">
+              <a:schemeClr val="lt1"/>
+            </a:fontRef>
+          </p:style>
+          <p:txBody>
+            <a:bodyPr rtlCol="0" anchor="ctr"/>
+            <a:lstStyle/>
+            <a:p>
+              <a:pPr algn="ctr"/>
+              <a:endParaRPr lang="nl-BE"/>
+            </a:p>
+          </p:txBody>
+        </p:sp>
+      </p:grpSp>
+      <p:sp>
+        <p:nvSpPr>
+          <p:cNvPr id="42" name="Plusteken 41">
+            <a:extLst>
+              <a:ext uri="{FF2B5EF4-FFF2-40B4-BE49-F238E27FC236}">
+                <a16:creationId xmlns:a16="http://schemas.microsoft.com/office/drawing/2014/main" id="{B3989589-A1B1-48D4-8504-FF56E6B4AD99}"/>
+              </a:ext>
+            </a:extLst>
+          </p:cNvPr>
+          <p:cNvSpPr/>
+          <p:nvPr/>
+        </p:nvSpPr>
+        <p:spPr>
+          <a:xfrm rot="19275983">
+            <a:off x="6008710" y="3312624"/>
+            <a:ext cx="400050" cy="381000"/>
+          </a:xfrm>
+          <a:prstGeom prst="mathPlus">
+            <a:avLst/>
+          </a:prstGeom>
+          <a:solidFill>
+            <a:srgbClr val="00B050"/>
+          </a:solidFill>
+          <a:ln>
+            <a:solidFill>
+              <a:srgbClr val="00B050"/>
+            </a:solidFill>
+          </a:ln>
+        </p:spPr>
+        <p:style>
+          <a:lnRef idx="2">
+            <a:schemeClr val="accent1">
+              <a:shade val="50000"/>
+            </a:schemeClr>
+          </a:lnRef>
+          <a:fillRef idx="1">
+            <a:schemeClr val="accent1"/>
+          </a:fillRef>
+          <a:effectRef idx="0">
+            <a:schemeClr val="accent1"/>
+          </a:effectRef>
+          <a:fontRef idx="minor">
+            <a:schemeClr val="lt1"/>
+          </a:fontRef>
+        </p:style>
+        <p:txBody>
+          <a:bodyPr rtlCol="0" anchor="ctr"/>
+          <a:lstStyle/>
+          <a:p>
+            <a:pPr algn="ctr"/>
+            <a:endParaRPr lang="nl-BE"/>
+          </a:p>
+        </p:txBody>
+      </p:sp>
+    </p:spTree>
+    <p:extLst>
+      <p:ext uri="{BB962C8B-B14F-4D97-AF65-F5344CB8AC3E}">
+        <p14:creationId xmlns:p14="http://schemas.microsoft.com/office/powerpoint/2010/main" val="333679769"/>
+      </p:ext>
+    </p:extLst>
+  </p:cSld>
+  <p:clrMapOvr>
+    <a:masterClrMapping/>
+  </p:clrMapOvr>
+  <p:timing>
+    <p:tnLst>
+      <p:par>
+        <p:cTn id="1" dur="indefinite" restart="never" nodeType="tmRoot">
+          <p:childTnLst>
+            <p:seq concurrent="1" nextAc="seek">
+              <p:cTn id="2" dur="indefinite" nodeType="mainSeq">
+                <p:childTnLst>
+                  <p:par>
+                    <p:cTn id="3" fill="hold">
+                      <p:stCondLst>
+                        <p:cond delay="indefinite"/>
+                      </p:stCondLst>
+                      <p:childTnLst>
+                        <p:par>
+                          <p:cTn id="4" fill="hold">
+                            <p:stCondLst>
+                              <p:cond delay="0"/>
+                            </p:stCondLst>
+                            <p:childTnLst>
+                              <p:par>
+                                <p:cTn id="5" presetID="1" presetClass="entr" presetSubtype="0" fill="hold" grpId="1" nodeType="clickEffect">
+                                  <p:stCondLst>
+                                    <p:cond delay="0"/>
+                                  </p:stCondLst>
+                                  <p:childTnLst>
+                                    <p:set>
+                                      <p:cBhvr>
+                                        <p:cTn id="6" dur="1" fill="hold">
+                                          <p:stCondLst>
+                                            <p:cond delay="0"/>
+                                          </p:stCondLst>
+                                        </p:cTn>
+                                        <p:tgtEl>
+                                          <p:spTgt spid="27"/>
+                                        </p:tgtEl>
+                                        <p:attrNameLst>
+                                          <p:attrName>style.visibility</p:attrName>
+                                        </p:attrNameLst>
+                                      </p:cBhvr>
+                                      <p:to>
+                                        <p:strVal val="visible"/>
+                                      </p:to>
+                                    </p:set>
+                                  </p:childTnLst>
+                                </p:cTn>
+                              </p:par>
+                            </p:childTnLst>
+                          </p:cTn>
+                        </p:par>
+                      </p:childTnLst>
+                    </p:cTn>
+                  </p:par>
+                  <p:par>
+                    <p:cTn id="7" fill="hold">
+                      <p:stCondLst>
+                        <p:cond delay="indefinite"/>
+                      </p:stCondLst>
+                      <p:childTnLst>
+                        <p:par>
+                          <p:cTn id="8" fill="hold">
+                            <p:stCondLst>
+                              <p:cond delay="0"/>
+                            </p:stCondLst>
+                            <p:childTnLst>
+                              <p:par>
+                                <p:cTn id="9" presetID="6" presetClass="entr" presetSubtype="16" fill="hold" grpId="1" nodeType="clickEffect">
+                                  <p:stCondLst>
+                                    <p:cond delay="0"/>
+                                  </p:stCondLst>
+                                  <p:childTnLst>
+                                    <p:set>
+                                      <p:cBhvr>
+                                        <p:cTn id="10" dur="1" fill="hold">
+                                          <p:stCondLst>
+                                            <p:cond delay="0"/>
+                                          </p:stCondLst>
+                                        </p:cTn>
+                                        <p:tgtEl>
+                                          <p:spTgt spid="4"/>
+                                        </p:tgtEl>
+                                        <p:attrNameLst>
+                                          <p:attrName>style.visibility</p:attrName>
+                                        </p:attrNameLst>
+                                      </p:cBhvr>
+                                      <p:to>
+                                        <p:strVal val="visible"/>
+                                      </p:to>
+                                    </p:set>
+                                    <p:animEffect transition="in" filter="circle(in)">
+                                      <p:cBhvr>
+                                        <p:cTn id="11" dur="2000"/>
+                                        <p:tgtEl>
+                                          <p:spTgt spid="4"/>
+                                        </p:tgtEl>
+                                      </p:cBhvr>
+                                    </p:animEffect>
+                                  </p:childTnLst>
+                                </p:cTn>
+                              </p:par>
+                            </p:childTnLst>
+                          </p:cTn>
+                        </p:par>
+                      </p:childTnLst>
+                    </p:cTn>
+                  </p:par>
+                  <p:par>
+                    <p:cTn id="12" fill="hold">
+                      <p:stCondLst>
+                        <p:cond delay="indefinite"/>
+                      </p:stCondLst>
+                      <p:childTnLst>
+                        <p:par>
+                          <p:cTn id="13" fill="hold">
+                            <p:stCondLst>
+                              <p:cond delay="0"/>
+                            </p:stCondLst>
+                            <p:childTnLst>
+                              <p:par>
+                                <p:cTn id="14" presetID="22" presetClass="exit" presetSubtype="4" fill="hold" grpId="0" nodeType="clickEffect">
+                                  <p:stCondLst>
+                                    <p:cond delay="0"/>
+                                  </p:stCondLst>
+                                  <p:childTnLst>
+                                    <p:animEffect transition="out" filter="wipe(down)">
+                                      <p:cBhvr>
+                                        <p:cTn id="15" dur="500"/>
+                                        <p:tgtEl>
+                                          <p:spTgt spid="27"/>
+                                        </p:tgtEl>
+                                      </p:cBhvr>
+                                    </p:animEffect>
+                                    <p:set>
+                                      <p:cBhvr>
+                                        <p:cTn id="16" dur="1" fill="hold">
+                                          <p:stCondLst>
+                                            <p:cond delay="499"/>
+                                          </p:stCondLst>
+                                        </p:cTn>
+                                        <p:tgtEl>
+                                          <p:spTgt spid="27"/>
+                                        </p:tgtEl>
+                                        <p:attrNameLst>
+                                          <p:attrName>style.visibility</p:attrName>
+                                        </p:attrNameLst>
+                                      </p:cBhvr>
+                                      <p:to>
+                                        <p:strVal val="hidden"/>
+                                      </p:to>
+                                    </p:set>
+                                  </p:childTnLst>
+                                </p:cTn>
+                              </p:par>
+                              <p:par>
+                                <p:cTn id="17" presetID="22" presetClass="exit" presetSubtype="4" fill="hold" grpId="0" nodeType="withEffect">
+                                  <p:stCondLst>
+                                    <p:cond delay="0"/>
+                                  </p:stCondLst>
+                                  <p:childTnLst>
+                                    <p:animEffect transition="out" filter="wipe(down)">
+                                      <p:cBhvr>
+                                        <p:cTn id="18" dur="500"/>
+                                        <p:tgtEl>
+                                          <p:spTgt spid="4"/>
+                                        </p:tgtEl>
+                                      </p:cBhvr>
+                                    </p:animEffect>
+                                    <p:set>
+                                      <p:cBhvr>
+                                        <p:cTn id="19" dur="1" fill="hold">
+                                          <p:stCondLst>
+                                            <p:cond delay="499"/>
+                                          </p:stCondLst>
+                                        </p:cTn>
+                                        <p:tgtEl>
+                                          <p:spTgt spid="4"/>
+                                        </p:tgtEl>
+                                        <p:attrNameLst>
+                                          <p:attrName>style.visibility</p:attrName>
+                                        </p:attrNameLst>
+                                      </p:cBhvr>
+                                      <p:to>
+                                        <p:strVal val="hidden"/>
+                                      </p:to>
+                                    </p:set>
+                                  </p:childTnLst>
+                                </p:cTn>
+                              </p:par>
+                              <p:par>
+                                <p:cTn id="20" presetID="22" presetClass="exit" presetSubtype="4" fill="hold" grpId="0" nodeType="withEffect">
+                                  <p:stCondLst>
+                                    <p:cond delay="0"/>
+                                  </p:stCondLst>
+                                  <p:childTnLst>
+                                    <p:animEffect transition="out" filter="wipe(down)">
+                                      <p:cBhvr>
+                                        <p:cTn id="21" dur="500"/>
+                                        <p:tgtEl>
+                                          <p:spTgt spid="23"/>
+                                        </p:tgtEl>
+                                      </p:cBhvr>
+                                    </p:animEffect>
+                                    <p:set>
+                                      <p:cBhvr>
+                                        <p:cTn id="22" dur="1" fill="hold">
+                                          <p:stCondLst>
+                                            <p:cond delay="499"/>
+                                          </p:stCondLst>
+                                        </p:cTn>
+                                        <p:tgtEl>
+                                          <p:spTgt spid="23"/>
+                                        </p:tgtEl>
+                                        <p:attrNameLst>
+                                          <p:attrName>style.visibility</p:attrName>
+                                        </p:attrNameLst>
+                                      </p:cBhvr>
+                                      <p:to>
+                                        <p:strVal val="hidden"/>
+                                      </p:to>
+                                    </p:set>
+                                  </p:childTnLst>
+                                </p:cTn>
+                              </p:par>
+                              <p:par>
+                                <p:cTn id="23" presetID="22" presetClass="exit" presetSubtype="4" fill="hold" grpId="0" nodeType="withEffect">
+                                  <p:stCondLst>
+                                    <p:cond delay="0"/>
+                                  </p:stCondLst>
+                                  <p:childTnLst>
+                                    <p:animEffect transition="out" filter="wipe(down)">
+                                      <p:cBhvr>
+                                        <p:cTn id="24" dur="500"/>
+                                        <p:tgtEl>
+                                          <p:spTgt spid="24"/>
+                                        </p:tgtEl>
+                                      </p:cBhvr>
+                                    </p:animEffect>
+                                    <p:set>
+                                      <p:cBhvr>
+                                        <p:cTn id="25" dur="1" fill="hold">
+                                          <p:stCondLst>
+                                            <p:cond delay="499"/>
+                                          </p:stCondLst>
+                                        </p:cTn>
+                                        <p:tgtEl>
+                                          <p:spTgt spid="24"/>
+                                        </p:tgtEl>
+                                        <p:attrNameLst>
+                                          <p:attrName>style.visibility</p:attrName>
+                                        </p:attrNameLst>
+                                      </p:cBhvr>
+                                      <p:to>
+                                        <p:strVal val="hidden"/>
+                                      </p:to>
+                                    </p:set>
+                                  </p:childTnLst>
+                                </p:cTn>
+                              </p:par>
+                              <p:par>
+                                <p:cTn id="26" presetID="22" presetClass="exit" presetSubtype="4" fill="hold" grpId="0" nodeType="withEffect">
+                                  <p:stCondLst>
+                                    <p:cond delay="0"/>
+                                  </p:stCondLst>
+                                  <p:childTnLst>
+                                    <p:animEffect transition="out" filter="wipe(down)">
+                                      <p:cBhvr>
+                                        <p:cTn id="27" dur="500"/>
+                                        <p:tgtEl>
+                                          <p:spTgt spid="26"/>
+                                        </p:tgtEl>
+                                      </p:cBhvr>
+                                    </p:animEffect>
+                                    <p:set>
+                                      <p:cBhvr>
+                                        <p:cTn id="28" dur="1" fill="hold">
+                                          <p:stCondLst>
+                                            <p:cond delay="499"/>
+                                          </p:stCondLst>
+                                        </p:cTn>
+                                        <p:tgtEl>
+                                          <p:spTgt spid="26"/>
+                                        </p:tgtEl>
+                                        <p:attrNameLst>
+                                          <p:attrName>style.visibility</p:attrName>
+                                        </p:attrNameLst>
+                                      </p:cBhvr>
+                                      <p:to>
+                                        <p:strVal val="hidden"/>
+                                      </p:to>
+                                    </p:set>
+                                  </p:childTnLst>
+                                </p:cTn>
+                              </p:par>
+                              <p:par>
+                                <p:cTn id="29" presetID="22" presetClass="exit" presetSubtype="4" fill="hold" grpId="0" nodeType="withEffect">
+                                  <p:stCondLst>
+                                    <p:cond delay="0"/>
+                                  </p:stCondLst>
+                                  <p:childTnLst>
+                                    <p:animEffect transition="out" filter="wipe(down)">
+                                      <p:cBhvr>
+                                        <p:cTn id="30" dur="500"/>
+                                        <p:tgtEl>
+                                          <p:spTgt spid="29"/>
+                                        </p:tgtEl>
+                                      </p:cBhvr>
+                                    </p:animEffect>
+                                    <p:set>
+                                      <p:cBhvr>
+                                        <p:cTn id="31" dur="1" fill="hold">
+                                          <p:stCondLst>
+                                            <p:cond delay="499"/>
+                                          </p:stCondLst>
+                                        </p:cTn>
+                                        <p:tgtEl>
+                                          <p:spTgt spid="29"/>
+                                        </p:tgtEl>
+                                        <p:attrNameLst>
+                                          <p:attrName>style.visibility</p:attrName>
+                                        </p:attrNameLst>
+                                      </p:cBhvr>
+                                      <p:to>
+                                        <p:strVal val="hidden"/>
+                                      </p:to>
+                                    </p:set>
+                                  </p:childTnLst>
+                                </p:cTn>
+                              </p:par>
+                            </p:childTnLst>
+                          </p:cTn>
+                        </p:par>
+                      </p:childTnLst>
+                    </p:cTn>
+                  </p:par>
+                  <p:par>
+                    <p:cTn id="32" fill="hold">
+                      <p:stCondLst>
+                        <p:cond delay="indefinite"/>
+                      </p:stCondLst>
+                      <p:childTnLst>
+                        <p:par>
+                          <p:cTn id="33" fill="hold">
+                            <p:stCondLst>
+                              <p:cond delay="0"/>
+                            </p:stCondLst>
+                            <p:childTnLst>
+                              <p:par>
+                                <p:cTn id="34" presetID="10" presetClass="entr" presetSubtype="0" fill="hold" grpId="0" nodeType="clickEffect">
+                                  <p:stCondLst>
+                                    <p:cond delay="0"/>
+                                  </p:stCondLst>
+                                  <p:childTnLst>
+                                    <p:set>
+                                      <p:cBhvr>
+                                        <p:cTn id="35" dur="1" fill="hold">
+                                          <p:stCondLst>
+                                            <p:cond delay="0"/>
+                                          </p:stCondLst>
+                                        </p:cTn>
+                                        <p:tgtEl>
+                                          <p:spTgt spid="3"/>
+                                        </p:tgtEl>
+                                        <p:attrNameLst>
+                                          <p:attrName>style.visibility</p:attrName>
+                                        </p:attrNameLst>
+                                      </p:cBhvr>
+                                      <p:to>
+                                        <p:strVal val="visible"/>
+                                      </p:to>
+                                    </p:set>
+                                    <p:animEffect transition="in" filter="fade">
+                                      <p:cBhvr>
+                                        <p:cTn id="36" dur="500"/>
+                                        <p:tgtEl>
+                                          <p:spTgt spid="3"/>
+                                        </p:tgtEl>
+                                      </p:cBhvr>
+                                    </p:animEffect>
+                                  </p:childTnLst>
+                                </p:cTn>
+                              </p:par>
+                            </p:childTnLst>
+                          </p:cTn>
+                        </p:par>
+                      </p:childTnLst>
+                    </p:cTn>
+                  </p:par>
+                  <p:par>
+                    <p:cTn id="37" fill="hold">
+                      <p:stCondLst>
+                        <p:cond delay="indefinite"/>
+                      </p:stCondLst>
+                      <p:childTnLst>
+                        <p:par>
+                          <p:cTn id="38" fill="hold">
+                            <p:stCondLst>
+                              <p:cond delay="0"/>
+                            </p:stCondLst>
+                            <p:childTnLst>
+                              <p:par>
+                                <p:cTn id="39" presetID="10" presetClass="entr" presetSubtype="0" fill="hold" grpId="3" nodeType="clickEffect">
+                                  <p:stCondLst>
+                                    <p:cond delay="0"/>
+                                  </p:stCondLst>
+                                  <p:childTnLst>
+                                    <p:set>
+                                      <p:cBhvr>
+                                        <p:cTn id="40" dur="1" fill="hold">
+                                          <p:stCondLst>
+                                            <p:cond delay="0"/>
+                                          </p:stCondLst>
+                                        </p:cTn>
+                                        <p:tgtEl>
+                                          <p:spTgt spid="27"/>
+                                        </p:tgtEl>
+                                        <p:attrNameLst>
+                                          <p:attrName>style.visibility</p:attrName>
+                                        </p:attrNameLst>
+                                      </p:cBhvr>
+                                      <p:to>
+                                        <p:strVal val="visible"/>
+                                      </p:to>
+                                    </p:set>
+                                    <p:animEffect transition="in" filter="fade">
+                                      <p:cBhvr>
+                                        <p:cTn id="41" dur="500"/>
+                                        <p:tgtEl>
+                                          <p:spTgt spid="27"/>
+                                        </p:tgtEl>
+                                      </p:cBhvr>
+                                    </p:animEffect>
+                                  </p:childTnLst>
+                                </p:cTn>
+                              </p:par>
+                              <p:par>
+                                <p:cTn id="42" presetID="10" presetClass="entr" presetSubtype="0" fill="hold" grpId="2" nodeType="withEffect">
+                                  <p:stCondLst>
+                                    <p:cond delay="0"/>
+                                  </p:stCondLst>
+                                  <p:childTnLst>
+                                    <p:set>
+                                      <p:cBhvr>
+                                        <p:cTn id="43" dur="1" fill="hold">
+                                          <p:stCondLst>
+                                            <p:cond delay="0"/>
+                                          </p:stCondLst>
+                                        </p:cTn>
+                                        <p:tgtEl>
+                                          <p:spTgt spid="23"/>
+                                        </p:tgtEl>
+                                        <p:attrNameLst>
+                                          <p:attrName>style.visibility</p:attrName>
+                                        </p:attrNameLst>
+                                      </p:cBhvr>
+                                      <p:to>
+                                        <p:strVal val="visible"/>
+                                      </p:to>
+                                    </p:set>
+                                    <p:animEffect transition="in" filter="fade">
+                                      <p:cBhvr>
+                                        <p:cTn id="44" dur="500"/>
+                                        <p:tgtEl>
+                                          <p:spTgt spid="23"/>
+                                        </p:tgtEl>
+                                      </p:cBhvr>
+                                    </p:animEffect>
+                                  </p:childTnLst>
+                                </p:cTn>
+                              </p:par>
+                              <p:par>
+                                <p:cTn id="45" presetID="10" presetClass="entr" presetSubtype="0" fill="hold" grpId="2" nodeType="withEffect">
+                                  <p:stCondLst>
+                                    <p:cond delay="0"/>
+                                  </p:stCondLst>
+                                  <p:childTnLst>
+                                    <p:set>
+                                      <p:cBhvr>
+                                        <p:cTn id="46" dur="1" fill="hold">
+                                          <p:stCondLst>
+                                            <p:cond delay="0"/>
+                                          </p:stCondLst>
+                                        </p:cTn>
+                                        <p:tgtEl>
+                                          <p:spTgt spid="24"/>
+                                        </p:tgtEl>
+                                        <p:attrNameLst>
+                                          <p:attrName>style.visibility</p:attrName>
+                                        </p:attrNameLst>
+                                      </p:cBhvr>
+                                      <p:to>
+                                        <p:strVal val="visible"/>
+                                      </p:to>
+                                    </p:set>
+                                    <p:animEffect transition="in" filter="fade">
+                                      <p:cBhvr>
+                                        <p:cTn id="47" dur="500"/>
+                                        <p:tgtEl>
+                                          <p:spTgt spid="24"/>
+                                        </p:tgtEl>
+                                      </p:cBhvr>
+                                    </p:animEffect>
+                                  </p:childTnLst>
+                                </p:cTn>
+                              </p:par>
+                              <p:par>
+                                <p:cTn id="48" presetID="10" presetClass="entr" presetSubtype="0" fill="hold" grpId="2" nodeType="withEffect">
+                                  <p:stCondLst>
+                                    <p:cond delay="0"/>
+                                  </p:stCondLst>
+                                  <p:childTnLst>
+                                    <p:set>
+                                      <p:cBhvr>
+                                        <p:cTn id="49" dur="1" fill="hold">
+                                          <p:stCondLst>
+                                            <p:cond delay="0"/>
+                                          </p:stCondLst>
+                                        </p:cTn>
+                                        <p:tgtEl>
+                                          <p:spTgt spid="26"/>
+                                        </p:tgtEl>
+                                        <p:attrNameLst>
+                                          <p:attrName>style.visibility</p:attrName>
+                                        </p:attrNameLst>
+                                      </p:cBhvr>
+                                      <p:to>
+                                        <p:strVal val="visible"/>
+                                      </p:to>
+                                    </p:set>
+                                    <p:animEffect transition="in" filter="fade">
+                                      <p:cBhvr>
+                                        <p:cTn id="50" dur="500"/>
+                                        <p:tgtEl>
+                                          <p:spTgt spid="26"/>
+                                        </p:tgtEl>
+                                      </p:cBhvr>
+                                    </p:animEffect>
+                                  </p:childTnLst>
+                                </p:cTn>
+                              </p:par>
+                              <p:par>
+                                <p:cTn id="51" presetID="10" presetClass="entr" presetSubtype="0" fill="hold" grpId="2" nodeType="withEffect">
+                                  <p:stCondLst>
+                                    <p:cond delay="0"/>
+                                  </p:stCondLst>
+                                  <p:childTnLst>
+                                    <p:set>
+                                      <p:cBhvr>
+                                        <p:cTn id="52" dur="1" fill="hold">
+                                          <p:stCondLst>
+                                            <p:cond delay="0"/>
+                                          </p:stCondLst>
+                                        </p:cTn>
+                                        <p:tgtEl>
+                                          <p:spTgt spid="29"/>
+                                        </p:tgtEl>
+                                        <p:attrNameLst>
+                                          <p:attrName>style.visibility</p:attrName>
+                                        </p:attrNameLst>
+                                      </p:cBhvr>
+                                      <p:to>
+                                        <p:strVal val="visible"/>
+                                      </p:to>
+                                    </p:set>
+                                    <p:animEffect transition="in" filter="fade">
+                                      <p:cBhvr>
+                                        <p:cTn id="53" dur="500"/>
+                                        <p:tgtEl>
+                                          <p:spTgt spid="29"/>
+                                        </p:tgtEl>
+                                      </p:cBhvr>
+                                    </p:animEffect>
+                                  </p:childTnLst>
+                                </p:cTn>
+                              </p:par>
+                            </p:childTnLst>
+                          </p:cTn>
+                        </p:par>
+                      </p:childTnLst>
+                    </p:cTn>
+                  </p:par>
+                  <p:par>
+                    <p:cTn id="54" fill="hold">
+                      <p:stCondLst>
+                        <p:cond delay="indefinite"/>
+                      </p:stCondLst>
+                      <p:childTnLst>
+                        <p:par>
+                          <p:cTn id="55" fill="hold">
+                            <p:stCondLst>
+                              <p:cond delay="0"/>
+                            </p:stCondLst>
+                            <p:childTnLst>
+                              <p:par>
+                                <p:cTn id="56" presetID="1" presetClass="entr" presetSubtype="0" fill="hold" grpId="0" nodeType="clickEffect">
+                                  <p:stCondLst>
+                                    <p:cond delay="0"/>
+                                  </p:stCondLst>
+                                  <p:childTnLst>
+                                    <p:set>
+                                      <p:cBhvr>
+                                        <p:cTn id="57" dur="1" fill="hold">
+                                          <p:stCondLst>
+                                            <p:cond delay="0"/>
+                                          </p:stCondLst>
+                                        </p:cTn>
+                                        <p:tgtEl>
+                                          <p:spTgt spid="21"/>
+                                        </p:tgtEl>
+                                        <p:attrNameLst>
+                                          <p:attrName>style.visibility</p:attrName>
+                                        </p:attrNameLst>
+                                      </p:cBhvr>
+                                      <p:to>
+                                        <p:strVal val="visible"/>
+                                      </p:to>
+                                    </p:set>
+                                  </p:childTnLst>
+                                </p:cTn>
+                              </p:par>
+                              <p:par>
+                                <p:cTn id="58" presetID="1" presetClass="entr" presetSubtype="0" fill="hold" grpId="0" nodeType="withEffect">
+                                  <p:stCondLst>
+                                    <p:cond delay="0"/>
+                                  </p:stCondLst>
+                                  <p:childTnLst>
+                                    <p:set>
+                                      <p:cBhvr>
+                                        <p:cTn id="59" dur="1" fill="hold">
+                                          <p:stCondLst>
+                                            <p:cond delay="0"/>
+                                          </p:stCondLst>
+                                        </p:cTn>
+                                        <p:tgtEl>
+                                          <p:spTgt spid="42"/>
+                                        </p:tgtEl>
+                                        <p:attrNameLst>
+                                          <p:attrName>style.visibility</p:attrName>
+                                        </p:attrNameLst>
+                                      </p:cBhvr>
+                                      <p:to>
+                                        <p:strVal val="visible"/>
+                                      </p:to>
+                                    </p:set>
+                                  </p:childTnLst>
+                                </p:cTn>
+                              </p:par>
+                            </p:childTnLst>
+                          </p:cTn>
+                        </p:par>
+                      </p:childTnLst>
+                    </p:cTn>
+                  </p:par>
+                  <p:par>
+                    <p:cTn id="60" fill="hold">
+                      <p:stCondLst>
+                        <p:cond delay="indefinite"/>
+                      </p:stCondLst>
+                      <p:childTnLst>
+                        <p:par>
+                          <p:cTn id="61" fill="hold">
+                            <p:stCondLst>
+                              <p:cond delay="0"/>
+                            </p:stCondLst>
+                            <p:childTnLst>
+                              <p:par>
+                                <p:cTn id="62" presetID="22" presetClass="entr" presetSubtype="4" fill="hold" nodeType="clickEffect">
+                                  <p:stCondLst>
+                                    <p:cond delay="0"/>
+                                  </p:stCondLst>
+                                  <p:childTnLst>
+                                    <p:set>
+                                      <p:cBhvr>
+                                        <p:cTn id="63" dur="1" fill="hold">
+                                          <p:stCondLst>
+                                            <p:cond delay="0"/>
+                                          </p:stCondLst>
+                                        </p:cTn>
+                                        <p:tgtEl>
+                                          <p:spTgt spid="6"/>
+                                        </p:tgtEl>
+                                        <p:attrNameLst>
+                                          <p:attrName>style.visibility</p:attrName>
+                                        </p:attrNameLst>
+                                      </p:cBhvr>
+                                      <p:to>
+                                        <p:strVal val="visible"/>
+                                      </p:to>
+                                    </p:set>
+                                    <p:animEffect transition="in" filter="wipe(down)">
+                                      <p:cBhvr>
+                                        <p:cTn id="64" dur="500"/>
+                                        <p:tgtEl>
+                                          <p:spTgt spid="6"/>
+                                        </p:tgtEl>
+                                      </p:cBhvr>
+                                    </p:animEffect>
+                                  </p:childTnLst>
+                                </p:cTn>
+                              </p:par>
+                            </p:childTnLst>
+                          </p:cTn>
+                        </p:par>
+                      </p:childTnLst>
+                    </p:cTn>
+                  </p:par>
+                  <p:par>
+                    <p:cTn id="65" fill="hold">
+                      <p:stCondLst>
+                        <p:cond delay="indefinite"/>
+                      </p:stCondLst>
+                      <p:childTnLst>
+                        <p:par>
+                          <p:cTn id="66" fill="hold">
+                            <p:stCondLst>
+                              <p:cond delay="0"/>
+                            </p:stCondLst>
+                            <p:childTnLst>
+                              <p:par>
+                                <p:cTn id="67" presetID="22" presetClass="exit" presetSubtype="4" fill="hold" grpId="2" nodeType="clickEffect">
+                                  <p:stCondLst>
+                                    <p:cond delay="0"/>
+                                  </p:stCondLst>
+                                  <p:childTnLst>
+                                    <p:animEffect transition="out" filter="wipe(down)">
+                                      <p:cBhvr>
+                                        <p:cTn id="68" dur="500"/>
+                                        <p:tgtEl>
+                                          <p:spTgt spid="27"/>
+                                        </p:tgtEl>
+                                      </p:cBhvr>
+                                    </p:animEffect>
+                                    <p:set>
+                                      <p:cBhvr>
+                                        <p:cTn id="69" dur="1" fill="hold">
+                                          <p:stCondLst>
+                                            <p:cond delay="499"/>
+                                          </p:stCondLst>
+                                        </p:cTn>
+                                        <p:tgtEl>
+                                          <p:spTgt spid="27"/>
+                                        </p:tgtEl>
+                                        <p:attrNameLst>
+                                          <p:attrName>style.visibility</p:attrName>
+                                        </p:attrNameLst>
+                                      </p:cBhvr>
+                                      <p:to>
+                                        <p:strVal val="hidden"/>
+                                      </p:to>
+                                    </p:set>
+                                  </p:childTnLst>
+                                </p:cTn>
+                              </p:par>
+                              <p:par>
+                                <p:cTn id="70" presetID="22" presetClass="exit" presetSubtype="4" fill="hold" grpId="1" nodeType="withEffect">
+                                  <p:stCondLst>
+                                    <p:cond delay="0"/>
+                                  </p:stCondLst>
+                                  <p:childTnLst>
+                                    <p:animEffect transition="out" filter="wipe(down)">
+                                      <p:cBhvr>
+                                        <p:cTn id="71" dur="500"/>
+                                        <p:tgtEl>
+                                          <p:spTgt spid="23"/>
+                                        </p:tgtEl>
+                                      </p:cBhvr>
+                                    </p:animEffect>
+                                    <p:set>
+                                      <p:cBhvr>
+                                        <p:cTn id="72" dur="1" fill="hold">
+                                          <p:stCondLst>
+                                            <p:cond delay="499"/>
+                                          </p:stCondLst>
+                                        </p:cTn>
+                                        <p:tgtEl>
+                                          <p:spTgt spid="23"/>
+                                        </p:tgtEl>
+                                        <p:attrNameLst>
+                                          <p:attrName>style.visibility</p:attrName>
+                                        </p:attrNameLst>
+                                      </p:cBhvr>
+                                      <p:to>
+                                        <p:strVal val="hidden"/>
+                                      </p:to>
+                                    </p:set>
+                                  </p:childTnLst>
+                                </p:cTn>
+                              </p:par>
+                              <p:par>
+                                <p:cTn id="73" presetID="22" presetClass="exit" presetSubtype="4" fill="hold" grpId="1" nodeType="withEffect">
+                                  <p:stCondLst>
+                                    <p:cond delay="0"/>
+                                  </p:stCondLst>
+                                  <p:childTnLst>
+                                    <p:animEffect transition="out" filter="wipe(down)">
+                                      <p:cBhvr>
+                                        <p:cTn id="74" dur="500"/>
+                                        <p:tgtEl>
+                                          <p:spTgt spid="24"/>
+                                        </p:tgtEl>
+                                      </p:cBhvr>
+                                    </p:animEffect>
+                                    <p:set>
+                                      <p:cBhvr>
+                                        <p:cTn id="75" dur="1" fill="hold">
+                                          <p:stCondLst>
+                                            <p:cond delay="499"/>
+                                          </p:stCondLst>
+                                        </p:cTn>
+                                        <p:tgtEl>
+                                          <p:spTgt spid="24"/>
+                                        </p:tgtEl>
+                                        <p:attrNameLst>
+                                          <p:attrName>style.visibility</p:attrName>
+                                        </p:attrNameLst>
+                                      </p:cBhvr>
+                                      <p:to>
+                                        <p:strVal val="hidden"/>
+                                      </p:to>
+                                    </p:set>
+                                  </p:childTnLst>
+                                </p:cTn>
+                              </p:par>
+                              <p:par>
+                                <p:cTn id="76" presetID="22" presetClass="exit" presetSubtype="4" fill="hold" grpId="1" nodeType="withEffect">
+                                  <p:stCondLst>
+                                    <p:cond delay="0"/>
+                                  </p:stCondLst>
+                                  <p:childTnLst>
+                                    <p:animEffect transition="out" filter="wipe(down)">
+                                      <p:cBhvr>
+                                        <p:cTn id="77" dur="500"/>
+                                        <p:tgtEl>
+                                          <p:spTgt spid="26"/>
+                                        </p:tgtEl>
+                                      </p:cBhvr>
+                                    </p:animEffect>
+                                    <p:set>
+                                      <p:cBhvr>
+                                        <p:cTn id="78" dur="1" fill="hold">
+                                          <p:stCondLst>
+                                            <p:cond delay="499"/>
+                                          </p:stCondLst>
+                                        </p:cTn>
+                                        <p:tgtEl>
+                                          <p:spTgt spid="26"/>
+                                        </p:tgtEl>
+                                        <p:attrNameLst>
+                                          <p:attrName>style.visibility</p:attrName>
+                                        </p:attrNameLst>
+                                      </p:cBhvr>
+                                      <p:to>
+                                        <p:strVal val="hidden"/>
+                                      </p:to>
+                                    </p:set>
+                                  </p:childTnLst>
+                                </p:cTn>
+                              </p:par>
+                              <p:par>
+                                <p:cTn id="79" presetID="22" presetClass="exit" presetSubtype="4" fill="hold" grpId="1" nodeType="withEffect">
+                                  <p:stCondLst>
+                                    <p:cond delay="0"/>
+                                  </p:stCondLst>
+                                  <p:childTnLst>
+                                    <p:animEffect transition="out" filter="wipe(down)">
+                                      <p:cBhvr>
+                                        <p:cTn id="80" dur="500"/>
+                                        <p:tgtEl>
+                                          <p:spTgt spid="29"/>
+                                        </p:tgtEl>
+                                      </p:cBhvr>
+                                    </p:animEffect>
+                                    <p:set>
+                                      <p:cBhvr>
+                                        <p:cTn id="81" dur="1" fill="hold">
+                                          <p:stCondLst>
+                                            <p:cond delay="499"/>
+                                          </p:stCondLst>
+                                        </p:cTn>
+                                        <p:tgtEl>
+                                          <p:spTgt spid="29"/>
+                                        </p:tgtEl>
+                                        <p:attrNameLst>
+                                          <p:attrName>style.visibility</p:attrName>
+                                        </p:attrNameLst>
+                                      </p:cBhvr>
+                                      <p:to>
+                                        <p:strVal val="hidden"/>
+                                      </p:to>
+                                    </p:set>
+                                  </p:childTnLst>
+                                </p:cTn>
+                              </p:par>
+                              <p:par>
+                                <p:cTn id="82" presetID="22" presetClass="exit" presetSubtype="4" fill="hold" nodeType="withEffect">
+                                  <p:stCondLst>
+                                    <p:cond delay="0"/>
+                                  </p:stCondLst>
+                                  <p:childTnLst>
+                                    <p:animEffect transition="out" filter="wipe(down)">
+                                      <p:cBhvr>
+                                        <p:cTn id="83" dur="500"/>
+                                        <p:tgtEl>
+                                          <p:spTgt spid="6"/>
+                                        </p:tgtEl>
+                                      </p:cBhvr>
+                                    </p:animEffect>
+                                    <p:set>
+                                      <p:cBhvr>
+                                        <p:cTn id="84" dur="1" fill="hold">
+                                          <p:stCondLst>
+                                            <p:cond delay="499"/>
+                                          </p:stCondLst>
+                                        </p:cTn>
+                                        <p:tgtEl>
+                                          <p:spTgt spid="6"/>
+                                        </p:tgtEl>
+                                        <p:attrNameLst>
+                                          <p:attrName>style.visibility</p:attrName>
+                                        </p:attrNameLst>
+                                      </p:cBhvr>
+                                      <p:to>
+                                        <p:strVal val="hidden"/>
+                                      </p:to>
+                                    </p:set>
+                                  </p:childTnLst>
+                                </p:cTn>
+                              </p:par>
+                              <p:par>
+                                <p:cTn id="85" presetID="22" presetClass="exit" presetSubtype="4" fill="hold" grpId="0" nodeType="withEffect">
+                                  <p:stCondLst>
+                                    <p:cond delay="0"/>
+                                  </p:stCondLst>
+                                  <p:childTnLst>
+                                    <p:animEffect transition="out" filter="wipe(down)">
+                                      <p:cBhvr>
+                                        <p:cTn id="86" dur="500"/>
+                                        <p:tgtEl>
+                                          <p:spTgt spid="33"/>
+                                        </p:tgtEl>
+                                      </p:cBhvr>
+                                    </p:animEffect>
+                                    <p:set>
+                                      <p:cBhvr>
+                                        <p:cTn id="87" dur="1" fill="hold">
+                                          <p:stCondLst>
+                                            <p:cond delay="499"/>
+                                          </p:stCondLst>
+                                        </p:cTn>
+                                        <p:tgtEl>
+                                          <p:spTgt spid="33"/>
+                                        </p:tgtEl>
+                                        <p:attrNameLst>
+                                          <p:attrName>style.visibility</p:attrName>
+                                        </p:attrNameLst>
+                                      </p:cBhvr>
+                                      <p:to>
+                                        <p:strVal val="hidden"/>
+                                      </p:to>
+                                    </p:set>
+                                  </p:childTnLst>
+                                </p:cTn>
+                              </p:par>
+                              <p:par>
+                                <p:cTn id="88" presetID="22" presetClass="exit" presetSubtype="4" fill="hold" grpId="0" nodeType="withEffect">
+                                  <p:stCondLst>
+                                    <p:cond delay="0"/>
+                                  </p:stCondLst>
+                                  <p:childTnLst>
+                                    <p:animEffect transition="out" filter="wipe(down)">
+                                      <p:cBhvr>
+                                        <p:cTn id="89" dur="500"/>
+                                        <p:tgtEl>
+                                          <p:spTgt spid="30"/>
+                                        </p:tgtEl>
+                                      </p:cBhvr>
+                                    </p:animEffect>
+                                    <p:set>
+                                      <p:cBhvr>
+                                        <p:cTn id="90" dur="1" fill="hold">
+                                          <p:stCondLst>
+                                            <p:cond delay="499"/>
+                                          </p:stCondLst>
+                                        </p:cTn>
+                                        <p:tgtEl>
+                                          <p:spTgt spid="30"/>
+                                        </p:tgtEl>
+                                        <p:attrNameLst>
+                                          <p:attrName>style.visibility</p:attrName>
+                                        </p:attrNameLst>
+                                      </p:cBhvr>
+                                      <p:to>
+                                        <p:strVal val="hidden"/>
+                                      </p:to>
+                                    </p:set>
+                                  </p:childTnLst>
+                                </p:cTn>
+                              </p:par>
+                              <p:par>
+                                <p:cTn id="91" presetID="22" presetClass="exit" presetSubtype="4" fill="hold" grpId="0" nodeType="withEffect">
+                                  <p:stCondLst>
+                                    <p:cond delay="0"/>
+                                  </p:stCondLst>
+                                  <p:childTnLst>
+                                    <p:animEffect transition="out" filter="wipe(down)">
+                                      <p:cBhvr>
+                                        <p:cTn id="92" dur="500"/>
+                                        <p:tgtEl>
+                                          <p:spTgt spid="31"/>
+                                        </p:tgtEl>
+                                      </p:cBhvr>
+                                    </p:animEffect>
+                                    <p:set>
+                                      <p:cBhvr>
+                                        <p:cTn id="93" dur="1" fill="hold">
+                                          <p:stCondLst>
+                                            <p:cond delay="499"/>
+                                          </p:stCondLst>
+                                        </p:cTn>
+                                        <p:tgtEl>
+                                          <p:spTgt spid="31"/>
+                                        </p:tgtEl>
+                                        <p:attrNameLst>
+                                          <p:attrName>style.visibility</p:attrName>
+                                        </p:attrNameLst>
+                                      </p:cBhvr>
+                                      <p:to>
+                                        <p:strVal val="hidden"/>
+                                      </p:to>
+                                    </p:set>
+                                  </p:childTnLst>
+                                </p:cTn>
+                              </p:par>
+                              <p:par>
+                                <p:cTn id="94" presetID="22" presetClass="exit" presetSubtype="4" fill="hold" grpId="0" nodeType="withEffect">
+                                  <p:stCondLst>
+                                    <p:cond delay="0"/>
+                                  </p:stCondLst>
+                                  <p:childTnLst>
+                                    <p:animEffect transition="out" filter="wipe(down)">
+                                      <p:cBhvr>
+                                        <p:cTn id="95" dur="500"/>
+                                        <p:tgtEl>
+                                          <p:spTgt spid="28"/>
+                                        </p:tgtEl>
+                                      </p:cBhvr>
+                                    </p:animEffect>
+                                    <p:set>
+                                      <p:cBhvr>
+                                        <p:cTn id="96" dur="1" fill="hold">
+                                          <p:stCondLst>
+                                            <p:cond delay="499"/>
+                                          </p:stCondLst>
+                                        </p:cTn>
+                                        <p:tgtEl>
+                                          <p:spTgt spid="28"/>
+                                        </p:tgtEl>
+                                        <p:attrNameLst>
+                                          <p:attrName>style.visibility</p:attrName>
+                                        </p:attrNameLst>
+                                      </p:cBhvr>
+                                      <p:to>
+                                        <p:strVal val="hidden"/>
+                                      </p:to>
+                                    </p:set>
+                                  </p:childTnLst>
+                                </p:cTn>
+                              </p:par>
+                            </p:childTnLst>
+                          </p:cTn>
+                        </p:par>
+                      </p:childTnLst>
+                    </p:cTn>
+                  </p:par>
+                </p:childTnLst>
+              </p:cTn>
+              <p:prevCondLst>
+                <p:cond evt="onPrev" delay="0">
+                  <p:tgtEl>
+                    <p:sldTgt/>
+                  </p:tgtEl>
+                </p:cond>
+              </p:prevCondLst>
+              <p:nextCondLst>
+                <p:cond evt="onNext" delay="0">
+                  <p:tgtEl>
+                    <p:sldTgt/>
+                  </p:tgtEl>
+                </p:cond>
+              </p:nextCondLst>
+            </p:seq>
+          </p:childTnLst>
+        </p:cTn>
+      </p:par>
+    </p:tnLst>
+    <p:bldLst>
+      <p:bldP spid="21" grpId="0"/>
+      <p:bldP spid="23" grpId="0" animBg="1"/>
+      <p:bldP spid="23" grpId="1" animBg="1"/>
+      <p:bldP spid="23" grpId="2" animBg="1"/>
+      <p:bldP spid="24" grpId="0" animBg="1"/>
+      <p:bldP spid="24" grpId="1" animBg="1"/>
+      <p:bldP spid="24" grpId="2" animBg="1"/>
+      <p:bldP spid="26" grpId="0" animBg="1"/>
+      <p:bldP spid="26" grpId="1" animBg="1"/>
+      <p:bldP spid="26" grpId="2" animBg="1"/>
+      <p:bldP spid="27" grpId="0" animBg="1"/>
+      <p:bldP spid="27" grpId="1" animBg="1"/>
+      <p:bldP spid="27" grpId="2" animBg="1"/>
+      <p:bldP spid="27" grpId="3" animBg="1"/>
+      <p:bldP spid="28" grpId="0" animBg="1"/>
+      <p:bldP spid="29" grpId="0" animBg="1"/>
+      <p:bldP spid="29" grpId="1" animBg="1"/>
+      <p:bldP spid="29" grpId="2" animBg="1"/>
+      <p:bldP spid="30" grpId="0" animBg="1"/>
+      <p:bldP spid="31" grpId="0" animBg="1"/>
+      <p:bldP spid="33" grpId="0" animBg="1"/>
+      <p:bldP spid="3" grpId="0"/>
+      <p:bldP spid="4" grpId="0" animBg="1"/>
+      <p:bldP spid="4" grpId="1" animBg="1"/>
+      <p:bldP spid="42" grpId="0" animBg="1"/>
+    </p:bldLst>
+  </p:timing>
 </p:sld>
 </file>
 

--- a/documentation/Presentatie/WoodenBlockGamePPTX_MaximDerboven_AlexieChaerle_INF105A.pptx
+++ b/documentation/Presentatie/WoodenBlockGamePPTX_MaximDerboven_AlexieChaerle_INF105A.pptx
@@ -124,7 +124,7 @@
 <file path=ppt/revisionInfo.xml><?xml version="1.0" encoding="utf-8"?>
 <p1510:revInfo xmlns:a="http://schemas.openxmlformats.org/drawingml/2006/main" xmlns:r="http://schemas.openxmlformats.org/officeDocument/2006/relationships" xmlns:p1510="http://schemas.microsoft.com/office/powerpoint/2015/10/main">
   <p1510:revLst>
-    <p1510:client id="{25E25230-2F6D-4A59-8137-9DCD17CC95D8}" v="211" dt="2021-03-23T23:59:13.022"/>
+    <p1510:client id="{25E25230-2F6D-4A59-8137-9DCD17CC95D8}" v="215" dt="2021-03-24T11:17:46.263"/>
   </p1510:revLst>
 </p1510:revInfo>
 </file>
@@ -134,7 +134,7 @@
   <pc:docChgLst>
     <pc:chgData name="Derboven Maxim" userId="2f439f84-d12e-41ac-a559-b3ddfea81cff" providerId="ADAL" clId="{25E25230-2F6D-4A59-8137-9DCD17CC95D8}"/>
     <pc:docChg chg="undo redo custSel addSld delSld modSld sldOrd">
-      <pc:chgData name="Derboven Maxim" userId="2f439f84-d12e-41ac-a559-b3ddfea81cff" providerId="ADAL" clId="{25E25230-2F6D-4A59-8137-9DCD17CC95D8}" dt="2021-03-23T23:59:13.022" v="1998"/>
+      <pc:chgData name="Derboven Maxim" userId="2f439f84-d12e-41ac-a559-b3ddfea81cff" providerId="ADAL" clId="{25E25230-2F6D-4A59-8137-9DCD17CC95D8}" dt="2021-03-24T11:17:46.263" v="2020"/>
       <pc:docMkLst>
         <pc:docMk/>
       </pc:docMkLst>
@@ -530,7 +530,7 @@
         </pc:picChg>
       </pc:sldChg>
       <pc:sldChg chg="addSp delSp modSp new mod modAnim">
-        <pc:chgData name="Derboven Maxim" userId="2f439f84-d12e-41ac-a559-b3ddfea81cff" providerId="ADAL" clId="{25E25230-2F6D-4A59-8137-9DCD17CC95D8}" dt="2021-03-23T23:48:55.114" v="1989"/>
+        <pc:chgData name="Derboven Maxim" userId="2f439f84-d12e-41ac-a559-b3ddfea81cff" providerId="ADAL" clId="{25E25230-2F6D-4A59-8137-9DCD17CC95D8}" dt="2021-03-24T11:17:46.263" v="2020"/>
         <pc:sldMkLst>
           <pc:docMk/>
           <pc:sldMk cId="2976589553" sldId="263"/>
@@ -703,6 +703,14 @@
             <ac:picMk id="4" creationId="{6A6D21C1-ECA0-455A-A9F5-8451C82BBB61}"/>
           </ac:picMkLst>
         </pc:picChg>
+        <pc:picChg chg="add mod">
+          <ac:chgData name="Derboven Maxim" userId="2f439f84-d12e-41ac-a559-b3ddfea81cff" providerId="ADAL" clId="{25E25230-2F6D-4A59-8137-9DCD17CC95D8}" dt="2021-03-24T11:17:41.201" v="2019" actId="1076"/>
+          <ac:picMkLst>
+            <pc:docMk/>
+            <pc:sldMk cId="2976589553" sldId="263"/>
+            <ac:picMk id="4" creationId="{E500EC85-B63D-430B-BA33-E2509EA7279D}"/>
+          </ac:picMkLst>
+        </pc:picChg>
         <pc:picChg chg="add del mod ord modCrop">
           <ac:chgData name="Derboven Maxim" userId="2f439f84-d12e-41ac-a559-b3ddfea81cff" providerId="ADAL" clId="{25E25230-2F6D-4A59-8137-9DCD17CC95D8}" dt="2021-03-23T23:05:21.837" v="932" actId="478"/>
           <ac:picMkLst>
@@ -721,7 +729,7 @@
         </pc:picChg>
       </pc:sldChg>
       <pc:sldChg chg="addSp delSp modSp add mod modAnim">
-        <pc:chgData name="Derboven Maxim" userId="2f439f84-d12e-41ac-a559-b3ddfea81cff" providerId="ADAL" clId="{25E25230-2F6D-4A59-8137-9DCD17CC95D8}" dt="2021-03-23T23:39:07.641" v="1898"/>
+        <pc:chgData name="Derboven Maxim" userId="2f439f84-d12e-41ac-a559-b3ddfea81cff" providerId="ADAL" clId="{25E25230-2F6D-4A59-8137-9DCD17CC95D8}" dt="2021-03-24T11:16:53.019" v="2015"/>
         <pc:sldMkLst>
           <pc:docMk/>
           <pc:sldMk cId="599994370" sldId="264"/>
@@ -774,6 +782,14 @@
             <ac:spMk id="14" creationId="{31C29BB3-3258-4C90-8845-CB77046B9EC0}"/>
           </ac:spMkLst>
         </pc:spChg>
+        <pc:picChg chg="add mod">
+          <ac:chgData name="Derboven Maxim" userId="2f439f84-d12e-41ac-a559-b3ddfea81cff" providerId="ADAL" clId="{25E25230-2F6D-4A59-8137-9DCD17CC95D8}" dt="2021-03-24T11:16:46.270" v="2013" actId="1076"/>
+          <ac:picMkLst>
+            <pc:docMk/>
+            <pc:sldMk cId="599994370" sldId="264"/>
+            <ac:picMk id="5" creationId="{5BD5254D-3848-4C18-8846-87D98F973B50}"/>
+          </ac:picMkLst>
+        </pc:picChg>
         <pc:picChg chg="add mod">
           <ac:chgData name="Derboven Maxim" userId="2f439f84-d12e-41ac-a559-b3ddfea81cff" providerId="ADAL" clId="{25E25230-2F6D-4A59-8137-9DCD17CC95D8}" dt="2021-03-23T22:58:18.537" v="814" actId="1076"/>
           <ac:picMkLst>
@@ -7360,6 +7376,36 @@
           </a:p>
         </p:txBody>
       </p:sp>
+      <p:pic>
+        <p:nvPicPr>
+          <p:cNvPr id="5" name="Afbeelding 4">
+            <a:extLst>
+              <a:ext uri="{FF2B5EF4-FFF2-40B4-BE49-F238E27FC236}">
+                <a16:creationId xmlns:a16="http://schemas.microsoft.com/office/drawing/2014/main" id="{5BD5254D-3848-4C18-8846-87D98F973B50}"/>
+              </a:ext>
+            </a:extLst>
+          </p:cNvPr>
+          <p:cNvPicPr>
+            <a:picLocks noChangeAspect="1"/>
+          </p:cNvPicPr>
+          <p:nvPr/>
+        </p:nvPicPr>
+        <p:blipFill>
+          <a:blip r:embed="rId4"/>
+          <a:stretch>
+            <a:fillRect/>
+          </a:stretch>
+        </p:blipFill>
+        <p:spPr>
+          <a:xfrm>
+            <a:off x="1713808" y="1647881"/>
+            <a:ext cx="7757360" cy="3795667"/>
+          </a:xfrm>
+          <a:prstGeom prst="rect">
+            <a:avLst/>
+          </a:prstGeom>
+        </p:spPr>
+      </p:pic>
     </p:spTree>
     <p:extLst>
       <p:ext uri="{BB962C8B-B14F-4D97-AF65-F5344CB8AC3E}">
@@ -7765,6 +7811,207 @@
                       </p:childTnLst>
                     </p:cTn>
                   </p:par>
+                  <p:par>
+                    <p:cTn id="31" fill="hold">
+                      <p:stCondLst>
+                        <p:cond delay="indefinite"/>
+                      </p:stCondLst>
+                      <p:childTnLst>
+                        <p:par>
+                          <p:cTn id="32" fill="hold">
+                            <p:stCondLst>
+                              <p:cond delay="0"/>
+                            </p:stCondLst>
+                            <p:childTnLst>
+                              <p:par>
+                                <p:cTn id="33" presetID="10" presetClass="exit" presetSubtype="0" fill="hold" grpId="1" nodeType="clickEffect">
+                                  <p:stCondLst>
+                                    <p:cond delay="0"/>
+                                  </p:stCondLst>
+                                  <p:childTnLst>
+                                    <p:animEffect transition="out" filter="fade">
+                                      <p:cBhvr>
+                                        <p:cTn id="34" dur="500"/>
+                                        <p:tgtEl>
+                                          <p:spTgt spid="12"/>
+                                        </p:tgtEl>
+                                      </p:cBhvr>
+                                    </p:animEffect>
+                                    <p:set>
+                                      <p:cBhvr>
+                                        <p:cTn id="35" dur="1" fill="hold">
+                                          <p:stCondLst>
+                                            <p:cond delay="499"/>
+                                          </p:stCondLst>
+                                        </p:cTn>
+                                        <p:tgtEl>
+                                          <p:spTgt spid="12"/>
+                                        </p:tgtEl>
+                                        <p:attrNameLst>
+                                          <p:attrName>style.visibility</p:attrName>
+                                        </p:attrNameLst>
+                                      </p:cBhvr>
+                                      <p:to>
+                                        <p:strVal val="hidden"/>
+                                      </p:to>
+                                    </p:set>
+                                  </p:childTnLst>
+                                </p:cTn>
+                              </p:par>
+                              <p:par>
+                                <p:cTn id="36" presetID="10" presetClass="exit" presetSubtype="0" fill="hold" nodeType="withEffect">
+                                  <p:stCondLst>
+                                    <p:cond delay="0"/>
+                                  </p:stCondLst>
+                                  <p:childTnLst>
+                                    <p:animEffect transition="out" filter="fade">
+                                      <p:cBhvr>
+                                        <p:cTn id="37" dur="500"/>
+                                        <p:tgtEl>
+                                          <p:spTgt spid="8"/>
+                                        </p:tgtEl>
+                                      </p:cBhvr>
+                                    </p:animEffect>
+                                    <p:set>
+                                      <p:cBhvr>
+                                        <p:cTn id="38" dur="1" fill="hold">
+                                          <p:stCondLst>
+                                            <p:cond delay="499"/>
+                                          </p:stCondLst>
+                                        </p:cTn>
+                                        <p:tgtEl>
+                                          <p:spTgt spid="8"/>
+                                        </p:tgtEl>
+                                        <p:attrNameLst>
+                                          <p:attrName>style.visibility</p:attrName>
+                                        </p:attrNameLst>
+                                      </p:cBhvr>
+                                      <p:to>
+                                        <p:strVal val="hidden"/>
+                                      </p:to>
+                                    </p:set>
+                                  </p:childTnLst>
+                                </p:cTn>
+                              </p:par>
+                              <p:par>
+                                <p:cTn id="39" presetID="10" presetClass="exit" presetSubtype="0" fill="hold" grpId="0" nodeType="withEffect">
+                                  <p:stCondLst>
+                                    <p:cond delay="0"/>
+                                  </p:stCondLst>
+                                  <p:childTnLst>
+                                    <p:animEffect transition="out" filter="fade">
+                                      <p:cBhvr>
+                                        <p:cTn id="40" dur="500"/>
+                                        <p:tgtEl>
+                                          <p:spTgt spid="14">
+                                            <p:txEl>
+                                              <p:pRg st="0" end="0"/>
+                                            </p:txEl>
+                                          </p:spTgt>
+                                        </p:tgtEl>
+                                      </p:cBhvr>
+                                    </p:animEffect>
+                                    <p:set>
+                                      <p:cBhvr>
+                                        <p:cTn id="41" dur="1" fill="hold">
+                                          <p:stCondLst>
+                                            <p:cond delay="499"/>
+                                          </p:stCondLst>
+                                        </p:cTn>
+                                        <p:tgtEl>
+                                          <p:spTgt spid="14">
+                                            <p:txEl>
+                                              <p:pRg st="0" end="0"/>
+                                            </p:txEl>
+                                          </p:spTgt>
+                                        </p:tgtEl>
+                                        <p:attrNameLst>
+                                          <p:attrName>style.visibility</p:attrName>
+                                        </p:attrNameLst>
+                                      </p:cBhvr>
+                                      <p:to>
+                                        <p:strVal val="hidden"/>
+                                      </p:to>
+                                    </p:set>
+                                  </p:childTnLst>
+                                </p:cTn>
+                              </p:par>
+                              <p:par>
+                                <p:cTn id="42" presetID="10" presetClass="exit" presetSubtype="0" fill="hold" grpId="0" nodeType="withEffect">
+                                  <p:stCondLst>
+                                    <p:cond delay="0"/>
+                                  </p:stCondLst>
+                                  <p:childTnLst>
+                                    <p:animEffect transition="out" filter="fade">
+                                      <p:cBhvr>
+                                        <p:cTn id="43" dur="500"/>
+                                        <p:tgtEl>
+                                          <p:spTgt spid="14">
+                                            <p:txEl>
+                                              <p:pRg st="1" end="1"/>
+                                            </p:txEl>
+                                          </p:spTgt>
+                                        </p:tgtEl>
+                                      </p:cBhvr>
+                                    </p:animEffect>
+                                    <p:set>
+                                      <p:cBhvr>
+                                        <p:cTn id="44" dur="1" fill="hold">
+                                          <p:stCondLst>
+                                            <p:cond delay="499"/>
+                                          </p:stCondLst>
+                                        </p:cTn>
+                                        <p:tgtEl>
+                                          <p:spTgt spid="14">
+                                            <p:txEl>
+                                              <p:pRg st="1" end="1"/>
+                                            </p:txEl>
+                                          </p:spTgt>
+                                        </p:tgtEl>
+                                        <p:attrNameLst>
+                                          <p:attrName>style.visibility</p:attrName>
+                                        </p:attrNameLst>
+                                      </p:cBhvr>
+                                      <p:to>
+                                        <p:strVal val="hidden"/>
+                                      </p:to>
+                                    </p:set>
+                                  </p:childTnLst>
+                                </p:cTn>
+                              </p:par>
+                              <p:par>
+                                <p:cTn id="45" presetID="1" presetClass="entr" presetSubtype="0" fill="hold" nodeType="withEffect">
+                                  <p:stCondLst>
+                                    <p:cond delay="0"/>
+                                  </p:stCondLst>
+                                  <p:childTnLst>
+                                    <p:set>
+                                      <p:cBhvr>
+                                        <p:cTn id="46" dur="1" fill="hold">
+                                          <p:stCondLst>
+                                            <p:cond delay="0"/>
+                                          </p:stCondLst>
+                                        </p:cTn>
+                                        <p:tgtEl>
+                                          <p:spTgt spid="5"/>
+                                        </p:tgtEl>
+                                        <p:attrNameLst>
+                                          <p:attrName>style.visibility</p:attrName>
+                                        </p:attrNameLst>
+                                      </p:cBhvr>
+                                      <p:to>
+                                        <p:strVal val="visible"/>
+                                      </p:to>
+                                    </p:set>
+                                  </p:childTnLst>
+                                </p:cTn>
+                              </p:par>
+                            </p:childTnLst>
+                          </p:cTn>
+                        </p:par>
+                      </p:childTnLst>
+                    </p:cTn>
+                  </p:par>
                 </p:childTnLst>
               </p:cTn>
               <p:prevCondLst>
@@ -7788,6 +8035,8 @@
     </p:tnLst>
     <p:bldLst>
       <p:bldP spid="12" grpId="0" animBg="1"/>
+      <p:bldP spid="12" grpId="1" animBg="1"/>
+      <p:bldP spid="14" grpId="0" uiExpand="1" build="allAtOnce"/>
     </p:bldLst>
   </p:timing>
 </p:sld>
@@ -8489,6 +8738,36 @@
           </a:p>
         </p:txBody>
       </p:sp>
+      <p:pic>
+        <p:nvPicPr>
+          <p:cNvPr id="4" name="Afbeelding 3">
+            <a:extLst>
+              <a:ext uri="{FF2B5EF4-FFF2-40B4-BE49-F238E27FC236}">
+                <a16:creationId xmlns:a16="http://schemas.microsoft.com/office/drawing/2014/main" id="{E500EC85-B63D-430B-BA33-E2509EA7279D}"/>
+              </a:ext>
+            </a:extLst>
+          </p:cNvPr>
+          <p:cNvPicPr>
+            <a:picLocks noChangeAspect="1"/>
+          </p:cNvPicPr>
+          <p:nvPr/>
+        </p:nvPicPr>
+        <p:blipFill>
+          <a:blip r:embed="rId3"/>
+          <a:stretch>
+            <a:fillRect/>
+          </a:stretch>
+        </p:blipFill>
+        <p:spPr>
+          <a:xfrm>
+            <a:off x="2379726" y="1789426"/>
+            <a:ext cx="7724775" cy="4256167"/>
+          </a:xfrm>
+          <a:prstGeom prst="rect">
+            <a:avLst/>
+          </a:prstGeom>
+        </p:spPr>
+      </p:pic>
     </p:spTree>
     <p:extLst>
       <p:ext uri="{BB962C8B-B14F-4D97-AF65-F5344CB8AC3E}">
@@ -9063,6 +9342,59 @@
                                         <p:cTn id="50" dur="500"/>
                                         <p:tgtEl>
                                           <p:spTgt spid="25"/>
+                                        </p:tgtEl>
+                                      </p:cBhvr>
+                                    </p:animEffect>
+                                  </p:childTnLst>
+                                </p:cTn>
+                              </p:par>
+                            </p:childTnLst>
+                          </p:cTn>
+                        </p:par>
+                      </p:childTnLst>
+                    </p:cTn>
+                  </p:par>
+                  <p:par>
+                    <p:cTn id="51" fill="hold">
+                      <p:stCondLst>
+                        <p:cond delay="indefinite"/>
+                      </p:stCondLst>
+                      <p:childTnLst>
+                        <p:par>
+                          <p:cTn id="52" fill="hold">
+                            <p:stCondLst>
+                              <p:cond delay="0"/>
+                            </p:stCondLst>
+                            <p:childTnLst>
+                              <p:par>
+                                <p:cTn id="53" presetID="10" presetClass="entr" presetSubtype="0" fill="hold" nodeType="clickEffect">
+                                  <p:stCondLst>
+                                    <p:cond delay="0"/>
+                                  </p:stCondLst>
+                                  <p:childTnLst>
+                                    <p:set>
+                                      <p:cBhvr>
+                                        <p:cTn id="54" dur="1" fill="hold">
+                                          <p:stCondLst>
+                                            <p:cond delay="0"/>
+                                          </p:stCondLst>
+                                        </p:cTn>
+                                        <p:tgtEl>
+                                          <p:spTgt spid="4"/>
+                                        </p:tgtEl>
+                                        <p:attrNameLst>
+                                          <p:attrName>style.visibility</p:attrName>
+                                        </p:attrNameLst>
+                                      </p:cBhvr>
+                                      <p:to>
+                                        <p:strVal val="visible"/>
+                                      </p:to>
+                                    </p:set>
+                                    <p:animEffect transition="in" filter="fade">
+                                      <p:cBhvr>
+                                        <p:cTn id="55" dur="500"/>
+                                        <p:tgtEl>
+                                          <p:spTgt spid="4"/>
                                         </p:tgtEl>
                                       </p:cBhvr>
                                     </p:animEffect>
